--- a/Slides/Lesson 12.1 The Last Lecture.pptx
+++ b/Slides/Lesson 12.1 The Last Lecture.pptx
@@ -5,40 +5,34 @@
     <p:sldMasterId id="2147483660" r:id="rId1"/>
   </p:sldMasterIdLst>
   <p:notesMasterIdLst>
-    <p:notesMasterId r:id="rId33"/>
+    <p:notesMasterId r:id="rId27"/>
   </p:notesMasterIdLst>
   <p:sldIdLst>
     <p:sldId id="256" r:id="rId2"/>
-    <p:sldId id="311" r:id="rId3"/>
-    <p:sldId id="312" r:id="rId4"/>
-    <p:sldId id="313" r:id="rId5"/>
-    <p:sldId id="314" r:id="rId6"/>
-    <p:sldId id="315" r:id="rId7"/>
-    <p:sldId id="316" r:id="rId8"/>
-    <p:sldId id="317" r:id="rId9"/>
-    <p:sldId id="324" r:id="rId10"/>
-    <p:sldId id="257" r:id="rId11"/>
-    <p:sldId id="274" r:id="rId12"/>
-    <p:sldId id="325" r:id="rId13"/>
-    <p:sldId id="310" r:id="rId14"/>
-    <p:sldId id="320" r:id="rId15"/>
-    <p:sldId id="326" r:id="rId16"/>
-    <p:sldId id="323" r:id="rId17"/>
-    <p:sldId id="259" r:id="rId18"/>
-    <p:sldId id="260" r:id="rId19"/>
-    <p:sldId id="262" r:id="rId20"/>
-    <p:sldId id="319" r:id="rId21"/>
-    <p:sldId id="285" r:id="rId22"/>
-    <p:sldId id="328" r:id="rId23"/>
-    <p:sldId id="329" r:id="rId24"/>
-    <p:sldId id="303" r:id="rId25"/>
-    <p:sldId id="295" r:id="rId26"/>
-    <p:sldId id="266" r:id="rId27"/>
-    <p:sldId id="307" r:id="rId28"/>
-    <p:sldId id="268" r:id="rId29"/>
-    <p:sldId id="269" r:id="rId30"/>
-    <p:sldId id="270" r:id="rId31"/>
-    <p:sldId id="271" r:id="rId32"/>
+    <p:sldId id="312" r:id="rId3"/>
+    <p:sldId id="313" r:id="rId4"/>
+    <p:sldId id="314" r:id="rId5"/>
+    <p:sldId id="315" r:id="rId6"/>
+    <p:sldId id="316" r:id="rId7"/>
+    <p:sldId id="317" r:id="rId8"/>
+    <p:sldId id="324" r:id="rId9"/>
+    <p:sldId id="257" r:id="rId10"/>
+    <p:sldId id="274" r:id="rId11"/>
+    <p:sldId id="325" r:id="rId12"/>
+    <p:sldId id="326" r:id="rId13"/>
+    <p:sldId id="259" r:id="rId14"/>
+    <p:sldId id="285" r:id="rId15"/>
+    <p:sldId id="328" r:id="rId16"/>
+    <p:sldId id="329" r:id="rId17"/>
+    <p:sldId id="303" r:id="rId18"/>
+    <p:sldId id="330" r:id="rId19"/>
+    <p:sldId id="260" r:id="rId20"/>
+    <p:sldId id="295" r:id="rId21"/>
+    <p:sldId id="266" r:id="rId22"/>
+    <p:sldId id="268" r:id="rId23"/>
+    <p:sldId id="269" r:id="rId24"/>
+    <p:sldId id="270" r:id="rId25"/>
+    <p:sldId id="271" r:id="rId26"/>
   </p:sldIdLst>
   <p:sldSz cx="9144000" cy="6858000" type="screen4x3"/>
   <p:notesSz cx="7315200" cy="9601200"/>
@@ -170,6 +164,10 @@
 </p:presentation>
 </file>
 
+<file path=ppt/revisionInfo.xml><?xml version="1.0" encoding="utf-8"?>
+<p1510:revInfo xmlns:a="http://schemas.openxmlformats.org/drawingml/2006/main" xmlns:r="http://schemas.openxmlformats.org/officeDocument/2006/relationships" xmlns:p1510="http://schemas.microsoft.com/office/powerpoint/2015/10/main"/>
+</file>
+
 <file path=ppt/notesMasters/notesMaster1.xml><?xml version="1.0" encoding="utf-8"?>
 <p:notesMaster xmlns:a="http://schemas.openxmlformats.org/drawingml/2006/main" xmlns:r="http://schemas.openxmlformats.org/officeDocument/2006/relationships" xmlns:p="http://schemas.openxmlformats.org/presentationml/2006/main">
   <p:cSld>
@@ -253,7 +251,7 @@
             <a:fld id="{3AEE8EC1-C4AE-4A57-9A8B-A8BF77FA5568}" type="datetimeFigureOut">
               <a:rPr lang="en-US" smtClean="0"/>
               <a:pPr/>
-              <a:t>12/6/2016</a:t>
+              <a:t>12/2/2017</a:t>
             </a:fld>
             <a:endParaRPr lang="en-US"/>
           </a:p>
@@ -660,10 +658,7 @@
           <a:bodyPr/>
           <a:lstStyle/>
           <a:p>
-            <a:r>
-              <a:rPr lang="en-US" dirty="0"/>
-              <a:t>Here is the function design recipe.  </a:t>
-            </a:r>
+            <a:endParaRPr lang="en-US" dirty="0"/>
           </a:p>
         </p:txBody>
       </p:sp>
@@ -682,10 +677,10 @@
           <a:bodyPr/>
           <a:lstStyle/>
           <a:p>
-            <a:fld id="{6048B3DE-E9CD-4720-84B6-E24D30E64DE7}" type="slidenum">
+            <a:fld id="{35B728A6-6F57-4E84-A2C2-C78EE294E18B}" type="slidenum">
               <a:rPr lang="en-US" smtClean="0"/>
               <a:pPr/>
-              <a:t>14</a:t>
+              <a:t>13</a:t>
             </a:fld>
             <a:endParaRPr lang="en-US"/>
           </a:p>
@@ -694,7 +689,7 @@
     </p:spTree>
     <p:extLst>
       <p:ext uri="{BB962C8B-B14F-4D97-AF65-F5344CB8AC3E}">
-        <p14:creationId xmlns:p14="http://schemas.microsoft.com/office/powerpoint/2010/main" val="3780029653"/>
+        <p14:creationId xmlns:p14="http://schemas.microsoft.com/office/powerpoint/2010/main" val="1992246410"/>
       </p:ext>
     </p:extLst>
   </p:cSld>
@@ -770,7 +765,7 @@
             <a:fld id="{35B728A6-6F57-4E84-A2C2-C78EE294E18B}" type="slidenum">
               <a:rPr lang="en-US" smtClean="0"/>
               <a:pPr/>
-              <a:t>17</a:t>
+              <a:t>14</a:t>
             </a:fld>
             <a:endParaRPr lang="en-US"/>
           </a:p>
@@ -779,7 +774,7 @@
     </p:spTree>
     <p:extLst>
       <p:ext uri="{BB962C8B-B14F-4D97-AF65-F5344CB8AC3E}">
-        <p14:creationId xmlns:p14="http://schemas.microsoft.com/office/powerpoint/2010/main" val="1992246410"/>
+        <p14:creationId xmlns:p14="http://schemas.microsoft.com/office/powerpoint/2010/main" val="3950318737"/>
       </p:ext>
     </p:extLst>
   </p:cSld>
@@ -833,7 +828,10 @@
           <a:bodyPr/>
           <a:lstStyle/>
           <a:p>
-            <a:endParaRPr lang="en-US" dirty="0"/>
+            <a:r>
+              <a:rPr lang="en-US" dirty="0"/>
+              <a:t>Here is the function design recipe.  </a:t>
+            </a:r>
           </a:p>
         </p:txBody>
       </p:sp>
@@ -852,10 +850,10 @@
           <a:bodyPr/>
           <a:lstStyle/>
           <a:p>
-            <a:fld id="{35B728A6-6F57-4E84-A2C2-C78EE294E18B}" type="slidenum">
+            <a:fld id="{6048B3DE-E9CD-4720-84B6-E24D30E64DE7}" type="slidenum">
               <a:rPr lang="en-US" smtClean="0"/>
               <a:pPr/>
-              <a:t>18</a:t>
+              <a:t>17</a:t>
             </a:fld>
             <a:endParaRPr lang="en-US"/>
           </a:p>
@@ -864,7 +862,7 @@
     </p:spTree>
     <p:extLst>
       <p:ext uri="{BB962C8B-B14F-4D97-AF65-F5344CB8AC3E}">
-        <p14:creationId xmlns:p14="http://schemas.microsoft.com/office/powerpoint/2010/main" val="380861967"/>
+        <p14:creationId xmlns:p14="http://schemas.microsoft.com/office/powerpoint/2010/main" val="1154262079"/>
       </p:ext>
     </p:extLst>
   </p:cSld>
@@ -918,7 +916,7 @@
           <a:bodyPr/>
           <a:lstStyle/>
           <a:p>
-            <a:endParaRPr lang="en-US"/>
+            <a:endParaRPr lang="en-US" dirty="0"/>
           </a:p>
         </p:txBody>
       </p:sp>
@@ -937,10 +935,10 @@
           <a:bodyPr/>
           <a:lstStyle/>
           <a:p>
-            <a:fld id="{35B728A6-6F57-4E84-A2C2-C78EE294E18B}" type="slidenum">
+            <a:fld id="{00E1DFD8-B619-4FFF-B366-BDCC98D08110}" type="slidenum">
               <a:rPr lang="en-US" smtClean="0"/>
               <a:pPr/>
-              <a:t>19</a:t>
+              <a:t>18</a:t>
             </a:fld>
             <a:endParaRPr lang="en-US"/>
           </a:p>
@@ -949,7 +947,7 @@
     </p:spTree>
     <p:extLst>
       <p:ext uri="{BB962C8B-B14F-4D97-AF65-F5344CB8AC3E}">
-        <p14:creationId xmlns:p14="http://schemas.microsoft.com/office/powerpoint/2010/main" val="1531129417"/>
+        <p14:creationId xmlns:p14="http://schemas.microsoft.com/office/powerpoint/2010/main" val="890955836"/>
       </p:ext>
     </p:extLst>
   </p:cSld>
@@ -1025,7 +1023,7 @@
             <a:fld id="{35B728A6-6F57-4E84-A2C2-C78EE294E18B}" type="slidenum">
               <a:rPr lang="en-US" smtClean="0"/>
               <a:pPr/>
-              <a:t>21</a:t>
+              <a:t>19</a:t>
             </a:fld>
             <a:endParaRPr lang="en-US"/>
           </a:p>
@@ -1034,7 +1032,7 @@
     </p:spTree>
     <p:extLst>
       <p:ext uri="{BB962C8B-B14F-4D97-AF65-F5344CB8AC3E}">
-        <p14:creationId xmlns:p14="http://schemas.microsoft.com/office/powerpoint/2010/main" val="3950318737"/>
+        <p14:creationId xmlns:p14="http://schemas.microsoft.com/office/powerpoint/2010/main" val="380861967"/>
       </p:ext>
     </p:extLst>
   </p:cSld>
@@ -1088,10 +1086,7 @@
           <a:bodyPr/>
           <a:lstStyle/>
           <a:p>
-            <a:r>
-              <a:rPr lang="en-US" dirty="0"/>
-              <a:t>Here is the function design recipe.  </a:t>
-            </a:r>
+            <a:endParaRPr lang="en-US" dirty="0"/>
           </a:p>
         </p:txBody>
       </p:sp>
@@ -1110,10 +1105,10 @@
           <a:bodyPr/>
           <a:lstStyle/>
           <a:p>
-            <a:fld id="{6048B3DE-E9CD-4720-84B6-E24D30E64DE7}" type="slidenum">
+            <a:fld id="{35B728A6-6F57-4E84-A2C2-C78EE294E18B}" type="slidenum">
               <a:rPr lang="en-US" smtClean="0"/>
               <a:pPr/>
-              <a:t>24</a:t>
+              <a:t>21</a:t>
             </a:fld>
             <a:endParaRPr lang="en-US"/>
           </a:p>
@@ -1122,7 +1117,7 @@
     </p:spTree>
     <p:extLst>
       <p:ext uri="{BB962C8B-B14F-4D97-AF65-F5344CB8AC3E}">
-        <p14:creationId xmlns:p14="http://schemas.microsoft.com/office/powerpoint/2010/main" val="1154262079"/>
+        <p14:creationId xmlns:p14="http://schemas.microsoft.com/office/powerpoint/2010/main" val="3008092058"/>
       </p:ext>
     </p:extLst>
   </p:cSld>
@@ -1198,7 +1193,7 @@
             <a:fld id="{35B728A6-6F57-4E84-A2C2-C78EE294E18B}" type="slidenum">
               <a:rPr lang="en-US" smtClean="0"/>
               <a:pPr/>
-              <a:t>26</a:t>
+              <a:t>22</a:t>
             </a:fld>
             <a:endParaRPr lang="en-US"/>
           </a:p>
@@ -1207,7 +1202,7 @@
     </p:spTree>
     <p:extLst>
       <p:ext uri="{BB962C8B-B14F-4D97-AF65-F5344CB8AC3E}">
-        <p14:creationId xmlns:p14="http://schemas.microsoft.com/office/powerpoint/2010/main" val="3008092058"/>
+        <p14:creationId xmlns:p14="http://schemas.microsoft.com/office/powerpoint/2010/main" val="1996035949"/>
       </p:ext>
     </p:extLst>
   </p:cSld>
@@ -1261,7 +1256,7 @@
           <a:bodyPr/>
           <a:lstStyle/>
           <a:p>
-            <a:endParaRPr lang="en-US" dirty="0"/>
+            <a:endParaRPr lang="en-US"/>
           </a:p>
         </p:txBody>
       </p:sp>
@@ -1283,7 +1278,7 @@
             <a:fld id="{35B728A6-6F57-4E84-A2C2-C78EE294E18B}" type="slidenum">
               <a:rPr lang="en-US" smtClean="0"/>
               <a:pPr/>
-              <a:t>27</a:t>
+              <a:t>23</a:t>
             </a:fld>
             <a:endParaRPr lang="en-US"/>
           </a:p>
@@ -1292,7 +1287,7 @@
     </p:spTree>
     <p:extLst>
       <p:ext uri="{BB962C8B-B14F-4D97-AF65-F5344CB8AC3E}">
-        <p14:creationId xmlns:p14="http://schemas.microsoft.com/office/powerpoint/2010/main" val="985671960"/>
+        <p14:creationId xmlns:p14="http://schemas.microsoft.com/office/powerpoint/2010/main" val="2191203412"/>
       </p:ext>
     </p:extLst>
   </p:cSld>
@@ -1368,7 +1363,7 @@
             <a:fld id="{35B728A6-6F57-4E84-A2C2-C78EE294E18B}" type="slidenum">
               <a:rPr lang="en-US" smtClean="0"/>
               <a:pPr/>
-              <a:t>28</a:t>
+              <a:t>24</a:t>
             </a:fld>
             <a:endParaRPr lang="en-US"/>
           </a:p>
@@ -1377,7 +1372,7 @@
     </p:spTree>
     <p:extLst>
       <p:ext uri="{BB962C8B-B14F-4D97-AF65-F5344CB8AC3E}">
-        <p14:creationId xmlns:p14="http://schemas.microsoft.com/office/powerpoint/2010/main" val="1996035949"/>
+        <p14:creationId xmlns:p14="http://schemas.microsoft.com/office/powerpoint/2010/main" val="753692657"/>
       </p:ext>
     </p:extLst>
   </p:cSld>
@@ -1453,7 +1448,7 @@
             <a:fld id="{35B728A6-6F57-4E84-A2C2-C78EE294E18B}" type="slidenum">
               <a:rPr lang="en-US" smtClean="0"/>
               <a:pPr/>
-              <a:t>29</a:t>
+              <a:t>25</a:t>
             </a:fld>
             <a:endParaRPr lang="en-US"/>
           </a:p>
@@ -1462,7 +1457,7 @@
     </p:spTree>
     <p:extLst>
       <p:ext uri="{BB962C8B-B14F-4D97-AF65-F5344CB8AC3E}">
-        <p14:creationId xmlns:p14="http://schemas.microsoft.com/office/powerpoint/2010/main" val="2191203412"/>
+        <p14:creationId xmlns:p14="http://schemas.microsoft.com/office/powerpoint/2010/main" val="1348637805"/>
       </p:ext>
     </p:extLst>
   </p:cSld>
@@ -1538,7 +1533,7 @@
             <a:fld id="{6048B3DE-E9CD-4720-84B6-E24D30E64DE7}" type="slidenum">
               <a:rPr lang="en-US" smtClean="0"/>
               <a:pPr/>
-              <a:t>3</a:t>
+              <a:t>2</a:t>
             </a:fld>
             <a:endParaRPr lang="en-US"/>
           </a:p>
@@ -1548,176 +1543,6 @@
     <p:extLst>
       <p:ext uri="{BB962C8B-B14F-4D97-AF65-F5344CB8AC3E}">
         <p14:creationId xmlns:p14="http://schemas.microsoft.com/office/powerpoint/2010/main" val="4006325392"/>
-      </p:ext>
-    </p:extLst>
-  </p:cSld>
-  <p:clrMapOvr>
-    <a:masterClrMapping/>
-  </p:clrMapOvr>
-</p:notes>
-</file>
-
-<file path=ppt/notesSlides/notesSlide20.xml><?xml version="1.0" encoding="utf-8"?>
-<p:notes xmlns:a="http://schemas.openxmlformats.org/drawingml/2006/main" xmlns:r="http://schemas.openxmlformats.org/officeDocument/2006/relationships" xmlns:p="http://schemas.openxmlformats.org/presentationml/2006/main">
-  <p:cSld>
-    <p:spTree>
-      <p:nvGrpSpPr>
-        <p:cNvPr id="1" name=""/>
-        <p:cNvGrpSpPr/>
-        <p:nvPr/>
-      </p:nvGrpSpPr>
-      <p:grpSpPr>
-        <a:xfrm>
-          <a:off x="0" y="0"/>
-          <a:ext cx="0" cy="0"/>
-          <a:chOff x="0" y="0"/>
-          <a:chExt cx="0" cy="0"/>
-        </a:xfrm>
-      </p:grpSpPr>
-      <p:sp>
-        <p:nvSpPr>
-          <p:cNvPr id="2" name="Slide Image Placeholder 1"/>
-          <p:cNvSpPr>
-            <a:spLocks noGrp="1" noRot="1" noChangeAspect="1"/>
-          </p:cNvSpPr>
-          <p:nvPr>
-            <p:ph type="sldImg"/>
-          </p:nvPr>
-        </p:nvSpPr>
-        <p:spPr/>
-      </p:sp>
-      <p:sp>
-        <p:nvSpPr>
-          <p:cNvPr id="3" name="Notes Placeholder 2"/>
-          <p:cNvSpPr>
-            <a:spLocks noGrp="1"/>
-          </p:cNvSpPr>
-          <p:nvPr>
-            <p:ph type="body" idx="1"/>
-          </p:nvPr>
-        </p:nvSpPr>
-        <p:spPr/>
-        <p:txBody>
-          <a:bodyPr/>
-          <a:lstStyle/>
-          <a:p>
-            <a:endParaRPr lang="en-US" dirty="0"/>
-          </a:p>
-        </p:txBody>
-      </p:sp>
-      <p:sp>
-        <p:nvSpPr>
-          <p:cNvPr id="4" name="Slide Number Placeholder 3"/>
-          <p:cNvSpPr>
-            <a:spLocks noGrp="1"/>
-          </p:cNvSpPr>
-          <p:nvPr>
-            <p:ph type="sldNum" sz="quarter" idx="10"/>
-          </p:nvPr>
-        </p:nvSpPr>
-        <p:spPr/>
-        <p:txBody>
-          <a:bodyPr/>
-          <a:lstStyle/>
-          <a:p>
-            <a:fld id="{35B728A6-6F57-4E84-A2C2-C78EE294E18B}" type="slidenum">
-              <a:rPr lang="en-US" smtClean="0"/>
-              <a:pPr/>
-              <a:t>30</a:t>
-            </a:fld>
-            <a:endParaRPr lang="en-US"/>
-          </a:p>
-        </p:txBody>
-      </p:sp>
-    </p:spTree>
-    <p:extLst>
-      <p:ext uri="{BB962C8B-B14F-4D97-AF65-F5344CB8AC3E}">
-        <p14:creationId xmlns:p14="http://schemas.microsoft.com/office/powerpoint/2010/main" val="753692657"/>
-      </p:ext>
-    </p:extLst>
-  </p:cSld>
-  <p:clrMapOvr>
-    <a:masterClrMapping/>
-  </p:clrMapOvr>
-</p:notes>
-</file>
-
-<file path=ppt/notesSlides/notesSlide21.xml><?xml version="1.0" encoding="utf-8"?>
-<p:notes xmlns:a="http://schemas.openxmlformats.org/drawingml/2006/main" xmlns:r="http://schemas.openxmlformats.org/officeDocument/2006/relationships" xmlns:p="http://schemas.openxmlformats.org/presentationml/2006/main">
-  <p:cSld>
-    <p:spTree>
-      <p:nvGrpSpPr>
-        <p:cNvPr id="1" name=""/>
-        <p:cNvGrpSpPr/>
-        <p:nvPr/>
-      </p:nvGrpSpPr>
-      <p:grpSpPr>
-        <a:xfrm>
-          <a:off x="0" y="0"/>
-          <a:ext cx="0" cy="0"/>
-          <a:chOff x="0" y="0"/>
-          <a:chExt cx="0" cy="0"/>
-        </a:xfrm>
-      </p:grpSpPr>
-      <p:sp>
-        <p:nvSpPr>
-          <p:cNvPr id="2" name="Slide Image Placeholder 1"/>
-          <p:cNvSpPr>
-            <a:spLocks noGrp="1" noRot="1" noChangeAspect="1"/>
-          </p:cNvSpPr>
-          <p:nvPr>
-            <p:ph type="sldImg"/>
-          </p:nvPr>
-        </p:nvSpPr>
-        <p:spPr/>
-      </p:sp>
-      <p:sp>
-        <p:nvSpPr>
-          <p:cNvPr id="3" name="Notes Placeholder 2"/>
-          <p:cNvSpPr>
-            <a:spLocks noGrp="1"/>
-          </p:cNvSpPr>
-          <p:nvPr>
-            <p:ph type="body" idx="1"/>
-          </p:nvPr>
-        </p:nvSpPr>
-        <p:spPr/>
-        <p:txBody>
-          <a:bodyPr/>
-          <a:lstStyle/>
-          <a:p>
-            <a:endParaRPr lang="en-US"/>
-          </a:p>
-        </p:txBody>
-      </p:sp>
-      <p:sp>
-        <p:nvSpPr>
-          <p:cNvPr id="4" name="Slide Number Placeholder 3"/>
-          <p:cNvSpPr>
-            <a:spLocks noGrp="1"/>
-          </p:cNvSpPr>
-          <p:nvPr>
-            <p:ph type="sldNum" sz="quarter" idx="10"/>
-          </p:nvPr>
-        </p:nvSpPr>
-        <p:spPr/>
-        <p:txBody>
-          <a:bodyPr/>
-          <a:lstStyle/>
-          <a:p>
-            <a:fld id="{35B728A6-6F57-4E84-A2C2-C78EE294E18B}" type="slidenum">
-              <a:rPr lang="en-US" smtClean="0"/>
-              <a:pPr/>
-              <a:t>31</a:t>
-            </a:fld>
-            <a:endParaRPr lang="en-US"/>
-          </a:p>
-        </p:txBody>
-      </p:sp>
-    </p:spTree>
-    <p:extLst>
-      <p:ext uri="{BB962C8B-B14F-4D97-AF65-F5344CB8AC3E}">
-        <p14:creationId xmlns:p14="http://schemas.microsoft.com/office/powerpoint/2010/main" val="1348637805"/>
       </p:ext>
     </p:extLst>
   </p:cSld>
@@ -1792,7 +1617,7 @@
           <a:p>
             <a:fld id="{9680CC5F-B70A-4D86-BBBF-E132BC41B131}" type="slidenum">
               <a:rPr lang="en-US" smtClean="0"/>
-              <a:t>4</a:t>
+              <a:t>3</a:t>
             </a:fld>
             <a:endParaRPr lang="en-US"/>
           </a:p>
@@ -1876,7 +1701,7 @@
           <a:p>
             <a:fld id="{9680CC5F-B70A-4D86-BBBF-E132BC41B131}" type="slidenum">
               <a:rPr lang="en-US" smtClean="0"/>
-              <a:t>5</a:t>
+              <a:t>4</a:t>
             </a:fld>
             <a:endParaRPr lang="en-US"/>
           </a:p>
@@ -1960,7 +1785,7 @@
           <a:p>
             <a:fld id="{9680CC5F-B70A-4D86-BBBF-E132BC41B131}" type="slidenum">
               <a:rPr lang="en-US" smtClean="0"/>
-              <a:t>6</a:t>
+              <a:t>5</a:t>
             </a:fld>
             <a:endParaRPr lang="en-US"/>
           </a:p>
@@ -2044,7 +1869,7 @@
           <a:p>
             <a:fld id="{9680CC5F-B70A-4D86-BBBF-E132BC41B131}" type="slidenum">
               <a:rPr lang="en-US" smtClean="0"/>
-              <a:t>7</a:t>
+              <a:t>6</a:t>
             </a:fld>
             <a:endParaRPr lang="en-US"/>
           </a:p>
@@ -2128,7 +1953,7 @@
           <a:p>
             <a:fld id="{9680CC5F-B70A-4D86-BBBF-E132BC41B131}" type="slidenum">
               <a:rPr lang="en-US" smtClean="0"/>
-              <a:t>8</a:t>
+              <a:t>7</a:t>
             </a:fld>
             <a:endParaRPr lang="en-US"/>
           </a:p>
@@ -2213,7 +2038,7 @@
             <a:fld id="{35B728A6-6F57-4E84-A2C2-C78EE294E18B}" type="slidenum">
               <a:rPr lang="en-US" smtClean="0"/>
               <a:pPr/>
-              <a:t>10</a:t>
+              <a:t>9</a:t>
             </a:fld>
             <a:endParaRPr lang="en-US"/>
           </a:p>
@@ -2300,7 +2125,7 @@
             <a:fld id="{6048B3DE-E9CD-4720-84B6-E24D30E64DE7}" type="slidenum">
               <a:rPr lang="en-US" smtClean="0"/>
               <a:pPr/>
-              <a:t>11</a:t>
+              <a:t>10</a:t>
             </a:fld>
             <a:endParaRPr lang="en-US"/>
           </a:p>
@@ -2498,7 +2323,7 @@
           <a:p>
             <a:fld id="{2F1F79F5-7BEC-496A-AFC7-876E38F64D71}" type="datetime1">
               <a:rPr lang="en-US" smtClean="0"/>
-              <a:t>12/6/2016</a:t>
+              <a:t>12/2/2017</a:t>
             </a:fld>
             <a:endParaRPr lang="en-US"/>
           </a:p>
@@ -2615,7 +2440,7 @@
           <a:p>
             <a:fld id="{2F7B77F5-1464-4F6B-92A8-64FC8A508293}" type="datetime1">
               <a:rPr lang="en-US" smtClean="0"/>
-              <a:t>12/6/2016</a:t>
+              <a:t>12/2/2017</a:t>
             </a:fld>
             <a:endParaRPr lang="en-US"/>
           </a:p>
@@ -2710,7 +2535,7 @@
           <a:p>
             <a:fld id="{0A05703A-7669-4FEA-9056-25299B4D29D4}" type="datetime1">
               <a:rPr lang="en-US" smtClean="0"/>
-              <a:t>12/6/2016</a:t>
+              <a:t>12/2/2017</a:t>
             </a:fld>
             <a:endParaRPr lang="en-US"/>
           </a:p>
@@ -2985,7 +2810,7 @@
           <a:p>
             <a:fld id="{6E5077B5-BB57-49DB-88CA-226A139E5C01}" type="datetime1">
               <a:rPr lang="en-US" smtClean="0"/>
-              <a:t>12/6/2016</a:t>
+              <a:t>12/2/2017</a:t>
             </a:fld>
             <a:endParaRPr lang="en-US"/>
           </a:p>
@@ -3237,7 +3062,7 @@
           <a:p>
             <a:fld id="{C48D9447-CBD6-49A1-89FD-8512A8CF8999}" type="datetime1">
               <a:rPr lang="en-US" smtClean="0"/>
-              <a:t>12/6/2016</a:t>
+              <a:t>12/2/2017</a:t>
             </a:fld>
             <a:endParaRPr lang="en-US"/>
           </a:p>
@@ -3405,7 +3230,7 @@
           <a:p>
             <a:fld id="{A3639A2A-823D-48B7-9ACE-7FAF42870BA9}" type="datetime1">
               <a:rPr lang="en-US" smtClean="0"/>
-              <a:t>12/6/2016</a:t>
+              <a:t>12/2/2017</a:t>
             </a:fld>
             <a:endParaRPr lang="en-US"/>
           </a:p>
@@ -3583,7 +3408,7 @@
           <a:p>
             <a:fld id="{ED1B6996-82E9-463C-972C-7B56056E426C}" type="datetime1">
               <a:rPr lang="en-US" smtClean="0"/>
-              <a:t>12/6/2016</a:t>
+              <a:t>12/2/2017</a:t>
             </a:fld>
             <a:endParaRPr lang="en-US"/>
           </a:p>
@@ -3757,7 +3582,7 @@
           <a:p>
             <a:fld id="{E22ED4DA-448D-4BB1-B935-CC112220207B}" type="datetime1">
               <a:rPr lang="en-US" smtClean="0"/>
-              <a:t>12/6/2016</a:t>
+              <a:t>12/2/2017</a:t>
             </a:fld>
             <a:endParaRPr lang="en-US"/>
           </a:p>
@@ -3930,7 +3755,7 @@
           <a:p>
             <a:fld id="{E22ED4DA-448D-4BB1-B935-CC112220207B}" type="datetime1">
               <a:rPr lang="en-US" smtClean="0"/>
-              <a:t>12/6/2016</a:t>
+              <a:t>12/2/2017</a:t>
             </a:fld>
             <a:endParaRPr lang="en-US"/>
           </a:p>
@@ -4193,7 +4018,7 @@
           <a:p>
             <a:fld id="{FF5D65A6-AB94-4435-B0B7-3743215FA46C}" type="datetime1">
               <a:rPr lang="en-US" smtClean="0"/>
-              <a:t>12/6/2016</a:t>
+              <a:t>12/2/2017</a:t>
             </a:fld>
             <a:endParaRPr lang="en-US"/>
           </a:p>
@@ -4369,7 +4194,7 @@
           <a:p>
             <a:fld id="{FF5D65A6-AB94-4435-B0B7-3743215FA46C}" type="datetime1">
               <a:rPr lang="en-US" smtClean="0"/>
-              <a:t>12/6/2016</a:t>
+              <a:t>12/2/2017</a:t>
             </a:fld>
             <a:endParaRPr lang="en-US"/>
           </a:p>
@@ -4663,7 +4488,7 @@
           <a:p>
             <a:fld id="{7C193DC4-6EF0-48C9-B29C-616106A645E1}" type="datetime1">
               <a:rPr lang="en-US" smtClean="0"/>
-              <a:t>12/6/2016</a:t>
+              <a:t>12/2/2017</a:t>
             </a:fld>
             <a:endParaRPr lang="en-US"/>
           </a:p>
@@ -4948,7 +4773,7 @@
           <a:p>
             <a:fld id="{5D1846AD-9252-4647-9435-4C2AC365653A}" type="datetime1">
               <a:rPr lang="en-US" smtClean="0"/>
-              <a:t>12/6/2016</a:t>
+              <a:t>12/2/2017</a:t>
             </a:fld>
             <a:endParaRPr lang="en-US"/>
           </a:p>
@@ -5247,7 +5072,7 @@
           <a:p>
             <a:fld id="{5D1846AD-9252-4647-9435-4C2AC365653A}" type="datetime1">
               <a:rPr lang="en-US" smtClean="0"/>
-              <a:t>12/6/2016</a:t>
+              <a:t>12/2/2017</a:t>
             </a:fld>
             <a:endParaRPr lang="en-US"/>
           </a:p>
@@ -5666,7 +5491,7 @@
           <a:p>
             <a:fld id="{CE56DC10-3561-4063-A6AF-C1CC7A41040A}" type="datetime1">
               <a:rPr lang="en-US" smtClean="0"/>
-              <a:t>12/6/2016</a:t>
+              <a:t>12/2/2017</a:t>
             </a:fld>
             <a:endParaRPr lang="en-US"/>
           </a:p>
@@ -5889,7 +5714,7 @@
           <a:p>
             <a:fld id="{02B3F677-983B-48DB-ADFD-63FE6CBC7FB2}" type="datetime1">
               <a:rPr lang="en-US" smtClean="0"/>
-              <a:t>12/6/2016</a:t>
+              <a:t>12/2/2017</a:t>
             </a:fld>
             <a:endParaRPr lang="en-US"/>
           </a:p>
@@ -6428,7 +6253,7 @@
             <a:p>
               <a:r>
                 <a:rPr lang="en-US" sz="1000" dirty="0"/>
-                <a:t>© Mitchell Wand, 2012-2015</a:t>
+                <a:t>© Mitchell Wand, 2012-2017</a:t>
               </a:r>
             </a:p>
             <a:p>
@@ -6509,9 +6334,7 @@
             <p:ph type="title"/>
           </p:nvPr>
         </p:nvSpPr>
-        <p:spPr>
-          <a:ln/>
-        </p:spPr>
+        <p:spPr/>
         <p:style>
           <a:lnRef idx="2">
             <a:schemeClr val="accent1"/>
@@ -6532,74 +6355,17 @@
           </a:bodyPr>
           <a:lstStyle/>
           <a:p>
+            <a:pPr marL="514350" indent="-514350"/>
             <a:r>
               <a:rPr lang="en-US" dirty="0"/>
-              <a:t>1. Write programs that people can read, understand, and modify</a:t>
-            </a:r>
-          </a:p>
-        </p:txBody>
-      </p:sp>
-      <p:sp>
-        <p:nvSpPr>
-          <p:cNvPr id="3" name="Content Placeholder 2"/>
-          <p:cNvSpPr>
-            <a:spLocks noGrp="1"/>
-          </p:cNvSpPr>
-          <p:nvPr>
-            <p:ph idx="1"/>
-          </p:nvPr>
-        </p:nvSpPr>
-        <p:spPr/>
-        <p:txBody>
-          <a:bodyPr>
-            <a:normAutofit lnSpcReduction="10000"/>
-          </a:bodyPr>
-          <a:lstStyle/>
-          <a:p>
-            <a:r>
-              <a:rPr lang="en-US" dirty="0"/>
-              <a:t>You write programs so others can read them</a:t>
-            </a:r>
-          </a:p>
-          <a:p>
-            <a:pPr lvl="1"/>
-            <a:r>
-              <a:rPr lang="en-US" dirty="0"/>
-              <a:t>Bosses, customers, maintainers, etc.</a:t>
-            </a:r>
-          </a:p>
-          <a:p>
-            <a:pPr lvl="1"/>
-            <a:r>
-              <a:rPr lang="en-US" dirty="0"/>
-              <a:t>This means an older version of you, too</a:t>
-            </a:r>
-          </a:p>
-          <a:p>
-            <a:r>
-              <a:rPr lang="en-US" dirty="0"/>
-              <a:t>You work with others as you develop programs</a:t>
-            </a:r>
-          </a:p>
-          <a:p>
-            <a:pPr lvl="1"/>
-            <a:r>
-              <a:rPr lang="en-US" dirty="0"/>
-              <a:t>The earlier you articulate your thinking, the earlier you can catch flaws</a:t>
-            </a:r>
-          </a:p>
-          <a:p>
-            <a:pPr lvl="1"/>
-            <a:r>
-              <a:rPr lang="en-US" dirty="0"/>
-              <a:t>The earlier you catch flaws, the easier/cheaper they are to fix</a:t>
-            </a:r>
-          </a:p>
-        </p:txBody>
-      </p:sp>
-      <p:sp>
-        <p:nvSpPr>
-          <p:cNvPr id="4" name="Slide Number Placeholder 3"/>
+              <a:t>2. Represent Information as Data; Interpret Data as Information</a:t>
+            </a:r>
+          </a:p>
+        </p:txBody>
+      </p:sp>
+      <p:sp>
+        <p:nvSpPr>
+          <p:cNvPr id="10" name="Slide Number Placeholder 9"/>
           <p:cNvSpPr>
             <a:spLocks noGrp="1"/>
           </p:cNvSpPr>
@@ -6612,98 +6378,10 @@
           <a:bodyPr/>
           <a:lstStyle/>
           <a:p>
-            <a:fld id="{B6F15528-21DE-4FAA-801E-634DDDAF4B2B}" type="slidenum">
+            <a:fld id="{AB376464-0CAE-48CA-94A1-62F8E9374B4C}" type="slidenum">
               <a:rPr lang="en-US" smtClean="0"/>
               <a:pPr/>
               <a:t>10</a:t>
-            </a:fld>
-            <a:endParaRPr lang="en-US"/>
-          </a:p>
-        </p:txBody>
-      </p:sp>
-    </p:spTree>
-  </p:cSld>
-  <p:clrMapOvr>
-    <a:masterClrMapping/>
-  </p:clrMapOvr>
-</p:sld>
-</file>
-
-<file path=ppt/slides/slide11.xml><?xml version="1.0" encoding="utf-8"?>
-<p:sld xmlns:a="http://schemas.openxmlformats.org/drawingml/2006/main" xmlns:r="http://schemas.openxmlformats.org/officeDocument/2006/relationships" xmlns:p="http://schemas.openxmlformats.org/presentationml/2006/main">
-  <p:cSld>
-    <p:spTree>
-      <p:nvGrpSpPr>
-        <p:cNvPr id="1" name=""/>
-        <p:cNvGrpSpPr/>
-        <p:nvPr/>
-      </p:nvGrpSpPr>
-      <p:grpSpPr>
-        <a:xfrm>
-          <a:off x="0" y="0"/>
-          <a:ext cx="0" cy="0"/>
-          <a:chOff x="0" y="0"/>
-          <a:chExt cx="0" cy="0"/>
-        </a:xfrm>
-      </p:grpSpPr>
-      <p:sp>
-        <p:nvSpPr>
-          <p:cNvPr id="2" name="Title 1"/>
-          <p:cNvSpPr>
-            <a:spLocks noGrp="1"/>
-          </p:cNvSpPr>
-          <p:nvPr>
-            <p:ph type="title"/>
-          </p:nvPr>
-        </p:nvSpPr>
-        <p:spPr/>
-        <p:style>
-          <a:lnRef idx="2">
-            <a:schemeClr val="accent1"/>
-          </a:lnRef>
-          <a:fillRef idx="1">
-            <a:schemeClr val="lt1"/>
-          </a:fillRef>
-          <a:effectRef idx="0">
-            <a:schemeClr val="accent1"/>
-          </a:effectRef>
-          <a:fontRef idx="minor">
-            <a:schemeClr val="dk1"/>
-          </a:fontRef>
-        </p:style>
-        <p:txBody>
-          <a:bodyPr>
-            <a:normAutofit fontScale="90000"/>
-          </a:bodyPr>
-          <a:lstStyle/>
-          <a:p>
-            <a:pPr marL="514350" indent="-514350"/>
-            <a:r>
-              <a:rPr lang="en-US" dirty="0"/>
-              <a:t>2. Represent Information as Data; Interpret Data as Information</a:t>
-            </a:r>
-          </a:p>
-        </p:txBody>
-      </p:sp>
-      <p:sp>
-        <p:nvSpPr>
-          <p:cNvPr id="10" name="Slide Number Placeholder 9"/>
-          <p:cNvSpPr>
-            <a:spLocks noGrp="1"/>
-          </p:cNvSpPr>
-          <p:nvPr>
-            <p:ph type="sldNum" sz="quarter" idx="12"/>
-          </p:nvPr>
-        </p:nvSpPr>
-        <p:spPr/>
-        <p:txBody>
-          <a:bodyPr/>
-          <a:lstStyle/>
-          <a:p>
-            <a:fld id="{AB376464-0CAE-48CA-94A1-62F8E9374B4C}" type="slidenum">
-              <a:rPr lang="en-US" smtClean="0"/>
-              <a:pPr/>
-              <a:t>11</a:t>
             </a:fld>
             <a:endParaRPr lang="en-US"/>
           </a:p>
@@ -6908,14 +6586,20 @@
       </p:grpSp>
       <p:sp>
         <p:nvSpPr>
-          <p:cNvPr id="5" name="Rectangle 4"/>
-          <p:cNvSpPr/>
+          <p:cNvPr id="6" name="TextBox 5">
+            <a:extLst>
+              <a:ext uri="{FF2B5EF4-FFF2-40B4-BE49-F238E27FC236}">
+                <a16:creationId xmlns:a16="http://schemas.microsoft.com/office/drawing/2014/main" id="{892143B7-3892-4825-8660-0B7668BED7C1}"/>
+              </a:ext>
+            </a:extLst>
+          </p:cNvPr>
+          <p:cNvSpPr txBox="1"/>
           <p:nvPr/>
         </p:nvSpPr>
         <p:spPr>
           <a:xfrm>
-            <a:off x="5334000" y="4953000"/>
-            <a:ext cx="3276600" cy="1752600"/>
+            <a:off x="2362200" y="5410200"/>
+            <a:ext cx="4572000" cy="646331"/>
           </a:xfrm>
           <a:prstGeom prst="rect">
             <a:avLst/>
@@ -6926,8 +6610,199 @@
               <a:lumOff val="80000"/>
             </a:schemeClr>
           </a:solidFill>
+        </p:spPr>
+        <p:txBody>
+          <a:bodyPr wrap="square" rtlCol="0">
+            <a:spAutoFit/>
+          </a:bodyPr>
+          <a:lstStyle/>
+          <a:p>
+            <a:r>
+              <a:rPr lang="en-US" dirty="0"/>
+              <a:t>If you don’t know what your data means, you can’t possibly manipulate it correctly!</a:t>
+            </a:r>
+          </a:p>
+        </p:txBody>
+      </p:sp>
+    </p:spTree>
+  </p:cSld>
+  <p:clrMapOvr>
+    <a:masterClrMapping/>
+  </p:clrMapOvr>
+</p:sld>
+</file>
+
+<file path=ppt/slides/slide11.xml><?xml version="1.0" encoding="utf-8"?>
+<p:sld xmlns:a="http://schemas.openxmlformats.org/drawingml/2006/main" xmlns:r="http://schemas.openxmlformats.org/officeDocument/2006/relationships" xmlns:p="http://schemas.openxmlformats.org/presentationml/2006/main">
+  <p:cSld>
+    <p:spTree>
+      <p:nvGrpSpPr>
+        <p:cNvPr id="1" name=""/>
+        <p:cNvGrpSpPr/>
+        <p:nvPr/>
+      </p:nvGrpSpPr>
+      <p:grpSpPr>
+        <a:xfrm>
+          <a:off x="0" y="0"/>
+          <a:ext cx="0" cy="0"/>
+          <a:chOff x="0" y="0"/>
+          <a:chExt cx="0" cy="0"/>
+        </a:xfrm>
+      </p:grpSpPr>
+      <p:sp>
+        <p:nvSpPr>
+          <p:cNvPr id="2" name="Title 1"/>
+          <p:cNvSpPr>
+            <a:spLocks noGrp="1"/>
+          </p:cNvSpPr>
+          <p:nvPr>
+            <p:ph type="title"/>
+          </p:nvPr>
+        </p:nvSpPr>
+        <p:spPr>
+          <a:xfrm>
+            <a:off x="457200" y="274638"/>
+            <a:ext cx="8229600" cy="1706562"/>
+          </a:xfrm>
+        </p:spPr>
+        <p:txBody>
+          <a:bodyPr>
+            <a:noAutofit/>
+          </a:bodyPr>
+          <a:lstStyle/>
+          <a:p>
+            <a:r>
+              <a:rPr lang="en-US" sz="3600" dirty="0"/>
+              <a:t>3. Use contracts and purpose statements to specify the intended behavior of your functions and methods</a:t>
+            </a:r>
+          </a:p>
+        </p:txBody>
+      </p:sp>
+      <p:sp>
+        <p:nvSpPr>
+          <p:cNvPr id="3" name="Content Placeholder 2"/>
+          <p:cNvSpPr>
+            <a:spLocks noGrp="1"/>
+          </p:cNvSpPr>
+          <p:nvPr>
+            <p:ph idx="1"/>
+          </p:nvPr>
+        </p:nvSpPr>
+        <p:spPr>
+          <a:xfrm>
+            <a:off x="457200" y="2209800"/>
+            <a:ext cx="4953000" cy="3916363"/>
+          </a:xfrm>
+        </p:spPr>
+        <p:txBody>
+          <a:bodyPr>
+            <a:normAutofit fontScale="85000" lnSpcReduction="20000"/>
+          </a:bodyPr>
+          <a:lstStyle/>
+          <a:p>
+            <a:r>
+              <a:rPr lang="en-US" dirty="0"/>
+              <a:t>Writing out the contract and purpose statement </a:t>
+            </a:r>
+            <a:r>
+              <a:rPr lang="en-US" i="1" dirty="0"/>
+              <a:t>before</a:t>
+            </a:r>
+            <a:r>
+              <a:rPr lang="en-US" dirty="0"/>
+              <a:t> you code will help you plan.</a:t>
+            </a:r>
+          </a:p>
+          <a:p>
+            <a:r>
+              <a:rPr lang="en-US" dirty="0"/>
+              <a:t>The person who calls your function should never have to read your implementation to figure out what your function returns.</a:t>
+            </a:r>
+          </a:p>
+          <a:p>
+            <a:r>
+              <a:rPr lang="en-US" dirty="0"/>
+              <a:t>If you use good function names, the reader will have a good head start.</a:t>
+            </a:r>
+          </a:p>
+        </p:txBody>
+      </p:sp>
+      <p:sp>
+        <p:nvSpPr>
+          <p:cNvPr id="4" name="Slide Number Placeholder 3"/>
+          <p:cNvSpPr>
+            <a:spLocks noGrp="1"/>
+          </p:cNvSpPr>
+          <p:nvPr>
+            <p:ph type="sldNum" sz="quarter" idx="12"/>
+          </p:nvPr>
+        </p:nvSpPr>
+        <p:spPr/>
+        <p:txBody>
+          <a:bodyPr/>
+          <a:lstStyle/>
+          <a:p>
+            <a:fld id="{2AF3B5EA-18B6-4040-9F78-6052AF49C681}" type="slidenum">
+              <a:rPr lang="en-US" smtClean="0"/>
+              <a:t>11</a:t>
+            </a:fld>
+            <a:endParaRPr lang="en-US"/>
+          </a:p>
+        </p:txBody>
+      </p:sp>
+      <p:sp>
+        <p:nvSpPr>
+          <p:cNvPr id="5" name="Cloud 4">
+            <a:extLst>
+              <a:ext uri="{FF2B5EF4-FFF2-40B4-BE49-F238E27FC236}">
+                <a16:creationId xmlns:a16="http://schemas.microsoft.com/office/drawing/2014/main" id="{EBD07F48-22AD-417C-ACAE-C383BB7F1551}"/>
+              </a:ext>
+            </a:extLst>
+          </p:cNvPr>
+          <p:cNvSpPr/>
+          <p:nvPr/>
+        </p:nvSpPr>
+        <p:spPr>
+          <a:xfrm>
+            <a:off x="5486400" y="2286000"/>
+            <a:ext cx="3276600" cy="1934210"/>
+          </a:xfrm>
+          <a:prstGeom prst="cloud">
+            <a:avLst/>
+          </a:prstGeom>
+          <a:solidFill>
+            <a:srgbClr val="FFFF00"/>
+          </a:solidFill>
           <a:ln>
-            <a:noFill/>
+            <a:gradFill>
+              <a:gsLst>
+                <a:gs pos="0">
+                  <a:schemeClr val="accent1">
+                    <a:lumMod val="5000"/>
+                    <a:lumOff val="95000"/>
+                  </a:schemeClr>
+                </a:gs>
+                <a:gs pos="74000">
+                  <a:schemeClr val="accent1">
+                    <a:lumMod val="45000"/>
+                    <a:lumOff val="55000"/>
+                  </a:schemeClr>
+                </a:gs>
+                <a:gs pos="83000">
+                  <a:schemeClr val="accent1">
+                    <a:lumMod val="45000"/>
+                    <a:lumOff val="55000"/>
+                  </a:schemeClr>
+                </a:gs>
+                <a:gs pos="100000">
+                  <a:schemeClr val="accent1">
+                    <a:lumMod val="30000"/>
+                    <a:lumOff val="70000"/>
+                  </a:schemeClr>
+                </a:gs>
+              </a:gsLst>
+              <a:lin ang="5400000" scaled="1"/>
+            </a:gradFill>
           </a:ln>
         </p:spPr>
         <p:style>
@@ -6953,599 +6828,68 @@
           </a:bodyPr>
           <a:lstStyle/>
           <a:p>
+            <a:pPr algn="ctr"/>
             <a:r>
               <a:rPr lang="en-US" dirty="0"/>
-              <a:t>The distinction between information and data is one of the key concepts of this course.  Any time we have some data, we have to give its </a:t>
-            </a:r>
-            <a:r>
-              <a:rPr lang="en-US" i="1" dirty="0"/>
-              <a:t>interpretation</a:t>
-            </a:r>
-            <a:r>
-              <a:rPr lang="en-US" dirty="0"/>
-              <a:t>: that is, what the data means.</a:t>
-            </a:r>
-          </a:p>
-        </p:txBody>
-      </p:sp>
-    </p:spTree>
-  </p:cSld>
-  <p:clrMapOvr>
-    <a:masterClrMapping/>
-  </p:clrMapOvr>
-</p:sld>
-</file>
-
-<file path=ppt/slides/slide12.xml><?xml version="1.0" encoding="utf-8"?>
-<p:sld xmlns:a="http://schemas.openxmlformats.org/drawingml/2006/main" xmlns:r="http://schemas.openxmlformats.org/officeDocument/2006/relationships" xmlns:p="http://schemas.openxmlformats.org/presentationml/2006/main">
-  <p:cSld>
-    <p:spTree>
-      <p:nvGrpSpPr>
-        <p:cNvPr id="1" name=""/>
-        <p:cNvGrpSpPr/>
-        <p:nvPr/>
-      </p:nvGrpSpPr>
-      <p:grpSpPr>
-        <a:xfrm>
-          <a:off x="0" y="0"/>
-          <a:ext cx="0" cy="0"/>
-          <a:chOff x="0" y="0"/>
-          <a:chExt cx="0" cy="0"/>
-        </a:xfrm>
-      </p:grpSpPr>
-      <p:sp>
-        <p:nvSpPr>
-          <p:cNvPr id="2" name="Title 1"/>
-          <p:cNvSpPr>
-            <a:spLocks noGrp="1"/>
-          </p:cNvSpPr>
-          <p:nvPr>
-            <p:ph type="title"/>
-          </p:nvPr>
+              <a:t>If you don’t know what your function is supposed to do, how can you possibly write it?</a:t>
+            </a:r>
+          </a:p>
+        </p:txBody>
+      </p:sp>
+      <p:sp>
+        <p:nvSpPr>
+          <p:cNvPr id="6" name="Cloud 5">
+            <a:extLst>
+              <a:ext uri="{FF2B5EF4-FFF2-40B4-BE49-F238E27FC236}">
+                <a16:creationId xmlns:a16="http://schemas.microsoft.com/office/drawing/2014/main" id="{5B366481-5453-4D51-A84E-6BE249AE72F7}"/>
+              </a:ext>
+            </a:extLst>
+          </p:cNvPr>
+          <p:cNvSpPr/>
+          <p:nvPr/>
         </p:nvSpPr>
         <p:spPr>
           <a:xfrm>
-            <a:off x="457200" y="274638"/>
-            <a:ext cx="8229600" cy="1706562"/>
+            <a:off x="5700781" y="4419600"/>
+            <a:ext cx="3062219" cy="2472292"/>
           </a:xfrm>
-        </p:spPr>
-        <p:txBody>
-          <a:bodyPr>
-            <a:noAutofit/>
-          </a:bodyPr>
-          <a:lstStyle/>
-          <a:p>
-            <a:r>
-              <a:rPr lang="en-US" sz="3600" dirty="0"/>
-              <a:t>3. Use contracts and purpose statements to specify the intended behavior of your functions and methods</a:t>
-            </a:r>
-          </a:p>
-        </p:txBody>
-      </p:sp>
-      <p:sp>
-        <p:nvSpPr>
-          <p:cNvPr id="3" name="Content Placeholder 2"/>
-          <p:cNvSpPr>
-            <a:spLocks noGrp="1"/>
-          </p:cNvSpPr>
-          <p:nvPr>
-            <p:ph idx="1"/>
-          </p:nvPr>
-        </p:nvSpPr>
-        <p:spPr>
-          <a:xfrm>
-            <a:off x="457200" y="2209800"/>
-            <a:ext cx="8229600" cy="3916363"/>
-          </a:xfrm>
-        </p:spPr>
-        <p:txBody>
-          <a:bodyPr/>
-          <a:lstStyle/>
-          <a:p>
-            <a:r>
-              <a:rPr lang="en-US" dirty="0"/>
-              <a:t>The person who calls your function should never have to read your implementation to figure out what your function returns.</a:t>
-            </a:r>
-          </a:p>
-        </p:txBody>
-      </p:sp>
-      <p:sp>
-        <p:nvSpPr>
-          <p:cNvPr id="4" name="Slide Number Placeholder 3"/>
-          <p:cNvSpPr>
-            <a:spLocks noGrp="1"/>
-          </p:cNvSpPr>
-          <p:nvPr>
-            <p:ph type="sldNum" sz="quarter" idx="12"/>
-          </p:nvPr>
-        </p:nvSpPr>
-        <p:spPr/>
-        <p:txBody>
-          <a:bodyPr/>
-          <a:lstStyle/>
-          <a:p>
-            <a:fld id="{2AF3B5EA-18B6-4040-9F78-6052AF49C681}" type="slidenum">
-              <a:rPr lang="en-US" smtClean="0"/>
-              <a:t>12</a:t>
-            </a:fld>
-            <a:endParaRPr lang="en-US"/>
-          </a:p>
-        </p:txBody>
-      </p:sp>
-    </p:spTree>
-    <p:extLst>
-      <p:ext uri="{BB962C8B-B14F-4D97-AF65-F5344CB8AC3E}">
-        <p14:creationId xmlns:p14="http://schemas.microsoft.com/office/powerpoint/2010/main" val="2327515625"/>
-      </p:ext>
-    </p:extLst>
-  </p:cSld>
-  <p:clrMapOvr>
-    <a:masterClrMapping/>
-  </p:clrMapOvr>
-</p:sld>
-</file>
-
-<file path=ppt/slides/slide13.xml><?xml version="1.0" encoding="utf-8"?>
-<p:sld xmlns:a="http://schemas.openxmlformats.org/drawingml/2006/main" xmlns:r="http://schemas.openxmlformats.org/officeDocument/2006/relationships" xmlns:p="http://schemas.openxmlformats.org/presentationml/2006/main">
-  <p:cSld>
-    <p:spTree>
-      <p:nvGrpSpPr>
-        <p:cNvPr id="1" name=""/>
-        <p:cNvGrpSpPr/>
-        <p:nvPr/>
-      </p:nvGrpSpPr>
-      <p:grpSpPr>
-        <a:xfrm>
-          <a:off x="0" y="0"/>
-          <a:ext cx="0" cy="0"/>
-          <a:chOff x="0" y="0"/>
-          <a:chExt cx="0" cy="0"/>
-        </a:xfrm>
-      </p:grpSpPr>
-      <p:sp>
-        <p:nvSpPr>
-          <p:cNvPr id="2" name="Title 1"/>
-          <p:cNvSpPr>
-            <a:spLocks noGrp="1"/>
-          </p:cNvSpPr>
-          <p:nvPr>
-            <p:ph type="title"/>
-          </p:nvPr>
-        </p:nvSpPr>
-        <p:spPr/>
-        <p:txBody>
-          <a:bodyPr>
-            <a:normAutofit fontScale="90000"/>
-          </a:bodyPr>
-          <a:lstStyle/>
-          <a:p>
-            <a:r>
-              <a:rPr lang="en-US" dirty="0"/>
-              <a:t>Good function names and purpose statements help the reader</a:t>
-            </a:r>
-          </a:p>
-        </p:txBody>
-      </p:sp>
-      <p:sp>
-        <p:nvSpPr>
-          <p:cNvPr id="3" name="Content Placeholder 2"/>
-          <p:cNvSpPr>
-            <a:spLocks noGrp="1"/>
-          </p:cNvSpPr>
-          <p:nvPr>
-            <p:ph idx="1"/>
-          </p:nvPr>
-        </p:nvSpPr>
-        <p:spPr/>
-        <p:txBody>
-          <a:bodyPr>
-            <a:normAutofit fontScale="92500" lnSpcReduction="20000"/>
-          </a:bodyPr>
-          <a:lstStyle/>
-          <a:p>
-            <a:r>
-              <a:rPr lang="en-US" dirty="0"/>
-              <a:t>Imagine the reader is looking at some code that calls your function.</a:t>
-            </a:r>
-          </a:p>
-          <a:p>
-            <a:r>
-              <a:rPr lang="en-US" dirty="0"/>
-              <a:t>The reader should be able to make a good guess about your function produces just from its name.</a:t>
-            </a:r>
-          </a:p>
-          <a:p>
-            <a:r>
-              <a:rPr lang="en-US" dirty="0"/>
-              <a:t>If he/she needs more information, he can read your contract, purpose statement, invariants, etc.</a:t>
-            </a:r>
-          </a:p>
-          <a:p>
-            <a:r>
-              <a:rPr lang="en-US" dirty="0"/>
-              <a:t>If your purpose statement is good, the reader should never have to look at your function definition.</a:t>
-            </a:r>
-          </a:p>
-          <a:p>
-            <a:r>
-              <a:rPr lang="en-US" dirty="0"/>
-              <a:t>The only thing that matters is the value your function returns, </a:t>
-            </a:r>
-            <a:r>
-              <a:rPr lang="en-US" i="1" dirty="0"/>
-              <a:t>not</a:t>
-            </a:r>
-            <a:r>
-              <a:rPr lang="en-US" dirty="0"/>
-              <a:t> how it finds that value.</a:t>
-            </a:r>
-          </a:p>
-        </p:txBody>
-      </p:sp>
-      <p:sp>
-        <p:nvSpPr>
-          <p:cNvPr id="4" name="Slide Number Placeholder 3"/>
-          <p:cNvSpPr>
-            <a:spLocks noGrp="1"/>
-          </p:cNvSpPr>
-          <p:nvPr>
-            <p:ph type="sldNum" sz="quarter" idx="12"/>
-          </p:nvPr>
-        </p:nvSpPr>
-        <p:spPr/>
-        <p:txBody>
-          <a:bodyPr/>
-          <a:lstStyle/>
-          <a:p>
-            <a:fld id="{B6F15528-21DE-4FAA-801E-634DDDAF4B2B}" type="slidenum">
-              <a:rPr lang="en-US" smtClean="0"/>
-              <a:pPr/>
-              <a:t>13</a:t>
-            </a:fld>
-            <a:endParaRPr lang="en-US"/>
-          </a:p>
-        </p:txBody>
-      </p:sp>
-    </p:spTree>
-    <p:extLst>
-      <p:ext uri="{BB962C8B-B14F-4D97-AF65-F5344CB8AC3E}">
-        <p14:creationId xmlns:p14="http://schemas.microsoft.com/office/powerpoint/2010/main" val="3023175607"/>
-      </p:ext>
-    </p:extLst>
-  </p:cSld>
-  <p:clrMapOvr>
-    <a:masterClrMapping/>
-  </p:clrMapOvr>
-</p:sld>
-</file>
-
-<file path=ppt/slides/slide14.xml><?xml version="1.0" encoding="utf-8"?>
-<p:sld xmlns:a="http://schemas.openxmlformats.org/drawingml/2006/main" xmlns:r="http://schemas.openxmlformats.org/officeDocument/2006/relationships" xmlns:p="http://schemas.openxmlformats.org/presentationml/2006/main">
-  <p:cSld>
-    <p:spTree>
-      <p:nvGrpSpPr>
-        <p:cNvPr id="1" name=""/>
-        <p:cNvGrpSpPr/>
-        <p:nvPr/>
-      </p:nvGrpSpPr>
-      <p:grpSpPr>
-        <a:xfrm>
-          <a:off x="0" y="0"/>
-          <a:ext cx="0" cy="0"/>
-          <a:chOff x="0" y="0"/>
-          <a:chExt cx="0" cy="0"/>
-        </a:xfrm>
-      </p:grpSpPr>
-      <p:sp>
-        <p:nvSpPr>
-          <p:cNvPr id="2" name="Title 1"/>
-          <p:cNvSpPr>
-            <a:spLocks noGrp="1"/>
-          </p:cNvSpPr>
-          <p:nvPr>
-            <p:ph type="title"/>
-          </p:nvPr>
-        </p:nvSpPr>
-        <p:spPr/>
-        <p:txBody>
-          <a:bodyPr>
-            <a:normAutofit fontScale="90000"/>
-          </a:bodyPr>
-          <a:lstStyle/>
-          <a:p>
-            <a:r>
-              <a:rPr lang="en-US" dirty="0"/>
-              <a:t>Design Strategies give the reader a clue about the “how”</a:t>
-            </a:r>
-          </a:p>
-        </p:txBody>
-      </p:sp>
-      <p:graphicFrame>
-        <p:nvGraphicFramePr>
-          <p:cNvPr id="4" name="Content Placeholder 3"/>
-          <p:cNvGraphicFramePr>
-            <a:graphicFrameLocks noGrp="1"/>
-          </p:cNvGraphicFramePr>
-          <p:nvPr>
-            <p:ph idx="1"/>
-            <p:extLst>
-              <p:ext uri="{D42A27DB-BD31-4B8C-83A1-F6EECF244321}">
-                <p14:modId xmlns:p14="http://schemas.microsoft.com/office/powerpoint/2010/main" val="1882338345"/>
-              </p:ext>
-            </p:extLst>
-          </p:nvPr>
-        </p:nvGraphicFramePr>
-        <p:xfrm>
-          <a:off x="457200" y="1600200"/>
-          <a:ext cx="8229600" cy="4632960"/>
-        </p:xfrm>
-        <a:graphic>
-          <a:graphicData uri="http://schemas.openxmlformats.org/drawingml/2006/table">
-            <a:tbl>
-              <a:tblPr firstRow="1" bandRow="1">
-                <a:tableStyleId>{5C22544A-7EE6-4342-B048-85BDC9FD1C3A}</a:tableStyleId>
-              </a:tblPr>
-              <a:tblGrid>
-                <a:gridCol w="8229600">
-                  <a:extLst>
-                    <a:ext uri="{9D8B030D-6E8A-4147-A177-3AD203B41FA5}">
-                      <a16:colId xmlns:a16="http://schemas.microsoft.com/office/drawing/2014/main" val="20000"/>
-                    </a:ext>
-                  </a:extLst>
-                </a:gridCol>
-              </a:tblGrid>
-              <a:tr h="370840">
-                <a:tc>
-                  <a:txBody>
-                    <a:bodyPr/>
-                    <a:lstStyle/>
-                    <a:p>
-                      <a:pPr algn="ctr"/>
-                      <a:r>
-                        <a:rPr lang="en-US" sz="3200" dirty="0"/>
-                        <a:t>Design Strategies</a:t>
-                      </a:r>
-                    </a:p>
-                  </a:txBody>
-                  <a:tcPr/>
-                </a:tc>
-                <a:extLst>
-                  <a:ext uri="{0D108BD9-81ED-4DB2-BD59-A6C34878D82A}">
-                    <a16:rowId xmlns:a16="http://schemas.microsoft.com/office/drawing/2014/main" val="10000"/>
-                  </a:ext>
-                </a:extLst>
-              </a:tr>
-              <a:tr h="370840">
-                <a:tc>
-                  <a:txBody>
-                    <a:bodyPr/>
-                    <a:lstStyle/>
-                    <a:p>
-                      <a:r>
-                        <a:rPr lang="en-US" sz="3200" dirty="0"/>
-                        <a:t>1. Combine</a:t>
-                      </a:r>
-                      <a:r>
-                        <a:rPr lang="en-US" sz="3200" baseline="0" dirty="0"/>
-                        <a:t> simpler functions</a:t>
-                      </a:r>
-                      <a:endParaRPr lang="en-US" sz="3200" dirty="0"/>
-                    </a:p>
-                  </a:txBody>
-                  <a:tcPr/>
-                </a:tc>
-                <a:extLst>
-                  <a:ext uri="{0D108BD9-81ED-4DB2-BD59-A6C34878D82A}">
-                    <a16:rowId xmlns:a16="http://schemas.microsoft.com/office/drawing/2014/main" val="10001"/>
-                  </a:ext>
-                </a:extLst>
-              </a:tr>
-              <a:tr h="370840">
-                <a:tc>
-                  <a:txBody>
-                    <a:bodyPr/>
-                    <a:lstStyle/>
-                    <a:p>
-                      <a:r>
-                        <a:rPr lang="en-US" sz="3200" dirty="0"/>
-                        <a:t>2.</a:t>
-                      </a:r>
-                      <a:r>
-                        <a:rPr lang="en-US" sz="3200" baseline="0" dirty="0"/>
-                        <a:t> Use template for &lt;data </a:t>
-                      </a:r>
-                      <a:r>
-                        <a:rPr lang="en-US" sz="3200" baseline="0" dirty="0" err="1"/>
-                        <a:t>def</a:t>
-                      </a:r>
-                      <a:r>
-                        <a:rPr lang="en-US" sz="3200" baseline="0" dirty="0"/>
-                        <a:t>&gt; on &lt;value&gt;</a:t>
-                      </a:r>
-                      <a:endParaRPr lang="en-US" sz="3200" dirty="0"/>
-                    </a:p>
-                  </a:txBody>
-                  <a:tcPr/>
-                </a:tc>
-                <a:extLst>
-                  <a:ext uri="{0D108BD9-81ED-4DB2-BD59-A6C34878D82A}">
-                    <a16:rowId xmlns:a16="http://schemas.microsoft.com/office/drawing/2014/main" val="10002"/>
-                  </a:ext>
-                </a:extLst>
-              </a:tr>
-              <a:tr h="370840">
-                <a:tc>
-                  <a:txBody>
-                    <a:bodyPr/>
-                    <a:lstStyle/>
-                    <a:p>
-                      <a:r>
-                        <a:rPr lang="en-US" sz="3200" dirty="0"/>
-                        <a:t>3. Divide into cases on &lt;condition&gt;</a:t>
-                      </a:r>
-                    </a:p>
-                  </a:txBody>
-                  <a:tcPr/>
-                </a:tc>
-                <a:extLst>
-                  <a:ext uri="{0D108BD9-81ED-4DB2-BD59-A6C34878D82A}">
-                    <a16:rowId xmlns:a16="http://schemas.microsoft.com/office/drawing/2014/main" val="10003"/>
-                  </a:ext>
-                </a:extLst>
-              </a:tr>
-              <a:tr h="370840">
-                <a:tc>
-                  <a:txBody>
-                    <a:bodyPr/>
-                    <a:lstStyle/>
-                    <a:p>
-                      <a:r>
-                        <a:rPr lang="en-US" sz="3200" dirty="0"/>
-                        <a:t>4. Use HOF &lt;</a:t>
-                      </a:r>
-                      <a:r>
-                        <a:rPr lang="en-US" sz="3200" dirty="0" err="1"/>
-                        <a:t>mapfn</a:t>
-                      </a:r>
-                      <a:r>
-                        <a:rPr lang="en-US" sz="3200" dirty="0"/>
-                        <a:t>&gt; on &lt;value&gt;</a:t>
-                      </a:r>
-                    </a:p>
-                  </a:txBody>
-                  <a:tcPr/>
-                </a:tc>
-                <a:extLst>
-                  <a:ext uri="{0D108BD9-81ED-4DB2-BD59-A6C34878D82A}">
-                    <a16:rowId xmlns:a16="http://schemas.microsoft.com/office/drawing/2014/main" val="10004"/>
-                  </a:ext>
-                </a:extLst>
-              </a:tr>
-              <a:tr h="370840">
-                <a:tc>
-                  <a:txBody>
-                    <a:bodyPr/>
-                    <a:lstStyle/>
-                    <a:p>
-                      <a:r>
-                        <a:rPr lang="en-US" sz="3200" dirty="0"/>
-                        <a:t>5. Call a more general function</a:t>
-                      </a:r>
-                    </a:p>
-                  </a:txBody>
-                  <a:tcPr/>
-                </a:tc>
-                <a:extLst>
-                  <a:ext uri="{0D108BD9-81ED-4DB2-BD59-A6C34878D82A}">
-                    <a16:rowId xmlns:a16="http://schemas.microsoft.com/office/drawing/2014/main" val="10005"/>
-                  </a:ext>
-                </a:extLst>
-              </a:tr>
-              <a:tr h="370840">
-                <a:tc>
-                  <a:txBody>
-                    <a:bodyPr/>
-                    <a:lstStyle/>
-                    <a:p>
-                      <a:r>
-                        <a:rPr lang="en-US" sz="3200" dirty="0"/>
-                        <a:t>6. General Recursion</a:t>
-                      </a:r>
-                    </a:p>
-                  </a:txBody>
-                  <a:tcPr/>
-                </a:tc>
-                <a:extLst>
-                  <a:ext uri="{0D108BD9-81ED-4DB2-BD59-A6C34878D82A}">
-                    <a16:rowId xmlns:a16="http://schemas.microsoft.com/office/drawing/2014/main" val="10006"/>
-                  </a:ext>
-                </a:extLst>
-              </a:tr>
-              <a:tr h="370840">
-                <a:tc>
-                  <a:txBody>
-                    <a:bodyPr/>
-                    <a:lstStyle/>
-                    <a:p>
-                      <a:r>
-                        <a:rPr lang="en-US" sz="3200" dirty="0">
-                          <a:solidFill>
-                            <a:schemeClr val="tx1"/>
-                          </a:solidFill>
-                        </a:rPr>
-                        <a:t>7. Update</a:t>
-                      </a:r>
-                      <a:r>
-                        <a:rPr lang="en-US" sz="3200" baseline="0" dirty="0">
-                          <a:solidFill>
-                            <a:schemeClr val="tx1"/>
-                          </a:solidFill>
-                        </a:rPr>
-                        <a:t> state</a:t>
-                      </a:r>
-                      <a:endParaRPr lang="en-US" sz="3200" dirty="0">
-                        <a:solidFill>
-                          <a:schemeClr val="tx1"/>
-                        </a:solidFill>
-                      </a:endParaRPr>
-                    </a:p>
-                  </a:txBody>
-                  <a:tcPr/>
-                </a:tc>
-                <a:extLst>
-                  <a:ext uri="{0D108BD9-81ED-4DB2-BD59-A6C34878D82A}">
-                    <a16:rowId xmlns:a16="http://schemas.microsoft.com/office/drawing/2014/main" val="10007"/>
-                  </a:ext>
-                </a:extLst>
-              </a:tr>
-            </a:tbl>
-          </a:graphicData>
-        </a:graphic>
-      </p:graphicFrame>
-      <p:sp>
-        <p:nvSpPr>
-          <p:cNvPr id="3" name="Slide Number Placeholder 2"/>
-          <p:cNvSpPr>
-            <a:spLocks noGrp="1"/>
-          </p:cNvSpPr>
-          <p:nvPr>
-            <p:ph type="sldNum" sz="quarter" idx="12"/>
-          </p:nvPr>
-        </p:nvSpPr>
-        <p:spPr/>
-        <p:txBody>
-          <a:bodyPr/>
-          <a:lstStyle/>
-          <a:p>
-            <a:fld id="{2AF3B5EA-18B6-4040-9F78-6052AF49C681}" type="slidenum">
-              <a:rPr lang="en-US" smtClean="0"/>
-              <a:t>14</a:t>
-            </a:fld>
-            <a:endParaRPr lang="en-US"/>
-          </a:p>
-        </p:txBody>
-      </p:sp>
-      <p:sp>
-        <p:nvSpPr>
-          <p:cNvPr id="5" name="Rectangle 4"/>
-          <p:cNvSpPr/>
-          <p:nvPr/>
-        </p:nvSpPr>
-        <p:spPr>
-          <a:xfrm>
-            <a:off x="6477000" y="3439920"/>
-            <a:ext cx="2209800" cy="1447800"/>
-          </a:xfrm>
-          <a:prstGeom prst="rect">
+          <a:prstGeom prst="cloud">
             <a:avLst/>
           </a:prstGeom>
           <a:solidFill>
-            <a:schemeClr val="accent1">
-              <a:lumMod val="20000"/>
-              <a:lumOff val="80000"/>
-            </a:schemeClr>
+            <a:srgbClr val="FFFF00"/>
           </a:solidFill>
-          <a:ln/>
+          <a:ln>
+            <a:gradFill>
+              <a:gsLst>
+                <a:gs pos="0">
+                  <a:schemeClr val="accent1">
+                    <a:lumMod val="5000"/>
+                    <a:lumOff val="95000"/>
+                  </a:schemeClr>
+                </a:gs>
+                <a:gs pos="74000">
+                  <a:schemeClr val="accent1">
+                    <a:lumMod val="45000"/>
+                    <a:lumOff val="55000"/>
+                  </a:schemeClr>
+                </a:gs>
+                <a:gs pos="83000">
+                  <a:schemeClr val="accent1">
+                    <a:lumMod val="45000"/>
+                    <a:lumOff val="55000"/>
+                  </a:schemeClr>
+                </a:gs>
+                <a:gs pos="100000">
+                  <a:schemeClr val="accent1">
+                    <a:lumMod val="30000"/>
+                    <a:lumOff val="70000"/>
+                  </a:schemeClr>
+                </a:gs>
+              </a:gsLst>
+              <a:lin ang="5400000" scaled="1"/>
+            </a:gradFill>
+          </a:ln>
         </p:spPr>
         <p:style>
           <a:lnRef idx="2">
@@ -7572,69 +6916,8 @@
           <a:p>
             <a:pPr algn="ctr"/>
             <a:r>
-              <a:rPr lang="en-US" dirty="0">
-                <a:solidFill>
-                  <a:schemeClr val="tx1"/>
-                </a:solidFill>
-              </a:rPr>
-              <a:t>If you were tweeting out a description of how your function works, what would you say?</a:t>
-            </a:r>
-          </a:p>
-        </p:txBody>
-      </p:sp>
-      <p:sp>
-        <p:nvSpPr>
-          <p:cNvPr id="6" name="Rectangle 5"/>
-          <p:cNvSpPr/>
-          <p:nvPr/>
-        </p:nvSpPr>
-        <p:spPr>
-          <a:xfrm>
-            <a:off x="6172200" y="5090160"/>
-            <a:ext cx="2514600" cy="1143000"/>
-          </a:xfrm>
-          <a:prstGeom prst="rect">
-            <a:avLst/>
-          </a:prstGeom>
-          <a:solidFill>
-            <a:schemeClr val="accent1">
-              <a:lumMod val="20000"/>
-              <a:lumOff val="80000"/>
-            </a:schemeClr>
-          </a:solidFill>
-          <a:ln/>
-        </p:spPr>
-        <p:style>
-          <a:lnRef idx="2">
-            <a:schemeClr val="accent1"/>
-          </a:lnRef>
-          <a:fillRef idx="1">
-            <a:schemeClr val="lt1"/>
-          </a:fillRef>
-          <a:effectRef idx="0">
-            <a:schemeClr val="accent1"/>
-          </a:effectRef>
-          <a:fontRef idx="minor">
-            <a:schemeClr val="dk1"/>
-          </a:fontRef>
-        </p:style>
-        <p:txBody>
-          <a:bodyPr rot="0" spcFirstLastPara="0" vertOverflow="overflow" horzOverflow="overflow" vert="horz" wrap="square" lIns="91440" tIns="45720" rIns="91440" bIns="45720" numCol="1" spcCol="0" rtlCol="0" fromWordArt="0" anchor="ctr" anchorCtr="0" forceAA="0" compatLnSpc="1">
-            <a:prstTxWarp prst="textNoShape">
-              <a:avLst/>
-            </a:prstTxWarp>
-            <a:noAutofit/>
-          </a:bodyPr>
-          <a:lstStyle/>
-          <a:p>
-            <a:pPr algn="ctr"/>
-            <a:r>
-              <a:rPr lang="en-US" dirty="0">
-                <a:solidFill>
-                  <a:schemeClr val="tx1"/>
-                </a:solidFill>
-              </a:rPr>
-              <a:t>If you can’t summarize it in a tweet, your function is too complicated!</a:t>
+              <a:rPr lang="en-US" dirty="0"/>
+              <a:t>If the reader doesn’t know what your function is supposed to do, how can they possibly understand your code?</a:t>
             </a:r>
           </a:p>
         </p:txBody>
@@ -7642,7 +6925,7 @@
     </p:spTree>
     <p:extLst>
       <p:ext uri="{BB962C8B-B14F-4D97-AF65-F5344CB8AC3E}">
-        <p14:creationId xmlns:p14="http://schemas.microsoft.com/office/powerpoint/2010/main" val="2651284243"/>
+        <p14:creationId xmlns:p14="http://schemas.microsoft.com/office/powerpoint/2010/main" val="2327515625"/>
       </p:ext>
     </p:extLst>
   </p:cSld>
@@ -7670,7 +6953,7 @@
                             </p:stCondLst>
                             <p:childTnLst>
                               <p:par>
-                                <p:cTn id="5" presetID="1" presetClass="entr" presetSubtype="0" fill="hold" grpId="0" nodeType="clickEffect">
+                                <p:cTn id="5" presetID="10" presetClass="entr" presetSubtype="0" fill="hold" grpId="0" nodeType="clickEffect">
                                   <p:stCondLst>
                                     <p:cond delay="0"/>
                                   </p:stCondLst>
@@ -7678,6 +6961,59 @@
                                     <p:set>
                                       <p:cBhvr>
                                         <p:cTn id="6" dur="1" fill="hold">
+                                          <p:stCondLst>
+                                            <p:cond delay="0"/>
+                                          </p:stCondLst>
+                                        </p:cTn>
+                                        <p:tgtEl>
+                                          <p:spTgt spid="5"/>
+                                        </p:tgtEl>
+                                        <p:attrNameLst>
+                                          <p:attrName>style.visibility</p:attrName>
+                                        </p:attrNameLst>
+                                      </p:cBhvr>
+                                      <p:to>
+                                        <p:strVal val="visible"/>
+                                      </p:to>
+                                    </p:set>
+                                    <p:animEffect transition="in" filter="fade">
+                                      <p:cBhvr>
+                                        <p:cTn id="7" dur="500"/>
+                                        <p:tgtEl>
+                                          <p:spTgt spid="5"/>
+                                        </p:tgtEl>
+                                      </p:cBhvr>
+                                    </p:animEffect>
+                                  </p:childTnLst>
+                                </p:cTn>
+                              </p:par>
+                            </p:childTnLst>
+                          </p:cTn>
+                        </p:par>
+                      </p:childTnLst>
+                    </p:cTn>
+                  </p:par>
+                  <p:par>
+                    <p:cTn id="8" fill="hold">
+                      <p:stCondLst>
+                        <p:cond delay="indefinite"/>
+                      </p:stCondLst>
+                      <p:childTnLst>
+                        <p:par>
+                          <p:cTn id="9" fill="hold">
+                            <p:stCondLst>
+                              <p:cond delay="0"/>
+                            </p:stCondLst>
+                            <p:childTnLst>
+                              <p:par>
+                                <p:cTn id="10" presetID="10" presetClass="entr" presetSubtype="0" fill="hold" grpId="0" nodeType="clickEffect">
+                                  <p:stCondLst>
+                                    <p:cond delay="0"/>
+                                  </p:stCondLst>
+                                  <p:childTnLst>
+                                    <p:set>
+                                      <p:cBhvr>
+                                        <p:cTn id="11" dur="1" fill="hold">
                                           <p:stCondLst>
                                             <p:cond delay="0"/>
                                           </p:stCondLst>
@@ -7693,6 +7029,14 @@
                                         <p:strVal val="visible"/>
                                       </p:to>
                                     </p:set>
+                                    <p:animEffect transition="in" filter="fade">
+                                      <p:cBhvr>
+                                        <p:cTn id="12" dur="500"/>
+                                        <p:tgtEl>
+                                          <p:spTgt spid="6"/>
+                                        </p:tgtEl>
+                                      </p:cBhvr>
+                                    </p:animEffect>
                                   </p:childTnLst>
                                 </p:cTn>
                               </p:par>
@@ -7724,9 +7068,628 @@
       </p:par>
     </p:tnLst>
     <p:bldLst>
+      <p:bldP spid="5" grpId="0" animBg="1"/>
       <p:bldP spid="6" grpId="0" animBg="1"/>
     </p:bldLst>
   </p:timing>
+</p:sld>
+</file>
+
+<file path=ppt/slides/slide12.xml><?xml version="1.0" encoding="utf-8"?>
+<p:sld xmlns:a="http://schemas.openxmlformats.org/drawingml/2006/main" xmlns:r="http://schemas.openxmlformats.org/officeDocument/2006/relationships" xmlns:p="http://schemas.openxmlformats.org/presentationml/2006/main">
+  <p:cSld>
+    <p:spTree>
+      <p:nvGrpSpPr>
+        <p:cNvPr id="1" name=""/>
+        <p:cNvGrpSpPr/>
+        <p:nvPr/>
+      </p:nvGrpSpPr>
+      <p:grpSpPr>
+        <a:xfrm>
+          <a:off x="0" y="0"/>
+          <a:ext cx="0" cy="0"/>
+          <a:chOff x="0" y="0"/>
+          <a:chExt cx="0" cy="0"/>
+        </a:xfrm>
+      </p:grpSpPr>
+      <p:sp>
+        <p:nvSpPr>
+          <p:cNvPr id="2" name="Title 1"/>
+          <p:cNvSpPr>
+            <a:spLocks noGrp="1"/>
+          </p:cNvSpPr>
+          <p:nvPr>
+            <p:ph type="title"/>
+          </p:nvPr>
+        </p:nvSpPr>
+        <p:spPr/>
+        <p:txBody>
+          <a:bodyPr>
+            <a:normAutofit fontScale="90000"/>
+          </a:bodyPr>
+          <a:lstStyle/>
+          <a:p>
+            <a:r>
+              <a:rPr lang="en-US" dirty="0"/>
+              <a:t>4. Use Invariants to Limit Your Function's Responsibility</a:t>
+            </a:r>
+          </a:p>
+        </p:txBody>
+      </p:sp>
+      <p:sp>
+        <p:nvSpPr>
+          <p:cNvPr id="3" name="Content Placeholder 2"/>
+          <p:cNvSpPr>
+            <a:spLocks noGrp="1"/>
+          </p:cNvSpPr>
+          <p:nvPr>
+            <p:ph idx="1"/>
+          </p:nvPr>
+        </p:nvSpPr>
+        <p:spPr/>
+        <p:txBody>
+          <a:bodyPr>
+            <a:normAutofit fontScale="92500"/>
+          </a:bodyPr>
+          <a:lstStyle/>
+          <a:p>
+            <a:r>
+              <a:rPr lang="en-US" dirty="0"/>
+              <a:t>Your function may need to rely on information that is not under its control and not represented in its contract.</a:t>
+            </a:r>
+          </a:p>
+          <a:p>
+            <a:r>
+              <a:rPr lang="en-US" dirty="0"/>
+              <a:t>Record this assumption as an invariant (</a:t>
+            </a:r>
+            <a:r>
+              <a:rPr lang="en-US" b="1" dirty="0"/>
+              <a:t>WHERE</a:t>
+            </a:r>
+            <a:r>
+              <a:rPr lang="en-US" dirty="0"/>
+              <a:t> clause).</a:t>
+            </a:r>
+          </a:p>
+          <a:p>
+            <a:r>
+              <a:rPr lang="en-US" dirty="0"/>
+              <a:t>The function is only responsible for giving the right answer for inputs that satisfy the invariant.</a:t>
+            </a:r>
+          </a:p>
+          <a:p>
+            <a:r>
+              <a:rPr lang="en-US" dirty="0"/>
+              <a:t>The caller is responsible for making sure that the invariant is satisfied.</a:t>
+            </a:r>
+          </a:p>
+          <a:p>
+            <a:endParaRPr lang="en-US" dirty="0"/>
+          </a:p>
+          <a:p>
+            <a:endParaRPr lang="en-US" dirty="0"/>
+          </a:p>
+        </p:txBody>
+      </p:sp>
+      <p:sp>
+        <p:nvSpPr>
+          <p:cNvPr id="4" name="Slide Number Placeholder 3"/>
+          <p:cNvSpPr>
+            <a:spLocks noGrp="1"/>
+          </p:cNvSpPr>
+          <p:nvPr>
+            <p:ph type="sldNum" sz="quarter" idx="12"/>
+          </p:nvPr>
+        </p:nvSpPr>
+        <p:spPr/>
+        <p:txBody>
+          <a:bodyPr/>
+          <a:lstStyle/>
+          <a:p>
+            <a:fld id="{2AF3B5EA-18B6-4040-9F78-6052AF49C681}" type="slidenum">
+              <a:rPr lang="en-US" smtClean="0"/>
+              <a:t>12</a:t>
+            </a:fld>
+            <a:endParaRPr lang="en-US"/>
+          </a:p>
+        </p:txBody>
+      </p:sp>
+    </p:spTree>
+    <p:extLst>
+      <p:ext uri="{BB962C8B-B14F-4D97-AF65-F5344CB8AC3E}">
+        <p14:creationId xmlns:p14="http://schemas.microsoft.com/office/powerpoint/2010/main" val="342519371"/>
+      </p:ext>
+    </p:extLst>
+  </p:cSld>
+  <p:clrMapOvr>
+    <a:masterClrMapping/>
+  </p:clrMapOvr>
+</p:sld>
+</file>
+
+<file path=ppt/slides/slide13.xml><?xml version="1.0" encoding="utf-8"?>
+<p:sld xmlns:a="http://schemas.openxmlformats.org/drawingml/2006/main" xmlns:r="http://schemas.openxmlformats.org/officeDocument/2006/relationships" xmlns:p="http://schemas.openxmlformats.org/presentationml/2006/main">
+  <p:cSld>
+    <p:spTree>
+      <p:nvGrpSpPr>
+        <p:cNvPr id="1" name=""/>
+        <p:cNvGrpSpPr/>
+        <p:nvPr/>
+      </p:nvGrpSpPr>
+      <p:grpSpPr>
+        <a:xfrm>
+          <a:off x="0" y="0"/>
+          <a:ext cx="0" cy="0"/>
+          <a:chOff x="0" y="0"/>
+          <a:chExt cx="0" cy="0"/>
+        </a:xfrm>
+      </p:grpSpPr>
+      <p:sp>
+        <p:nvSpPr>
+          <p:cNvPr id="2" name="Title 1"/>
+          <p:cNvSpPr>
+            <a:spLocks noGrp="1"/>
+          </p:cNvSpPr>
+          <p:nvPr>
+            <p:ph type="title"/>
+          </p:nvPr>
+        </p:nvSpPr>
+        <p:spPr/>
+        <p:style>
+          <a:lnRef idx="2">
+            <a:schemeClr val="accent1"/>
+          </a:lnRef>
+          <a:fillRef idx="1">
+            <a:schemeClr val="lt1"/>
+          </a:fillRef>
+          <a:effectRef idx="0">
+            <a:schemeClr val="accent1"/>
+          </a:effectRef>
+          <a:fontRef idx="minor">
+            <a:schemeClr val="dk1"/>
+          </a:fontRef>
+        </p:style>
+        <p:txBody>
+          <a:bodyPr>
+            <a:normAutofit fontScale="90000"/>
+          </a:bodyPr>
+          <a:lstStyle/>
+          <a:p>
+            <a:r>
+              <a:rPr lang="en-US" dirty="0"/>
+              <a:t>5. Use functions and methods that produce and consume values</a:t>
+            </a:r>
+          </a:p>
+        </p:txBody>
+      </p:sp>
+      <p:sp>
+        <p:nvSpPr>
+          <p:cNvPr id="3" name="Content Placeholder 2"/>
+          <p:cNvSpPr>
+            <a:spLocks noGrp="1"/>
+          </p:cNvSpPr>
+          <p:nvPr>
+            <p:ph idx="1"/>
+          </p:nvPr>
+        </p:nvSpPr>
+        <p:spPr/>
+        <p:txBody>
+          <a:bodyPr/>
+          <a:lstStyle/>
+          <a:p>
+            <a:r>
+              <a:rPr lang="en-US" dirty="0"/>
+              <a:t>Functional model makes it easy to create examples and test data</a:t>
+            </a:r>
+          </a:p>
+          <a:p>
+            <a:pPr lvl="1"/>
+            <a:r>
+              <a:rPr lang="en-US" dirty="0"/>
+              <a:t>Easier to understand</a:t>
+            </a:r>
+          </a:p>
+          <a:p>
+            <a:pPr lvl="1"/>
+            <a:r>
+              <a:rPr lang="en-US" dirty="0"/>
+              <a:t>Easier to test</a:t>
+            </a:r>
+          </a:p>
+          <a:p>
+            <a:r>
+              <a:rPr lang="en-US" dirty="0"/>
+              <a:t>You can test your functions independently, without worrying about the order of the tests.</a:t>
+            </a:r>
+          </a:p>
+          <a:p>
+            <a:r>
+              <a:rPr lang="en-US" dirty="0"/>
+              <a:t>Your function shouldn’t have side-effects unless that’s its purpose. </a:t>
+            </a:r>
+            <a:endParaRPr lang="en-US" sz="2000" dirty="0"/>
+          </a:p>
+        </p:txBody>
+      </p:sp>
+      <p:sp>
+        <p:nvSpPr>
+          <p:cNvPr id="4" name="Slide Number Placeholder 3"/>
+          <p:cNvSpPr>
+            <a:spLocks noGrp="1"/>
+          </p:cNvSpPr>
+          <p:nvPr>
+            <p:ph type="sldNum" sz="quarter" idx="12"/>
+          </p:nvPr>
+        </p:nvSpPr>
+        <p:spPr/>
+        <p:txBody>
+          <a:bodyPr/>
+          <a:lstStyle/>
+          <a:p>
+            <a:fld id="{B6F15528-21DE-4FAA-801E-634DDDAF4B2B}" type="slidenum">
+              <a:rPr lang="en-US" smtClean="0"/>
+              <a:pPr/>
+              <a:t>13</a:t>
+            </a:fld>
+            <a:endParaRPr lang="en-US"/>
+          </a:p>
+        </p:txBody>
+      </p:sp>
+    </p:spTree>
+  </p:cSld>
+  <p:clrMapOvr>
+    <a:masterClrMapping/>
+  </p:clrMapOvr>
+</p:sld>
+</file>
+
+<file path=ppt/slides/slide14.xml><?xml version="1.0" encoding="utf-8"?>
+<p:sld xmlns:a="http://schemas.openxmlformats.org/drawingml/2006/main" xmlns:r="http://schemas.openxmlformats.org/officeDocument/2006/relationships" xmlns:p="http://schemas.openxmlformats.org/presentationml/2006/main">
+  <p:cSld>
+    <p:spTree>
+      <p:nvGrpSpPr>
+        <p:cNvPr id="1" name=""/>
+        <p:cNvGrpSpPr/>
+        <p:nvPr/>
+      </p:nvGrpSpPr>
+      <p:grpSpPr>
+        <a:xfrm>
+          <a:off x="0" y="0"/>
+          <a:ext cx="0" cy="0"/>
+          <a:chOff x="0" y="0"/>
+          <a:chExt cx="0" cy="0"/>
+        </a:xfrm>
+      </p:grpSpPr>
+      <p:sp>
+        <p:nvSpPr>
+          <p:cNvPr id="2" name="Title 1"/>
+          <p:cNvSpPr>
+            <a:spLocks noGrp="1"/>
+          </p:cNvSpPr>
+          <p:nvPr>
+            <p:ph type="title"/>
+          </p:nvPr>
+        </p:nvSpPr>
+        <p:spPr/>
+        <p:style>
+          <a:lnRef idx="2">
+            <a:schemeClr val="accent1"/>
+          </a:lnRef>
+          <a:fillRef idx="1">
+            <a:schemeClr val="lt1"/>
+          </a:fillRef>
+          <a:effectRef idx="0">
+            <a:schemeClr val="accent1"/>
+          </a:effectRef>
+          <a:fontRef idx="minor">
+            <a:schemeClr val="dk1"/>
+          </a:fontRef>
+        </p:style>
+        <p:txBody>
+          <a:bodyPr>
+            <a:normAutofit fontScale="90000"/>
+          </a:bodyPr>
+          <a:lstStyle/>
+          <a:p>
+            <a:r>
+              <a:rPr lang="en-US" dirty="0"/>
+              <a:t>6. Use state only to share information between distant parts of the program.</a:t>
+            </a:r>
+          </a:p>
+        </p:txBody>
+      </p:sp>
+      <p:sp>
+        <p:nvSpPr>
+          <p:cNvPr id="3" name="Content Placeholder 2"/>
+          <p:cNvSpPr>
+            <a:spLocks noGrp="1"/>
+          </p:cNvSpPr>
+          <p:nvPr>
+            <p:ph idx="1"/>
+          </p:nvPr>
+        </p:nvSpPr>
+        <p:spPr/>
+        <p:txBody>
+          <a:bodyPr>
+            <a:normAutofit lnSpcReduction="10000"/>
+          </a:bodyPr>
+          <a:lstStyle/>
+          <a:p>
+            <a:r>
+              <a:rPr lang="en-US" dirty="0"/>
+              <a:t>You need to use state in exactly two situations:</a:t>
+            </a:r>
+          </a:p>
+          <a:p>
+            <a:pPr lvl="1"/>
+            <a:r>
+              <a:rPr lang="en-US" dirty="0"/>
+              <a:t>you need an object with stable identity to send messages to or ask questions of (e.g. the players)</a:t>
+            </a:r>
+          </a:p>
+          <a:p>
+            <a:pPr lvl="1"/>
+            <a:r>
+              <a:rPr lang="en-US" dirty="0"/>
+              <a:t>you need to construct cyclic structures </a:t>
+            </a:r>
+          </a:p>
+          <a:p>
+            <a:r>
+              <a:rPr lang="en-US" dirty="0"/>
+              <a:t>Sometimes you need state, but less often than you might think</a:t>
+            </a:r>
+          </a:p>
+          <a:p>
+            <a:pPr lvl="1"/>
+            <a:r>
+              <a:rPr lang="en-US" dirty="0"/>
+              <a:t>Java, C++, etc. lead you to use state more often than you should.</a:t>
+            </a:r>
+          </a:p>
+        </p:txBody>
+      </p:sp>
+      <p:sp>
+        <p:nvSpPr>
+          <p:cNvPr id="4" name="Slide Number Placeholder 3"/>
+          <p:cNvSpPr>
+            <a:spLocks noGrp="1"/>
+          </p:cNvSpPr>
+          <p:nvPr>
+            <p:ph type="sldNum" sz="quarter" idx="12"/>
+          </p:nvPr>
+        </p:nvSpPr>
+        <p:spPr/>
+        <p:txBody>
+          <a:bodyPr/>
+          <a:lstStyle/>
+          <a:p>
+            <a:fld id="{B6F15528-21DE-4FAA-801E-634DDDAF4B2B}" type="slidenum">
+              <a:rPr lang="en-US" smtClean="0"/>
+              <a:pPr/>
+              <a:t>14</a:t>
+            </a:fld>
+            <a:endParaRPr lang="en-US"/>
+          </a:p>
+        </p:txBody>
+      </p:sp>
+      <p:grpSp>
+        <p:nvGrpSpPr>
+          <p:cNvPr id="5" name="Group 4">
+            <a:extLst>
+              <a:ext uri="{FF2B5EF4-FFF2-40B4-BE49-F238E27FC236}">
+                <a16:creationId xmlns:a16="http://schemas.microsoft.com/office/drawing/2014/main" id="{10E84F97-E979-4982-86A2-D82AE8220967}"/>
+              </a:ext>
+            </a:extLst>
+          </p:cNvPr>
+          <p:cNvGrpSpPr/>
+          <p:nvPr/>
+        </p:nvGrpSpPr>
+        <p:grpSpPr>
+          <a:xfrm>
+            <a:off x="7086600" y="3505200"/>
+            <a:ext cx="1143000" cy="304800"/>
+            <a:chOff x="3276600" y="1981200"/>
+            <a:chExt cx="3200400" cy="533400"/>
+          </a:xfrm>
+        </p:grpSpPr>
+        <p:sp>
+          <p:nvSpPr>
+            <p:cNvPr id="6" name="Rectangle 5">
+              <a:extLst>
+                <a:ext uri="{FF2B5EF4-FFF2-40B4-BE49-F238E27FC236}">
+                  <a16:creationId xmlns:a16="http://schemas.microsoft.com/office/drawing/2014/main" id="{69E38396-6D39-42A0-9DB6-472779A3DDD3}"/>
+                </a:ext>
+              </a:extLst>
+            </p:cNvPr>
+            <p:cNvSpPr/>
+            <p:nvPr/>
+          </p:nvSpPr>
+          <p:spPr>
+            <a:xfrm>
+              <a:off x="3276600" y="1981200"/>
+              <a:ext cx="1295400" cy="533400"/>
+            </a:xfrm>
+            <a:prstGeom prst="rect">
+              <a:avLst/>
+            </a:prstGeom>
+            <a:ln w="12700"/>
+          </p:spPr>
+          <p:style>
+            <a:lnRef idx="2">
+              <a:schemeClr val="dk1"/>
+            </a:lnRef>
+            <a:fillRef idx="1">
+              <a:schemeClr val="lt1"/>
+            </a:fillRef>
+            <a:effectRef idx="0">
+              <a:schemeClr val="dk1"/>
+            </a:effectRef>
+            <a:fontRef idx="minor">
+              <a:schemeClr val="dk1"/>
+            </a:fontRef>
+          </p:style>
+          <p:txBody>
+            <a:bodyPr rot="0" spcFirstLastPara="0" vertOverflow="overflow" horzOverflow="overflow" vert="horz" wrap="square" lIns="91440" tIns="45720" rIns="91440" bIns="45720" numCol="1" spcCol="0" rtlCol="0" fromWordArt="0" anchor="ctr" anchorCtr="0" forceAA="0" compatLnSpc="1">
+              <a:prstTxWarp prst="textNoShape">
+                <a:avLst/>
+              </a:prstTxWarp>
+              <a:noAutofit/>
+            </a:bodyPr>
+            <a:lstStyle/>
+            <a:p>
+              <a:pPr algn="ctr"/>
+              <a:endParaRPr lang="en-US" dirty="0">
+                <a:solidFill>
+                  <a:schemeClr val="tx1"/>
+                </a:solidFill>
+              </a:endParaRPr>
+            </a:p>
+          </p:txBody>
+        </p:sp>
+        <p:sp>
+          <p:nvSpPr>
+            <p:cNvPr id="7" name="Rectangle 6">
+              <a:extLst>
+                <a:ext uri="{FF2B5EF4-FFF2-40B4-BE49-F238E27FC236}">
+                  <a16:creationId xmlns:a16="http://schemas.microsoft.com/office/drawing/2014/main" id="{47A27DFD-5A7E-47F6-B7D6-F252CF85626D}"/>
+                </a:ext>
+              </a:extLst>
+            </p:cNvPr>
+            <p:cNvSpPr/>
+            <p:nvPr/>
+          </p:nvSpPr>
+          <p:spPr>
+            <a:xfrm>
+              <a:off x="5181600" y="1981200"/>
+              <a:ext cx="1295400" cy="533400"/>
+            </a:xfrm>
+            <a:prstGeom prst="rect">
+              <a:avLst/>
+            </a:prstGeom>
+            <a:ln w="12700"/>
+          </p:spPr>
+          <p:style>
+            <a:lnRef idx="2">
+              <a:schemeClr val="dk1"/>
+            </a:lnRef>
+            <a:fillRef idx="1">
+              <a:schemeClr val="lt1"/>
+            </a:fillRef>
+            <a:effectRef idx="0">
+              <a:schemeClr val="dk1"/>
+            </a:effectRef>
+            <a:fontRef idx="minor">
+              <a:schemeClr val="dk1"/>
+            </a:fontRef>
+          </p:style>
+          <p:txBody>
+            <a:bodyPr rot="0" spcFirstLastPara="0" vertOverflow="overflow" horzOverflow="overflow" vert="horz" wrap="square" lIns="91440" tIns="45720" rIns="91440" bIns="45720" numCol="1" spcCol="0" rtlCol="0" fromWordArt="0" anchor="ctr" anchorCtr="0" forceAA="0" compatLnSpc="1">
+              <a:prstTxWarp prst="textNoShape">
+                <a:avLst/>
+              </a:prstTxWarp>
+              <a:noAutofit/>
+            </a:bodyPr>
+            <a:lstStyle/>
+            <a:p>
+              <a:pPr algn="ctr"/>
+              <a:endParaRPr lang="en-US" dirty="0">
+                <a:solidFill>
+                  <a:schemeClr val="tx1"/>
+                </a:solidFill>
+              </a:endParaRPr>
+            </a:p>
+          </p:txBody>
+        </p:sp>
+        <p:cxnSp>
+          <p:nvCxnSpPr>
+            <p:cNvPr id="8" name="Straight Arrow Connector 7">
+              <a:extLst>
+                <a:ext uri="{FF2B5EF4-FFF2-40B4-BE49-F238E27FC236}">
+                  <a16:creationId xmlns:a16="http://schemas.microsoft.com/office/drawing/2014/main" id="{05BE2B37-EECB-493D-9955-3C29841E544F}"/>
+                </a:ext>
+              </a:extLst>
+            </p:cNvPr>
+            <p:cNvCxnSpPr/>
+            <p:nvPr/>
+          </p:nvCxnSpPr>
+          <p:spPr>
+            <a:xfrm>
+              <a:off x="4191000" y="2133600"/>
+              <a:ext cx="990600" cy="0"/>
+            </a:xfrm>
+            <a:prstGeom prst="straightConnector1">
+              <a:avLst/>
+            </a:prstGeom>
+            <a:ln>
+              <a:headEnd type="oval"/>
+              <a:tailEnd type="triangle"/>
+            </a:ln>
+          </p:spPr>
+          <p:style>
+            <a:lnRef idx="1">
+              <a:schemeClr val="accent1"/>
+            </a:lnRef>
+            <a:fillRef idx="0">
+              <a:schemeClr val="accent1"/>
+            </a:fillRef>
+            <a:effectRef idx="0">
+              <a:schemeClr val="accent1"/>
+            </a:effectRef>
+            <a:fontRef idx="minor">
+              <a:schemeClr val="tx1"/>
+            </a:fontRef>
+          </p:style>
+        </p:cxnSp>
+        <p:cxnSp>
+          <p:nvCxnSpPr>
+            <p:cNvPr id="9" name="Straight Arrow Connector 8">
+              <a:extLst>
+                <a:ext uri="{FF2B5EF4-FFF2-40B4-BE49-F238E27FC236}">
+                  <a16:creationId xmlns:a16="http://schemas.microsoft.com/office/drawing/2014/main" id="{0239119F-AEC2-4748-AAC8-B043250B0E0C}"/>
+                </a:ext>
+              </a:extLst>
+            </p:cNvPr>
+            <p:cNvCxnSpPr>
+              <a:cxnSpLocks/>
+            </p:cNvCxnSpPr>
+            <p:nvPr/>
+          </p:nvCxnSpPr>
+          <p:spPr>
+            <a:xfrm flipH="1">
+              <a:off x="4572000" y="2362200"/>
+              <a:ext cx="838200" cy="0"/>
+            </a:xfrm>
+            <a:prstGeom prst="straightConnector1">
+              <a:avLst/>
+            </a:prstGeom>
+            <a:ln>
+              <a:headEnd type="oval"/>
+              <a:tailEnd type="triangle"/>
+            </a:ln>
+          </p:spPr>
+          <p:style>
+            <a:lnRef idx="1">
+              <a:schemeClr val="accent1"/>
+            </a:lnRef>
+            <a:fillRef idx="0">
+              <a:schemeClr val="accent1"/>
+            </a:fillRef>
+            <a:effectRef idx="0">
+              <a:schemeClr val="accent1"/>
+            </a:effectRef>
+            <a:fontRef idx="minor">
+              <a:schemeClr val="tx1"/>
+            </a:fontRef>
+          </p:style>
+        </p:cxnSp>
+      </p:grpSp>
+    </p:spTree>
+  </p:cSld>
+  <p:clrMapOvr>
+    <a:masterClrMapping/>
+  </p:clrMapOvr>
 </p:sld>
 </file>
 
@@ -7760,13 +7723,13 @@
         <p:spPr/>
         <p:txBody>
           <a:bodyPr>
-            <a:normAutofit fontScale="90000"/>
+            <a:noAutofit/>
           </a:bodyPr>
           <a:lstStyle/>
           <a:p>
             <a:r>
-              <a:rPr lang="en-US" dirty="0"/>
-              <a:t>4. Use Invariants to Limit Your Function's Responsibility</a:t>
+              <a:rPr lang="en-US" sz="3600" dirty="0"/>
+              <a:t>7. Use interfaces to limit dependencies between different parts of your program.</a:t>
             </a:r>
           </a:p>
         </p:txBody>
@@ -7781,7 +7744,12 @@
             <p:ph idx="1"/>
           </p:nvPr>
         </p:nvSpPr>
-        <p:spPr/>
+        <p:spPr>
+          <a:xfrm>
+            <a:off x="457200" y="1604865"/>
+            <a:ext cx="8229600" cy="4521298"/>
+          </a:xfrm>
+        </p:spPr>
         <p:txBody>
           <a:bodyPr>
             <a:normAutofit/>
@@ -7790,25 +7758,14 @@
           <a:p>
             <a:r>
               <a:rPr lang="en-US" dirty="0"/>
-              <a:t>Your function may need to rely on information that is not under its control and not represented in its contract.</a:t>
+              <a:t>Always manipulate your data through a set of functions.</a:t>
             </a:r>
           </a:p>
           <a:p>
             <a:r>
               <a:rPr lang="en-US" dirty="0"/>
-              <a:t>Record this assumption as an invariant (</a:t>
-            </a:r>
-            <a:r>
-              <a:rPr lang="en-US" b="1" dirty="0"/>
-              <a:t>WHERE</a:t>
-            </a:r>
-            <a:r>
-              <a:rPr lang="en-US" dirty="0"/>
-              <a:t> clause).</a:t>
-            </a:r>
-          </a:p>
-          <a:p>
-            <a:endParaRPr lang="en-US" dirty="0"/>
+              <a:t>That way, if you change the representation of your data, you won’t have to change other parts of your program.</a:t>
+            </a:r>
           </a:p>
         </p:txBody>
       </p:sp>
@@ -7838,7 +7795,7 @@
     </p:spTree>
     <p:extLst>
       <p:ext uri="{BB962C8B-B14F-4D97-AF65-F5344CB8AC3E}">
-        <p14:creationId xmlns:p14="http://schemas.microsoft.com/office/powerpoint/2010/main" val="342519371"/>
+        <p14:creationId xmlns:p14="http://schemas.microsoft.com/office/powerpoint/2010/main" val="1160001049"/>
       </p:ext>
     </p:extLst>
   </p:cSld>
@@ -7878,89 +7835,38 @@
         <p:spPr>
           <a:xfrm>
             <a:off x="457200" y="274638"/>
-            <a:ext cx="8229600" cy="2011362"/>
+            <a:ext cx="8229600" cy="1143000"/>
           </a:xfrm>
         </p:spPr>
         <p:txBody>
           <a:bodyPr>
-            <a:normAutofit/>
+            <a:normAutofit fontScale="90000"/>
           </a:bodyPr>
           <a:lstStyle/>
           <a:p>
             <a:r>
-              <a:rPr lang="en-US" sz="4000" dirty="0"/>
-              <a:t> Invariants document the assumptions that each function or method makes about its arguments</a:t>
-            </a:r>
+              <a:rPr lang="en-US" dirty="0"/>
+              <a:t>Other important things to remember...</a:t>
+            </a:r>
+          </a:p>
+        </p:txBody>
+      </p:sp>
+      <p:sp>
+        <p:nvSpPr>
+          <p:cNvPr id="3" name="Content Placeholder 2"/>
+          <p:cNvSpPr>
+            <a:spLocks noGrp="1"/>
+          </p:cNvSpPr>
+          <p:nvPr>
+            <p:ph idx="1"/>
+          </p:nvPr>
+        </p:nvSpPr>
+        <p:spPr/>
+        <p:txBody>
+          <a:bodyPr/>
+          <a:lstStyle/>
+          <a:p>
             <a:endParaRPr lang="en-US" dirty="0"/>
-          </a:p>
-        </p:txBody>
-      </p:sp>
-      <p:sp>
-        <p:nvSpPr>
-          <p:cNvPr id="3" name="Content Placeholder 2"/>
-          <p:cNvSpPr>
-            <a:spLocks noGrp="1"/>
-          </p:cNvSpPr>
-          <p:nvPr>
-            <p:ph idx="1"/>
-          </p:nvPr>
-        </p:nvSpPr>
-        <p:spPr>
-          <a:xfrm>
-            <a:off x="457200" y="2514600"/>
-            <a:ext cx="8229600" cy="3611563"/>
-          </a:xfrm>
-        </p:spPr>
-        <p:txBody>
-          <a:bodyPr>
-            <a:normAutofit fontScale="92500" lnSpcReduction="10000"/>
-          </a:bodyPr>
-          <a:lstStyle/>
-          <a:p>
-            <a:r>
-              <a:rPr lang="en-US" dirty="0"/>
-              <a:t>If your contract is </a:t>
-            </a:r>
-            <a:r>
-              <a:rPr lang="en-US" b="1" dirty="0"/>
-              <a:t>f: Something -&gt; ??</a:t>
-            </a:r>
-            <a:r>
-              <a:rPr lang="en-US" dirty="0"/>
-              <a:t>, then your function has to give the right answer for every possible </a:t>
-            </a:r>
-            <a:r>
-              <a:rPr lang="en-US" b="1" dirty="0"/>
-              <a:t>Something</a:t>
-            </a:r>
-            <a:r>
-              <a:rPr lang="en-US" dirty="0"/>
-              <a:t>. </a:t>
-            </a:r>
-          </a:p>
-          <a:p>
-            <a:r>
-              <a:rPr lang="en-US" dirty="0"/>
-              <a:t>If you have a </a:t>
-            </a:r>
-            <a:r>
-              <a:rPr lang="en-US" b="1" dirty="0"/>
-              <a:t>WHERE</a:t>
-            </a:r>
-            <a:r>
-              <a:rPr lang="en-US" dirty="0"/>
-              <a:t> clause, the function is only responsible for giving the right answer for inputs that satisfy the invariant.</a:t>
-            </a:r>
-          </a:p>
-          <a:p>
-            <a:r>
-              <a:rPr lang="en-US" b="1" dirty="0"/>
-              <a:t>f</a:t>
-            </a:r>
-            <a:r>
-              <a:rPr lang="en-US" dirty="0"/>
-              <a:t>’s caller is responsible for making sure that the invariant is satisfied.</a:t>
-            </a:r>
           </a:p>
         </p:txBody>
       </p:sp>
@@ -7990,7 +7896,7 @@
     </p:spTree>
     <p:extLst>
       <p:ext uri="{BB962C8B-B14F-4D97-AF65-F5344CB8AC3E}">
-        <p14:creationId xmlns:p14="http://schemas.microsoft.com/office/powerpoint/2010/main" val="1529850212"/>
+        <p14:creationId xmlns:p14="http://schemas.microsoft.com/office/powerpoint/2010/main" val="3060145912"/>
       </p:ext>
     </p:extLst>
   </p:cSld>
@@ -8027,3995 +7933,12 @@
             <p:ph type="title"/>
           </p:nvPr>
         </p:nvSpPr>
-        <p:spPr/>
-        <p:style>
-          <a:lnRef idx="2">
-            <a:schemeClr val="accent1"/>
-          </a:lnRef>
-          <a:fillRef idx="1">
-            <a:schemeClr val="lt1"/>
-          </a:fillRef>
-          <a:effectRef idx="0">
-            <a:schemeClr val="accent1"/>
-          </a:effectRef>
-          <a:fontRef idx="minor">
-            <a:schemeClr val="dk1"/>
-          </a:fontRef>
-        </p:style>
-        <p:txBody>
-          <a:bodyPr>
-            <a:normAutofit fontScale="90000"/>
-          </a:bodyPr>
-          <a:lstStyle/>
-          <a:p>
-            <a:r>
-              <a:rPr lang="en-US" dirty="0"/>
-              <a:t>5. Use functions and methods that produce and consume values</a:t>
-            </a:r>
-          </a:p>
-        </p:txBody>
-      </p:sp>
-      <p:sp>
-        <p:nvSpPr>
-          <p:cNvPr id="3" name="Content Placeholder 2"/>
-          <p:cNvSpPr>
-            <a:spLocks noGrp="1"/>
-          </p:cNvSpPr>
-          <p:nvPr>
-            <p:ph idx="1"/>
-          </p:nvPr>
-        </p:nvSpPr>
-        <p:spPr/>
-        <p:txBody>
-          <a:bodyPr/>
-          <a:lstStyle/>
-          <a:p>
-            <a:r>
-              <a:rPr lang="en-US" dirty="0"/>
-              <a:t>Functional model makes it easy to create examples and test data</a:t>
-            </a:r>
-          </a:p>
-          <a:p>
-            <a:pPr lvl="1"/>
-            <a:r>
-              <a:rPr lang="en-US" dirty="0"/>
-              <a:t>Easier to understand</a:t>
-            </a:r>
-          </a:p>
-          <a:p>
-            <a:pPr lvl="1"/>
-            <a:r>
-              <a:rPr lang="en-US" dirty="0"/>
-              <a:t>Easier to test</a:t>
-            </a:r>
-          </a:p>
-        </p:txBody>
-      </p:sp>
-      <p:sp>
-        <p:nvSpPr>
-          <p:cNvPr id="4" name="Slide Number Placeholder 3"/>
-          <p:cNvSpPr>
-            <a:spLocks noGrp="1"/>
-          </p:cNvSpPr>
-          <p:nvPr>
-            <p:ph type="sldNum" sz="quarter" idx="12"/>
-          </p:nvPr>
-        </p:nvSpPr>
-        <p:spPr/>
-        <p:txBody>
-          <a:bodyPr/>
-          <a:lstStyle/>
-          <a:p>
-            <a:fld id="{B6F15528-21DE-4FAA-801E-634DDDAF4B2B}" type="slidenum">
-              <a:rPr lang="en-US" smtClean="0"/>
-              <a:pPr/>
-              <a:t>17</a:t>
-            </a:fld>
-            <a:endParaRPr lang="en-US"/>
-          </a:p>
-        </p:txBody>
-      </p:sp>
-    </p:spTree>
-  </p:cSld>
-  <p:clrMapOvr>
-    <a:masterClrMapping/>
-  </p:clrMapOvr>
-</p:sld>
-</file>
-
-<file path=ppt/slides/slide18.xml><?xml version="1.0" encoding="utf-8"?>
-<p:sld xmlns:a="http://schemas.openxmlformats.org/drawingml/2006/main" xmlns:r="http://schemas.openxmlformats.org/officeDocument/2006/relationships" xmlns:p="http://schemas.openxmlformats.org/presentationml/2006/main">
-  <p:cSld>
-    <p:spTree>
-      <p:nvGrpSpPr>
-        <p:cNvPr id="1" name=""/>
-        <p:cNvGrpSpPr/>
-        <p:nvPr/>
-      </p:nvGrpSpPr>
-      <p:grpSpPr>
-        <a:xfrm>
-          <a:off x="0" y="0"/>
-          <a:ext cx="0" cy="0"/>
-          <a:chOff x="0" y="0"/>
-          <a:chExt cx="0" cy="0"/>
-        </a:xfrm>
-      </p:grpSpPr>
-      <p:sp>
-        <p:nvSpPr>
-          <p:cNvPr id="2" name="Title 1"/>
-          <p:cNvSpPr>
-            <a:spLocks noGrp="1"/>
-          </p:cNvSpPr>
-          <p:nvPr>
-            <p:ph type="title"/>
-          </p:nvPr>
-        </p:nvSpPr>
-        <p:spPr/>
-        <p:txBody>
-          <a:bodyPr>
-            <a:normAutofit fontScale="90000"/>
-          </a:bodyPr>
-          <a:lstStyle/>
-          <a:p>
-            <a:r>
-              <a:rPr lang="en-US" dirty="0"/>
-              <a:t>Design one function/method per task</a:t>
-            </a:r>
-          </a:p>
-        </p:txBody>
-      </p:sp>
-      <p:sp>
-        <p:nvSpPr>
-          <p:cNvPr id="3" name="Content Placeholder 2"/>
-          <p:cNvSpPr>
-            <a:spLocks noGrp="1"/>
-          </p:cNvSpPr>
-          <p:nvPr>
-            <p:ph idx="1"/>
-          </p:nvPr>
-        </p:nvSpPr>
-        <p:spPr/>
-        <p:txBody>
-          <a:bodyPr>
-            <a:normAutofit/>
-          </a:bodyPr>
-          <a:lstStyle/>
-          <a:p>
-            <a:r>
-              <a:rPr lang="en-US" dirty="0"/>
-              <a:t>Small is good.  Period.</a:t>
-            </a:r>
-          </a:p>
-          <a:p>
-            <a:r>
-              <a:rPr lang="en-US" dirty="0"/>
-              <a:t>Big is bad.  Period.</a:t>
-            </a:r>
-          </a:p>
-          <a:p>
-            <a:pPr lvl="1"/>
-            <a:r>
-              <a:rPr lang="en-US" dirty="0"/>
-              <a:t>If you have complicated junk in your function, you must have put it there for a reason.  Turn it into a separate function so you can test it.</a:t>
-            </a:r>
-          </a:p>
-          <a:p>
-            <a:pPr lvl="1"/>
-            <a:r>
-              <a:rPr lang="en-US" dirty="0">
-                <a:cs typeface="Consolas" panose="020B0609020204030204" pitchFamily="49" charset="0"/>
-              </a:rPr>
-              <a:t>Find a good name for your help function (</a:t>
-            </a:r>
-            <a:r>
-              <a:rPr lang="en-US" b="1" dirty="0">
-                <a:cs typeface="Consolas" panose="020B0609020204030204" pitchFamily="49" charset="0"/>
-              </a:rPr>
-              <a:t>after-tick-helper</a:t>
-            </a:r>
-            <a:r>
-              <a:rPr lang="en-US" dirty="0">
-                <a:cs typeface="Consolas" panose="020B0609020204030204" pitchFamily="49" charset="0"/>
-              </a:rPr>
-              <a:t> doesn’t qualify!) If you can’t think of a good name for your help function, then you are probably doing it wrong.</a:t>
-            </a:r>
-          </a:p>
-          <a:p>
-            <a:pPr lvl="1"/>
-            <a:endParaRPr lang="en-US" dirty="0"/>
-          </a:p>
-        </p:txBody>
-      </p:sp>
-      <p:sp>
-        <p:nvSpPr>
-          <p:cNvPr id="4" name="Slide Number Placeholder 3"/>
-          <p:cNvSpPr>
-            <a:spLocks noGrp="1"/>
-          </p:cNvSpPr>
-          <p:nvPr>
-            <p:ph type="sldNum" sz="quarter" idx="12"/>
-          </p:nvPr>
-        </p:nvSpPr>
-        <p:spPr/>
-        <p:txBody>
-          <a:bodyPr/>
-          <a:lstStyle/>
-          <a:p>
-            <a:fld id="{B6F15528-21DE-4FAA-801E-634DDDAF4B2B}" type="slidenum">
-              <a:rPr lang="en-US" smtClean="0"/>
-              <a:pPr/>
-              <a:t>18</a:t>
-            </a:fld>
-            <a:endParaRPr lang="en-US"/>
-          </a:p>
-        </p:txBody>
-      </p:sp>
-    </p:spTree>
-  </p:cSld>
-  <p:clrMapOvr>
-    <a:masterClrMapping/>
-  </p:clrMapOvr>
-</p:sld>
-</file>
-
-<file path=ppt/slides/slide19.xml><?xml version="1.0" encoding="utf-8"?>
-<p:sld xmlns:a="http://schemas.openxmlformats.org/drawingml/2006/main" xmlns:r="http://schemas.openxmlformats.org/officeDocument/2006/relationships" xmlns:p="http://schemas.openxmlformats.org/presentationml/2006/main">
-  <p:cSld>
-    <p:spTree>
-      <p:nvGrpSpPr>
-        <p:cNvPr id="1" name=""/>
-        <p:cNvGrpSpPr/>
-        <p:nvPr/>
-      </p:nvGrpSpPr>
-      <p:grpSpPr>
-        <a:xfrm>
-          <a:off x="0" y="0"/>
-          <a:ext cx="0" cy="0"/>
-          <a:chOff x="0" y="0"/>
-          <a:chExt cx="0" cy="0"/>
-        </a:xfrm>
-      </p:grpSpPr>
-      <p:sp>
-        <p:nvSpPr>
-          <p:cNvPr id="2" name="Title 1"/>
-          <p:cNvSpPr>
-            <a:spLocks noGrp="1"/>
-          </p:cNvSpPr>
-          <p:nvPr>
-            <p:ph type="title"/>
-          </p:nvPr>
-        </p:nvSpPr>
-        <p:spPr/>
-        <p:style>
-          <a:lnRef idx="2">
-            <a:schemeClr val="accent1"/>
-          </a:lnRef>
-          <a:fillRef idx="1">
-            <a:schemeClr val="lt1"/>
-          </a:fillRef>
-          <a:effectRef idx="0">
-            <a:schemeClr val="accent1"/>
-          </a:effectRef>
-          <a:fontRef idx="minor">
-            <a:schemeClr val="dk1"/>
-          </a:fontRef>
-        </p:style>
-        <p:txBody>
-          <a:bodyPr/>
-          <a:lstStyle/>
-          <a:p>
-            <a:r>
-              <a:rPr lang="en-US" dirty="0"/>
-              <a:t>Design functions systematically</a:t>
-            </a:r>
-          </a:p>
-        </p:txBody>
-      </p:sp>
-      <p:sp>
-        <p:nvSpPr>
-          <p:cNvPr id="3" name="Content Placeholder 2"/>
-          <p:cNvSpPr>
-            <a:spLocks noGrp="1"/>
-          </p:cNvSpPr>
-          <p:nvPr>
-            <p:ph idx="1"/>
-          </p:nvPr>
-        </p:nvSpPr>
-        <p:spPr/>
-        <p:txBody>
-          <a:bodyPr>
-            <a:normAutofit/>
-          </a:bodyPr>
-          <a:lstStyle/>
-          <a:p>
-            <a:r>
-              <a:rPr lang="en-US" dirty="0"/>
-              <a:t>Structure of data tells you the structure of the program</a:t>
-            </a:r>
-          </a:p>
-          <a:p>
-            <a:pPr lvl="1"/>
-            <a:r>
-              <a:rPr lang="en-US" dirty="0"/>
-              <a:t>Or at least gives you good hints!</a:t>
-            </a:r>
-          </a:p>
-          <a:p>
-            <a:pPr lvl="1"/>
-            <a:r>
-              <a:rPr lang="en-US" dirty="0"/>
-              <a:t>The organization of your data definitions leads you to the organization of your program.</a:t>
-            </a:r>
-          </a:p>
-          <a:p>
-            <a:endParaRPr lang="en-US" dirty="0"/>
-          </a:p>
-        </p:txBody>
-      </p:sp>
-      <p:sp>
-        <p:nvSpPr>
-          <p:cNvPr id="4" name="Slide Number Placeholder 3"/>
-          <p:cNvSpPr>
-            <a:spLocks noGrp="1"/>
-          </p:cNvSpPr>
-          <p:nvPr>
-            <p:ph type="sldNum" sz="quarter" idx="12"/>
-          </p:nvPr>
-        </p:nvSpPr>
-        <p:spPr/>
-        <p:txBody>
-          <a:bodyPr/>
-          <a:lstStyle/>
-          <a:p>
-            <a:fld id="{B6F15528-21DE-4FAA-801E-634DDDAF4B2B}" type="slidenum">
-              <a:rPr lang="en-US" smtClean="0"/>
-              <a:pPr/>
-              <a:t>19</a:t>
-            </a:fld>
-            <a:endParaRPr lang="en-US"/>
-          </a:p>
-        </p:txBody>
-      </p:sp>
-    </p:spTree>
-  </p:cSld>
-  <p:clrMapOvr>
-    <a:masterClrMapping/>
-  </p:clrMapOvr>
-</p:sld>
-</file>
-
-<file path=ppt/slides/slide2.xml><?xml version="1.0" encoding="utf-8"?>
-<p:sld xmlns:a="http://schemas.openxmlformats.org/drawingml/2006/main" xmlns:r="http://schemas.openxmlformats.org/officeDocument/2006/relationships" xmlns:p="http://schemas.openxmlformats.org/presentationml/2006/main">
-  <p:cSld>
-    <p:spTree>
-      <p:nvGrpSpPr>
-        <p:cNvPr id="1" name=""/>
-        <p:cNvGrpSpPr/>
-        <p:nvPr/>
-      </p:nvGrpSpPr>
-      <p:grpSpPr>
-        <a:xfrm>
-          <a:off x="0" y="0"/>
-          <a:ext cx="0" cy="0"/>
-          <a:chOff x="0" y="0"/>
-          <a:chExt cx="0" cy="0"/>
-        </a:xfrm>
-      </p:grpSpPr>
-      <p:sp>
-        <p:nvSpPr>
-          <p:cNvPr id="7" name="Rounded Rectangle 6"/>
-          <p:cNvSpPr/>
-          <p:nvPr/>
-        </p:nvSpPr>
         <p:spPr>
           <a:xfrm>
-            <a:off x="6400800" y="1757787"/>
-            <a:ext cx="1828800" cy="533400"/>
-          </a:xfrm>
-          <a:prstGeom prst="roundRect">
-            <a:avLst/>
-          </a:prstGeom>
-        </p:spPr>
-        <p:style>
-          <a:lnRef idx="0">
-            <a:schemeClr val="accent1"/>
-          </a:lnRef>
-          <a:fillRef idx="3">
-            <a:schemeClr val="accent1"/>
-          </a:fillRef>
-          <a:effectRef idx="3">
-            <a:schemeClr val="accent1"/>
-          </a:effectRef>
-          <a:fontRef idx="minor">
-            <a:schemeClr val="lt1"/>
-          </a:fontRef>
-        </p:style>
-        <p:txBody>
-          <a:bodyPr rtlCol="0" anchor="ctr"/>
-          <a:lstStyle/>
-          <a:p>
-            <a:pPr algn="ctr"/>
-            <a:r>
-              <a:rPr lang="en-US" dirty="0"/>
-              <a:t>Generalization</a:t>
-            </a:r>
-          </a:p>
-        </p:txBody>
-      </p:sp>
-      <p:sp>
-        <p:nvSpPr>
-          <p:cNvPr id="14" name="Rounded Rectangle 13"/>
-          <p:cNvSpPr/>
-          <p:nvPr/>
-        </p:nvSpPr>
-        <p:spPr>
-          <a:xfrm>
-            <a:off x="6400800" y="2564470"/>
-            <a:ext cx="1828800" cy="533400"/>
-          </a:xfrm>
-          <a:prstGeom prst="roundRect">
-            <a:avLst/>
-          </a:prstGeom>
-        </p:spPr>
-        <p:style>
-          <a:lnRef idx="2">
-            <a:schemeClr val="accent2">
-              <a:shade val="50000"/>
-            </a:schemeClr>
-          </a:lnRef>
-          <a:fillRef idx="1">
-            <a:schemeClr val="accent2"/>
-          </a:fillRef>
-          <a:effectRef idx="0">
-            <a:schemeClr val="accent2"/>
-          </a:effectRef>
-          <a:fontRef idx="minor">
-            <a:schemeClr val="lt1"/>
-          </a:fontRef>
-        </p:style>
-        <p:txBody>
-          <a:bodyPr rtlCol="0" anchor="ctr"/>
-          <a:lstStyle/>
-          <a:p>
-            <a:pPr algn="ctr"/>
-            <a:r>
-              <a:rPr lang="en-US" dirty="0"/>
-              <a:t>Over Constants</a:t>
-            </a:r>
-          </a:p>
-        </p:txBody>
-      </p:sp>
-      <p:sp>
-        <p:nvSpPr>
-          <p:cNvPr id="29" name="Rounded Rectangle 28"/>
-          <p:cNvSpPr/>
-          <p:nvPr/>
-        </p:nvSpPr>
-        <p:spPr>
-          <a:xfrm>
-            <a:off x="6400800" y="3371153"/>
-            <a:ext cx="1828800" cy="533400"/>
-          </a:xfrm>
-          <a:prstGeom prst="roundRect">
-            <a:avLst/>
-          </a:prstGeom>
-        </p:spPr>
-        <p:style>
-          <a:lnRef idx="2">
-            <a:schemeClr val="accent2">
-              <a:shade val="50000"/>
-            </a:schemeClr>
-          </a:lnRef>
-          <a:fillRef idx="1">
-            <a:schemeClr val="accent2"/>
-          </a:fillRef>
-          <a:effectRef idx="0">
-            <a:schemeClr val="accent2"/>
-          </a:effectRef>
-          <a:fontRef idx="minor">
-            <a:schemeClr val="lt1"/>
-          </a:fontRef>
-        </p:style>
-        <p:txBody>
-          <a:bodyPr rtlCol="0" anchor="ctr"/>
-          <a:lstStyle/>
-          <a:p>
-            <a:pPr algn="ctr"/>
-            <a:r>
-              <a:rPr lang="en-US" dirty="0"/>
-              <a:t>Over Expressions</a:t>
-            </a:r>
-          </a:p>
-        </p:txBody>
-      </p:sp>
-      <p:sp>
-        <p:nvSpPr>
-          <p:cNvPr id="34" name="Rounded Rectangle 33"/>
-          <p:cNvSpPr/>
-          <p:nvPr/>
-        </p:nvSpPr>
-        <p:spPr>
-          <a:xfrm>
-            <a:off x="6400800" y="4177836"/>
-            <a:ext cx="1828800" cy="533400"/>
-          </a:xfrm>
-          <a:prstGeom prst="roundRect">
-            <a:avLst/>
-          </a:prstGeom>
-        </p:spPr>
-        <p:style>
-          <a:lnRef idx="2">
-            <a:schemeClr val="accent2">
-              <a:shade val="50000"/>
-            </a:schemeClr>
-          </a:lnRef>
-          <a:fillRef idx="1">
-            <a:schemeClr val="accent2"/>
-          </a:fillRef>
-          <a:effectRef idx="0">
-            <a:schemeClr val="accent2"/>
-          </a:effectRef>
-          <a:fontRef idx="minor">
-            <a:schemeClr val="lt1"/>
-          </a:fontRef>
-        </p:style>
-        <p:txBody>
-          <a:bodyPr rtlCol="0" anchor="ctr"/>
-          <a:lstStyle/>
-          <a:p>
-            <a:pPr algn="ctr"/>
-            <a:r>
-              <a:rPr lang="en-US" dirty="0"/>
-              <a:t>Over Contexts</a:t>
-            </a:r>
-          </a:p>
-        </p:txBody>
-      </p:sp>
-      <p:sp>
-        <p:nvSpPr>
-          <p:cNvPr id="39" name="Rounded Rectangle 38"/>
-          <p:cNvSpPr/>
-          <p:nvPr/>
-        </p:nvSpPr>
-        <p:spPr>
-          <a:xfrm>
-            <a:off x="6400800" y="4984519"/>
-            <a:ext cx="1828800" cy="533400"/>
-          </a:xfrm>
-          <a:prstGeom prst="roundRect">
-            <a:avLst/>
-          </a:prstGeom>
-        </p:spPr>
-        <p:style>
-          <a:lnRef idx="1">
-            <a:schemeClr val="accent2"/>
-          </a:lnRef>
-          <a:fillRef idx="2">
-            <a:schemeClr val="accent2"/>
-          </a:fillRef>
-          <a:effectRef idx="1">
-            <a:schemeClr val="accent2"/>
-          </a:effectRef>
-          <a:fontRef idx="minor">
-            <a:schemeClr val="dk1"/>
-          </a:fontRef>
-        </p:style>
-        <p:txBody>
-          <a:bodyPr rtlCol="0" anchor="ctr"/>
-          <a:lstStyle/>
-          <a:p>
-            <a:pPr algn="ctr"/>
-            <a:r>
-              <a:rPr lang="en-US" dirty="0"/>
-              <a:t>Over Data Representations</a:t>
-            </a:r>
-          </a:p>
-        </p:txBody>
-      </p:sp>
-      <p:sp>
-        <p:nvSpPr>
-          <p:cNvPr id="44" name="Rounded Rectangle 43"/>
-          <p:cNvSpPr/>
-          <p:nvPr/>
-        </p:nvSpPr>
-        <p:spPr>
-          <a:xfrm>
-            <a:off x="6400800" y="5791200"/>
-            <a:ext cx="1828800" cy="533400"/>
-          </a:xfrm>
-          <a:prstGeom prst="roundRect">
-            <a:avLst/>
-          </a:prstGeom>
-        </p:spPr>
-        <p:style>
-          <a:lnRef idx="2">
-            <a:schemeClr val="accent2">
-              <a:shade val="50000"/>
-            </a:schemeClr>
-          </a:lnRef>
-          <a:fillRef idx="1">
-            <a:schemeClr val="accent2"/>
-          </a:fillRef>
-          <a:effectRef idx="0">
-            <a:schemeClr val="accent2"/>
-          </a:effectRef>
-          <a:fontRef idx="minor">
-            <a:schemeClr val="lt1"/>
-          </a:fontRef>
-        </p:style>
-        <p:txBody>
-          <a:bodyPr rtlCol="0" anchor="ctr"/>
-          <a:lstStyle/>
-          <a:p>
-            <a:pPr algn="ctr"/>
-            <a:r>
-              <a:rPr lang="en-US" dirty="0"/>
-              <a:t>Over Method Implementations</a:t>
-            </a:r>
-          </a:p>
-        </p:txBody>
-      </p:sp>
-      <p:grpSp>
-        <p:nvGrpSpPr>
-          <p:cNvPr id="78" name="Group 77"/>
-          <p:cNvGrpSpPr/>
-          <p:nvPr/>
-        </p:nvGrpSpPr>
-        <p:grpSpPr>
-          <a:xfrm>
-            <a:off x="914400" y="951104"/>
-            <a:ext cx="1828800" cy="5373496"/>
-            <a:chOff x="476250" y="951104"/>
-            <a:chExt cx="1828800" cy="5373496"/>
-          </a:xfrm>
-        </p:grpSpPr>
-        <p:sp>
-          <p:nvSpPr>
-            <p:cNvPr id="22" name="Rounded Rectangle 21"/>
-            <p:cNvSpPr/>
-            <p:nvPr/>
-          </p:nvSpPr>
-          <p:spPr>
-            <a:xfrm>
-              <a:off x="476250" y="2564470"/>
-              <a:ext cx="1828800" cy="533400"/>
-            </a:xfrm>
-            <a:prstGeom prst="roundRect">
-              <a:avLst/>
-            </a:prstGeom>
-          </p:spPr>
-          <p:style>
-            <a:lnRef idx="2">
-              <a:schemeClr val="accent2">
-                <a:shade val="50000"/>
-              </a:schemeClr>
-            </a:lnRef>
-            <a:fillRef idx="1">
-              <a:schemeClr val="accent2"/>
-            </a:fillRef>
-            <a:effectRef idx="0">
-              <a:schemeClr val="accent2"/>
-            </a:effectRef>
-            <a:fontRef idx="minor">
-              <a:schemeClr val="lt1"/>
-            </a:fontRef>
-          </p:style>
-          <p:txBody>
-            <a:bodyPr rtlCol="0" anchor="ctr"/>
-            <a:lstStyle/>
-            <a:p>
-              <a:pPr algn="ctr"/>
-              <a:r>
-                <a:rPr lang="en-US" dirty="0"/>
-                <a:t>Mixed Data</a:t>
-              </a:r>
-            </a:p>
-          </p:txBody>
-        </p:sp>
-        <p:sp>
-          <p:nvSpPr>
-            <p:cNvPr id="5" name="Rounded Rectangle 4"/>
-            <p:cNvSpPr/>
-            <p:nvPr/>
-          </p:nvSpPr>
-          <p:spPr>
-            <a:xfrm>
-              <a:off x="476250" y="951104"/>
-              <a:ext cx="1828800" cy="533400"/>
-            </a:xfrm>
-            <a:prstGeom prst="roundRect">
-              <a:avLst/>
-            </a:prstGeom>
-          </p:spPr>
-          <p:style>
-            <a:lnRef idx="0">
-              <a:schemeClr val="accent1"/>
-            </a:lnRef>
-            <a:fillRef idx="3">
-              <a:schemeClr val="accent1"/>
-            </a:fillRef>
-            <a:effectRef idx="3">
-              <a:schemeClr val="accent1"/>
-            </a:effectRef>
-            <a:fontRef idx="minor">
-              <a:schemeClr val="lt1"/>
-            </a:fontRef>
-          </p:style>
-          <p:txBody>
-            <a:bodyPr rtlCol="0" anchor="ctr"/>
-            <a:lstStyle/>
-            <a:p>
-              <a:pPr algn="ctr"/>
-              <a:r>
-                <a:rPr lang="en-US" dirty="0"/>
-                <a:t>Data Representations</a:t>
-              </a:r>
-            </a:p>
-          </p:txBody>
-        </p:sp>
-        <p:sp>
-          <p:nvSpPr>
-            <p:cNvPr id="12" name="Rounded Rectangle 11"/>
-            <p:cNvSpPr/>
-            <p:nvPr/>
-          </p:nvSpPr>
-          <p:spPr>
-            <a:xfrm>
-              <a:off x="476250" y="1757787"/>
-              <a:ext cx="1828800" cy="533400"/>
-            </a:xfrm>
-            <a:prstGeom prst="roundRect">
-              <a:avLst/>
-            </a:prstGeom>
-          </p:spPr>
-          <p:style>
-            <a:lnRef idx="2">
-              <a:schemeClr val="accent2">
-                <a:shade val="50000"/>
-              </a:schemeClr>
-            </a:lnRef>
-            <a:fillRef idx="1">
-              <a:schemeClr val="accent2"/>
-            </a:fillRef>
-            <a:effectRef idx="0">
-              <a:schemeClr val="accent2"/>
-            </a:effectRef>
-            <a:fontRef idx="minor">
-              <a:schemeClr val="lt1"/>
-            </a:fontRef>
-          </p:style>
-          <p:txBody>
-            <a:bodyPr rtlCol="0" anchor="ctr"/>
-            <a:lstStyle/>
-            <a:p>
-              <a:pPr algn="ctr"/>
-              <a:r>
-                <a:rPr lang="en-US" dirty="0"/>
-                <a:t>Basics</a:t>
-              </a:r>
-            </a:p>
-          </p:txBody>
-        </p:sp>
-        <p:sp>
-          <p:nvSpPr>
-            <p:cNvPr id="27" name="Rounded Rectangle 26"/>
-            <p:cNvSpPr/>
-            <p:nvPr/>
-          </p:nvSpPr>
-          <p:spPr>
-            <a:xfrm>
-              <a:off x="476250" y="3371153"/>
-              <a:ext cx="1828800" cy="533400"/>
-            </a:xfrm>
-            <a:prstGeom prst="roundRect">
-              <a:avLst/>
-            </a:prstGeom>
-          </p:spPr>
-          <p:style>
-            <a:lnRef idx="2">
-              <a:schemeClr val="accent2">
-                <a:shade val="50000"/>
-              </a:schemeClr>
-            </a:lnRef>
-            <a:fillRef idx="1">
-              <a:schemeClr val="accent2"/>
-            </a:fillRef>
-            <a:effectRef idx="0">
-              <a:schemeClr val="accent2"/>
-            </a:effectRef>
-            <a:fontRef idx="minor">
-              <a:schemeClr val="lt1"/>
-            </a:fontRef>
-          </p:style>
-          <p:txBody>
-            <a:bodyPr rtlCol="0" anchor="ctr"/>
-            <a:lstStyle/>
-            <a:p>
-              <a:pPr algn="ctr"/>
-              <a:r>
-                <a:rPr lang="en-US" dirty="0"/>
-                <a:t>Recursive Data</a:t>
-              </a:r>
-            </a:p>
-          </p:txBody>
-        </p:sp>
-        <p:sp>
-          <p:nvSpPr>
-            <p:cNvPr id="37" name="Rounded Rectangle 36"/>
-            <p:cNvSpPr/>
-            <p:nvPr/>
-          </p:nvSpPr>
-          <p:spPr>
-            <a:xfrm>
-              <a:off x="476250" y="4177836"/>
-              <a:ext cx="1828800" cy="533400"/>
-            </a:xfrm>
-            <a:prstGeom prst="roundRect">
-              <a:avLst/>
-            </a:prstGeom>
-          </p:spPr>
-          <p:style>
-            <a:lnRef idx="1">
-              <a:schemeClr val="accent2"/>
-            </a:lnRef>
-            <a:fillRef idx="2">
-              <a:schemeClr val="accent2"/>
-            </a:fillRef>
-            <a:effectRef idx="1">
-              <a:schemeClr val="accent2"/>
-            </a:effectRef>
-            <a:fontRef idx="minor">
-              <a:schemeClr val="dk1"/>
-            </a:fontRef>
-          </p:style>
-          <p:txBody>
-            <a:bodyPr rtlCol="0" anchor="ctr"/>
-            <a:lstStyle/>
-            <a:p>
-              <a:pPr algn="ctr"/>
-              <a:r>
-                <a:rPr lang="en-US" dirty="0"/>
-                <a:t>Functional Data</a:t>
-              </a:r>
-            </a:p>
-          </p:txBody>
-        </p:sp>
-        <p:sp>
-          <p:nvSpPr>
-            <p:cNvPr id="42" name="Rounded Rectangle 41"/>
-            <p:cNvSpPr/>
-            <p:nvPr/>
-          </p:nvSpPr>
-          <p:spPr>
-            <a:xfrm>
-              <a:off x="476250" y="4984519"/>
-              <a:ext cx="1828800" cy="533400"/>
-            </a:xfrm>
-            <a:prstGeom prst="roundRect">
-              <a:avLst/>
-            </a:prstGeom>
-          </p:spPr>
-          <p:style>
-            <a:lnRef idx="2">
-              <a:schemeClr val="accent2">
-                <a:shade val="50000"/>
-              </a:schemeClr>
-            </a:lnRef>
-            <a:fillRef idx="1">
-              <a:schemeClr val="accent2"/>
-            </a:fillRef>
-            <a:effectRef idx="0">
-              <a:schemeClr val="accent2"/>
-            </a:effectRef>
-            <a:fontRef idx="minor">
-              <a:schemeClr val="lt1"/>
-            </a:fontRef>
-          </p:style>
-          <p:txBody>
-            <a:bodyPr rtlCol="0" anchor="ctr"/>
-            <a:lstStyle/>
-            <a:p>
-              <a:pPr algn="ctr"/>
-              <a:r>
-                <a:rPr lang="en-US" dirty="0"/>
-                <a:t>Objects &amp; Classes</a:t>
-              </a:r>
-            </a:p>
-          </p:txBody>
-        </p:sp>
-        <p:sp>
-          <p:nvSpPr>
-            <p:cNvPr id="47" name="Rounded Rectangle 46"/>
-            <p:cNvSpPr/>
-            <p:nvPr/>
-          </p:nvSpPr>
-          <p:spPr>
-            <a:xfrm>
-              <a:off x="476250" y="5791200"/>
-              <a:ext cx="1828800" cy="533400"/>
-            </a:xfrm>
-            <a:prstGeom prst="roundRect">
-              <a:avLst/>
-            </a:prstGeom>
-          </p:spPr>
-          <p:style>
-            <a:lnRef idx="2">
-              <a:schemeClr val="accent2">
-                <a:shade val="50000"/>
-              </a:schemeClr>
-            </a:lnRef>
-            <a:fillRef idx="1">
-              <a:schemeClr val="accent2"/>
-            </a:fillRef>
-            <a:effectRef idx="0">
-              <a:schemeClr val="accent2"/>
-            </a:effectRef>
-            <a:fontRef idx="minor">
-              <a:schemeClr val="lt1"/>
-            </a:fontRef>
-          </p:style>
-          <p:txBody>
-            <a:bodyPr rtlCol="0" anchor="ctr"/>
-            <a:lstStyle/>
-            <a:p>
-              <a:pPr algn="ctr"/>
-              <a:r>
-                <a:rPr lang="en-US" dirty="0" err="1"/>
-                <a:t>Stateful</a:t>
-              </a:r>
-              <a:r>
-                <a:rPr lang="en-US" dirty="0"/>
-                <a:t> Objects</a:t>
-              </a:r>
-            </a:p>
-          </p:txBody>
-        </p:sp>
-        <p:cxnSp>
-          <p:nvCxnSpPr>
-            <p:cNvPr id="58" name="Straight Arrow Connector 57"/>
-            <p:cNvCxnSpPr>
-              <a:stCxn id="12" idx="2"/>
-              <a:endCxn id="22" idx="0"/>
-            </p:cNvCxnSpPr>
-            <p:nvPr/>
-          </p:nvCxnSpPr>
-          <p:spPr>
-            <a:xfrm>
-              <a:off x="1390650" y="2291187"/>
-              <a:ext cx="0" cy="273283"/>
-            </a:xfrm>
-            <a:prstGeom prst="straightConnector1">
-              <a:avLst/>
-            </a:prstGeom>
-            <a:ln>
-              <a:tailEnd type="triangle"/>
-            </a:ln>
-          </p:spPr>
-          <p:style>
-            <a:lnRef idx="2">
-              <a:schemeClr val="accent2">
-                <a:shade val="50000"/>
-              </a:schemeClr>
-            </a:lnRef>
-            <a:fillRef idx="1">
-              <a:schemeClr val="accent2"/>
-            </a:fillRef>
-            <a:effectRef idx="0">
-              <a:schemeClr val="accent2"/>
-            </a:effectRef>
-            <a:fontRef idx="minor">
-              <a:schemeClr val="lt1"/>
-            </a:fontRef>
-          </p:style>
-        </p:cxnSp>
-        <p:cxnSp>
-          <p:nvCxnSpPr>
-            <p:cNvPr id="66" name="Straight Arrow Connector 65"/>
-            <p:cNvCxnSpPr>
-              <a:stCxn id="22" idx="2"/>
-              <a:endCxn id="27" idx="0"/>
-            </p:cNvCxnSpPr>
-            <p:nvPr/>
-          </p:nvCxnSpPr>
-          <p:spPr>
-            <a:xfrm>
-              <a:off x="1390650" y="3097870"/>
-              <a:ext cx="0" cy="273283"/>
-            </a:xfrm>
-            <a:prstGeom prst="straightConnector1">
-              <a:avLst/>
-            </a:prstGeom>
-            <a:ln>
-              <a:tailEnd type="triangle"/>
-            </a:ln>
-          </p:spPr>
-          <p:style>
-            <a:lnRef idx="1">
-              <a:schemeClr val="accent1"/>
-            </a:lnRef>
-            <a:fillRef idx="0">
-              <a:schemeClr val="accent1"/>
-            </a:fillRef>
-            <a:effectRef idx="0">
-              <a:schemeClr val="accent1"/>
-            </a:effectRef>
-            <a:fontRef idx="minor">
-              <a:schemeClr val="tx1"/>
-            </a:fontRef>
-          </p:style>
-        </p:cxnSp>
-      </p:grpSp>
-      <p:cxnSp>
-        <p:nvCxnSpPr>
-          <p:cNvPr id="88" name="Straight Arrow Connector 87"/>
-          <p:cNvCxnSpPr>
-            <a:stCxn id="7" idx="2"/>
-            <a:endCxn id="14" idx="0"/>
-          </p:cNvCxnSpPr>
-          <p:nvPr/>
-        </p:nvCxnSpPr>
-        <p:spPr>
-          <a:xfrm>
-            <a:off x="7315200" y="2291187"/>
-            <a:ext cx="0" cy="273283"/>
-          </a:xfrm>
-          <a:prstGeom prst="straightConnector1">
-            <a:avLst/>
-          </a:prstGeom>
-          <a:ln>
-            <a:tailEnd type="triangle"/>
-          </a:ln>
-        </p:spPr>
-        <p:style>
-          <a:lnRef idx="1">
-            <a:schemeClr val="accent1"/>
-          </a:lnRef>
-          <a:fillRef idx="0">
-            <a:schemeClr val="accent1"/>
-          </a:fillRef>
-          <a:effectRef idx="0">
-            <a:schemeClr val="accent1"/>
-          </a:effectRef>
-          <a:fontRef idx="minor">
-            <a:schemeClr val="tx1"/>
-          </a:fontRef>
-        </p:style>
-      </p:cxnSp>
-      <p:cxnSp>
-        <p:nvCxnSpPr>
-          <p:cNvPr id="92" name="Straight Arrow Connector 91"/>
-          <p:cNvCxnSpPr>
-            <a:stCxn id="14" idx="2"/>
-            <a:endCxn id="29" idx="0"/>
-          </p:cNvCxnSpPr>
-          <p:nvPr/>
-        </p:nvCxnSpPr>
-        <p:spPr>
-          <a:xfrm>
-            <a:off x="7315200" y="3097870"/>
-            <a:ext cx="0" cy="273283"/>
-          </a:xfrm>
-          <a:prstGeom prst="straightConnector1">
-            <a:avLst/>
-          </a:prstGeom>
-          <a:ln>
-            <a:tailEnd type="triangle"/>
-          </a:ln>
-        </p:spPr>
-        <p:style>
-          <a:lnRef idx="1">
-            <a:schemeClr val="accent1"/>
-          </a:lnRef>
-          <a:fillRef idx="0">
-            <a:schemeClr val="accent1"/>
-          </a:fillRef>
-          <a:effectRef idx="0">
-            <a:schemeClr val="accent1"/>
-          </a:effectRef>
-          <a:fontRef idx="minor">
-            <a:schemeClr val="tx1"/>
-          </a:fontRef>
-        </p:style>
-      </p:cxnSp>
-      <p:cxnSp>
-        <p:nvCxnSpPr>
-          <p:cNvPr id="98" name="Straight Arrow Connector 97"/>
-          <p:cNvCxnSpPr>
-            <a:stCxn id="29" idx="2"/>
-            <a:endCxn id="34" idx="0"/>
-          </p:cNvCxnSpPr>
-          <p:nvPr/>
-        </p:nvCxnSpPr>
-        <p:spPr>
-          <a:xfrm>
-            <a:off x="7315200" y="3904553"/>
-            <a:ext cx="0" cy="273283"/>
-          </a:xfrm>
-          <a:prstGeom prst="straightConnector1">
-            <a:avLst/>
-          </a:prstGeom>
-          <a:ln>
-            <a:tailEnd type="triangle"/>
-          </a:ln>
-        </p:spPr>
-        <p:style>
-          <a:lnRef idx="1">
-            <a:schemeClr val="accent1"/>
-          </a:lnRef>
-          <a:fillRef idx="0">
-            <a:schemeClr val="accent1"/>
-          </a:fillRef>
-          <a:effectRef idx="0">
-            <a:schemeClr val="accent1"/>
-          </a:effectRef>
-          <a:fontRef idx="minor">
-            <a:schemeClr val="tx1"/>
-          </a:fontRef>
-        </p:style>
-      </p:cxnSp>
-      <p:cxnSp>
-        <p:nvCxnSpPr>
-          <p:cNvPr id="100" name="Straight Arrow Connector 99"/>
-          <p:cNvCxnSpPr>
-            <a:stCxn id="34" idx="2"/>
-            <a:endCxn id="39" idx="0"/>
-          </p:cNvCxnSpPr>
-          <p:nvPr/>
-        </p:nvCxnSpPr>
-        <p:spPr>
-          <a:xfrm>
-            <a:off x="7315200" y="4711236"/>
-            <a:ext cx="0" cy="273283"/>
-          </a:xfrm>
-          <a:prstGeom prst="straightConnector1">
-            <a:avLst/>
-          </a:prstGeom>
-          <a:ln>
-            <a:tailEnd type="triangle"/>
-          </a:ln>
-        </p:spPr>
-        <p:style>
-          <a:lnRef idx="1">
-            <a:schemeClr val="accent1"/>
-          </a:lnRef>
-          <a:fillRef idx="0">
-            <a:schemeClr val="accent1"/>
-          </a:fillRef>
-          <a:effectRef idx="0">
-            <a:schemeClr val="accent1"/>
-          </a:effectRef>
-          <a:fontRef idx="minor">
-            <a:schemeClr val="tx1"/>
-          </a:fontRef>
-        </p:style>
-      </p:cxnSp>
-      <p:cxnSp>
-        <p:nvCxnSpPr>
-          <p:cNvPr id="102" name="Straight Arrow Connector 101"/>
-          <p:cNvCxnSpPr>
-            <a:stCxn id="39" idx="2"/>
-            <a:endCxn id="44" idx="0"/>
-          </p:cNvCxnSpPr>
-          <p:nvPr/>
-        </p:nvCxnSpPr>
-        <p:spPr>
-          <a:xfrm>
-            <a:off x="7315200" y="5517919"/>
-            <a:ext cx="0" cy="273281"/>
-          </a:xfrm>
-          <a:prstGeom prst="straightConnector1">
-            <a:avLst/>
-          </a:prstGeom>
-          <a:ln>
-            <a:tailEnd type="triangle"/>
-          </a:ln>
-        </p:spPr>
-        <p:style>
-          <a:lnRef idx="1">
-            <a:schemeClr val="accent1"/>
-          </a:lnRef>
-          <a:fillRef idx="0">
-            <a:schemeClr val="accent1"/>
-          </a:fillRef>
-          <a:effectRef idx="0">
-            <a:schemeClr val="accent1"/>
-          </a:effectRef>
-          <a:fontRef idx="minor">
-            <a:schemeClr val="tx1"/>
-          </a:fontRef>
-        </p:style>
-      </p:cxnSp>
-      <p:sp>
-        <p:nvSpPr>
-          <p:cNvPr id="103" name="Rounded Rectangle 102"/>
-          <p:cNvSpPr/>
-          <p:nvPr/>
-        </p:nvSpPr>
-        <p:spPr>
-          <a:xfrm>
-            <a:off x="5791200" y="417704"/>
-            <a:ext cx="3048000" cy="1066800"/>
-          </a:xfrm>
-          <a:prstGeom prst="roundRect">
-            <a:avLst/>
-          </a:prstGeom>
-          <a:noFill/>
-          <a:ln w="28575">
-            <a:solidFill>
-              <a:schemeClr val="accent2"/>
-            </a:solidFill>
-          </a:ln>
-        </p:spPr>
-        <p:style>
-          <a:lnRef idx="2">
-            <a:schemeClr val="accent1"/>
-          </a:lnRef>
-          <a:fillRef idx="1">
-            <a:schemeClr val="lt1"/>
-          </a:fillRef>
-          <a:effectRef idx="0">
-            <a:schemeClr val="accent1"/>
-          </a:effectRef>
-          <a:fontRef idx="minor">
-            <a:schemeClr val="dk1"/>
-          </a:fontRef>
-        </p:style>
-        <p:txBody>
-          <a:bodyPr rot="0" spcFirstLastPara="0" vertOverflow="overflow" horzOverflow="overflow" vert="horz" wrap="square" lIns="91440" tIns="45720" rIns="91440" bIns="45720" numCol="1" spcCol="0" rtlCol="0" fromWordArt="0" anchor="ctr" anchorCtr="0" forceAA="0" compatLnSpc="1">
-            <a:prstTxWarp prst="textNoShape">
-              <a:avLst/>
-            </a:prstTxWarp>
-            <a:noAutofit/>
-          </a:bodyPr>
-          <a:lstStyle/>
-          <a:p>
-            <a:pPr algn="ctr"/>
-            <a:r>
-              <a:rPr lang="en-US" sz="3200" dirty="0"/>
-              <a:t>Let’s see where we’ve been</a:t>
-            </a:r>
-            <a:endParaRPr lang="en-US" sz="3200" dirty="0">
-              <a:solidFill>
-                <a:schemeClr val="tx1"/>
-              </a:solidFill>
-            </a:endParaRPr>
-          </a:p>
-        </p:txBody>
-      </p:sp>
-      <p:cxnSp>
-        <p:nvCxnSpPr>
-          <p:cNvPr id="107" name="Straight Arrow Connector 106"/>
-          <p:cNvCxnSpPr>
-            <a:stCxn id="27" idx="2"/>
-            <a:endCxn id="37" idx="0"/>
-          </p:cNvCxnSpPr>
-          <p:nvPr/>
-        </p:nvCxnSpPr>
-        <p:spPr>
-          <a:xfrm>
-            <a:off x="1828800" y="3904553"/>
-            <a:ext cx="0" cy="273283"/>
-          </a:xfrm>
-          <a:prstGeom prst="straightConnector1">
-            <a:avLst/>
-          </a:prstGeom>
-          <a:ln>
-            <a:tailEnd type="triangle"/>
-          </a:ln>
-        </p:spPr>
-        <p:style>
-          <a:lnRef idx="1">
-            <a:schemeClr val="accent1"/>
-          </a:lnRef>
-          <a:fillRef idx="0">
-            <a:schemeClr val="accent1"/>
-          </a:fillRef>
-          <a:effectRef idx="0">
-            <a:schemeClr val="accent1"/>
-          </a:effectRef>
-          <a:fontRef idx="minor">
-            <a:schemeClr val="tx1"/>
-          </a:fontRef>
-        </p:style>
-      </p:cxnSp>
-      <p:cxnSp>
-        <p:nvCxnSpPr>
-          <p:cNvPr id="109" name="Straight Arrow Connector 108"/>
-          <p:cNvCxnSpPr>
-            <a:stCxn id="37" idx="2"/>
-            <a:endCxn id="42" idx="0"/>
-          </p:cNvCxnSpPr>
-          <p:nvPr/>
-        </p:nvCxnSpPr>
-        <p:spPr>
-          <a:xfrm>
-            <a:off x="1828800" y="4711236"/>
-            <a:ext cx="0" cy="273283"/>
-          </a:xfrm>
-          <a:prstGeom prst="straightConnector1">
-            <a:avLst/>
-          </a:prstGeom>
-          <a:ln>
-            <a:tailEnd type="triangle"/>
-          </a:ln>
-        </p:spPr>
-        <p:style>
-          <a:lnRef idx="1">
-            <a:schemeClr val="accent1"/>
-          </a:lnRef>
-          <a:fillRef idx="0">
-            <a:schemeClr val="accent1"/>
-          </a:fillRef>
-          <a:effectRef idx="0">
-            <a:schemeClr val="accent1"/>
-          </a:effectRef>
-          <a:fontRef idx="minor">
-            <a:schemeClr val="tx1"/>
-          </a:fontRef>
-        </p:style>
-      </p:cxnSp>
-      <p:cxnSp>
-        <p:nvCxnSpPr>
-          <p:cNvPr id="111" name="Straight Arrow Connector 110"/>
-          <p:cNvCxnSpPr>
-            <a:stCxn id="42" idx="2"/>
-            <a:endCxn id="47" idx="0"/>
-          </p:cNvCxnSpPr>
-          <p:nvPr/>
-        </p:nvCxnSpPr>
-        <p:spPr>
-          <a:xfrm>
-            <a:off x="1828800" y="5517919"/>
-            <a:ext cx="0" cy="273281"/>
-          </a:xfrm>
-          <a:prstGeom prst="straightConnector1">
-            <a:avLst/>
-          </a:prstGeom>
-          <a:ln>
-            <a:tailEnd type="triangle"/>
-          </a:ln>
-        </p:spPr>
-        <p:style>
-          <a:lnRef idx="1">
-            <a:schemeClr val="accent1"/>
-          </a:lnRef>
-          <a:fillRef idx="0">
-            <a:schemeClr val="accent1"/>
-          </a:fillRef>
-          <a:effectRef idx="0">
-            <a:schemeClr val="accent1"/>
-          </a:effectRef>
-          <a:fontRef idx="minor">
-            <a:schemeClr val="tx1"/>
-          </a:fontRef>
-        </p:style>
-      </p:cxnSp>
-      <p:cxnSp>
-        <p:nvCxnSpPr>
-          <p:cNvPr id="113" name="Elbow Connector 112"/>
-          <p:cNvCxnSpPr>
-            <a:stCxn id="38" idx="3"/>
-            <a:endCxn id="7" idx="1"/>
-          </p:cNvCxnSpPr>
-          <p:nvPr/>
-        </p:nvCxnSpPr>
-        <p:spPr>
-          <a:xfrm flipV="1">
-            <a:off x="5486398" y="2024487"/>
-            <a:ext cx="914402" cy="2410424"/>
-          </a:xfrm>
-          <a:prstGeom prst="bentConnector3">
-            <a:avLst>
-              <a:gd name="adj1" fmla="val 50000"/>
-            </a:avLst>
-          </a:prstGeom>
-          <a:ln w="38100">
-            <a:tailEnd type="triangle"/>
-          </a:ln>
-        </p:spPr>
-        <p:style>
-          <a:lnRef idx="1">
-            <a:schemeClr val="accent1"/>
-          </a:lnRef>
-          <a:fillRef idx="0">
-            <a:schemeClr val="accent1"/>
-          </a:fillRef>
-          <a:effectRef idx="0">
-            <a:schemeClr val="accent1"/>
-          </a:effectRef>
-          <a:fontRef idx="minor">
-            <a:schemeClr val="tx1"/>
-          </a:fontRef>
-        </p:style>
-      </p:cxnSp>
-      <p:sp>
-        <p:nvSpPr>
-          <p:cNvPr id="2" name="Slide Number Placeholder 1"/>
-          <p:cNvSpPr>
-            <a:spLocks noGrp="1"/>
-          </p:cNvSpPr>
-          <p:nvPr>
-            <p:ph type="sldNum" sz="quarter" idx="12"/>
-          </p:nvPr>
-        </p:nvSpPr>
-        <p:spPr/>
-        <p:txBody>
-          <a:bodyPr/>
-          <a:lstStyle/>
-          <a:p>
-            <a:fld id="{2AF3B5EA-18B6-4040-9F78-6052AF49C681}" type="slidenum">
-              <a:rPr lang="en-US" smtClean="0"/>
-              <a:t>2</a:t>
-            </a:fld>
-            <a:endParaRPr lang="en-US"/>
-          </a:p>
-        </p:txBody>
-      </p:sp>
-      <p:grpSp>
-        <p:nvGrpSpPr>
-          <p:cNvPr id="24" name="Group 23"/>
-          <p:cNvGrpSpPr/>
-          <p:nvPr/>
-        </p:nvGrpSpPr>
-        <p:grpSpPr>
-          <a:xfrm>
-            <a:off x="3657598" y="941479"/>
-            <a:ext cx="1832811" cy="5373496"/>
-            <a:chOff x="3657598" y="941479"/>
-            <a:chExt cx="1832811" cy="5373496"/>
-          </a:xfrm>
-        </p:grpSpPr>
-        <p:sp>
-          <p:nvSpPr>
-            <p:cNvPr id="6" name="Rounded Rectangle 5"/>
-            <p:cNvSpPr/>
-            <p:nvPr/>
-          </p:nvSpPr>
-          <p:spPr>
-            <a:xfrm>
-              <a:off x="3657599" y="941479"/>
-              <a:ext cx="1828800" cy="533400"/>
-            </a:xfrm>
-            <a:prstGeom prst="roundRect">
-              <a:avLst/>
-            </a:prstGeom>
-          </p:spPr>
-          <p:style>
-            <a:lnRef idx="0">
-              <a:schemeClr val="accent1"/>
-            </a:lnRef>
-            <a:fillRef idx="3">
-              <a:schemeClr val="accent1"/>
-            </a:fillRef>
-            <a:effectRef idx="3">
-              <a:schemeClr val="accent1"/>
-            </a:effectRef>
-            <a:fontRef idx="minor">
-              <a:schemeClr val="lt1"/>
-            </a:fontRef>
-          </p:style>
-          <p:txBody>
-            <a:bodyPr rtlCol="0" anchor="ctr"/>
-            <a:lstStyle/>
-            <a:p>
-              <a:pPr algn="ctr"/>
-              <a:r>
-                <a:rPr lang="en-US" dirty="0"/>
-                <a:t>Design Strategies</a:t>
-              </a:r>
-            </a:p>
-          </p:txBody>
-        </p:sp>
-        <p:sp>
-          <p:nvSpPr>
-            <p:cNvPr id="13" name="Rounded Rectangle 12"/>
-            <p:cNvSpPr/>
-            <p:nvPr/>
-          </p:nvSpPr>
-          <p:spPr>
-            <a:xfrm>
-              <a:off x="3657599" y="1748162"/>
-              <a:ext cx="1828800" cy="533400"/>
-            </a:xfrm>
-            <a:prstGeom prst="roundRect">
-              <a:avLst/>
-            </a:prstGeom>
-          </p:spPr>
-          <p:style>
-            <a:lnRef idx="2">
-              <a:schemeClr val="accent2">
-                <a:shade val="50000"/>
-              </a:schemeClr>
-            </a:lnRef>
-            <a:fillRef idx="1">
-              <a:schemeClr val="accent2"/>
-            </a:fillRef>
-            <a:effectRef idx="0">
-              <a:schemeClr val="accent2"/>
-            </a:effectRef>
-            <a:fontRef idx="minor">
-              <a:schemeClr val="lt1"/>
-            </a:fontRef>
-          </p:style>
-          <p:txBody>
-            <a:bodyPr rtlCol="0" anchor="ctr"/>
-            <a:lstStyle/>
-            <a:p>
-              <a:pPr algn="ctr"/>
-              <a:r>
-                <a:rPr lang="en-US" dirty="0"/>
-                <a:t>Combine simpler functions</a:t>
-              </a:r>
-            </a:p>
-          </p:txBody>
-        </p:sp>
-        <p:sp>
-          <p:nvSpPr>
-            <p:cNvPr id="23" name="Rounded Rectangle 22"/>
-            <p:cNvSpPr/>
-            <p:nvPr/>
-          </p:nvSpPr>
-          <p:spPr>
-            <a:xfrm>
-              <a:off x="3660004" y="2554845"/>
-              <a:ext cx="1828800" cy="533400"/>
-            </a:xfrm>
-            <a:prstGeom prst="roundRect">
-              <a:avLst/>
-            </a:prstGeom>
-          </p:spPr>
-          <p:style>
-            <a:lnRef idx="2">
-              <a:schemeClr val="accent2">
-                <a:shade val="50000"/>
-              </a:schemeClr>
-            </a:lnRef>
-            <a:fillRef idx="1">
-              <a:schemeClr val="accent2"/>
-            </a:fillRef>
-            <a:effectRef idx="0">
-              <a:schemeClr val="accent2"/>
-            </a:effectRef>
-            <a:fontRef idx="minor">
-              <a:schemeClr val="lt1"/>
-            </a:fontRef>
-          </p:style>
-          <p:txBody>
-            <a:bodyPr rtlCol="0" anchor="ctr"/>
-            <a:lstStyle/>
-            <a:p>
-              <a:pPr algn="ctr"/>
-              <a:r>
-                <a:rPr lang="en-US" dirty="0"/>
-                <a:t>Use a template</a:t>
-              </a:r>
-            </a:p>
-          </p:txBody>
-        </p:sp>
-        <p:sp>
-          <p:nvSpPr>
-            <p:cNvPr id="28" name="Rounded Rectangle 27"/>
-            <p:cNvSpPr/>
-            <p:nvPr/>
-          </p:nvSpPr>
-          <p:spPr>
-            <a:xfrm>
-              <a:off x="3661609" y="3361528"/>
-              <a:ext cx="1828800" cy="533400"/>
-            </a:xfrm>
-            <a:prstGeom prst="roundRect">
-              <a:avLst/>
-            </a:prstGeom>
-          </p:spPr>
-          <p:style>
-            <a:lnRef idx="2">
-              <a:schemeClr val="accent2">
-                <a:shade val="50000"/>
-              </a:schemeClr>
-            </a:lnRef>
-            <a:fillRef idx="1">
-              <a:schemeClr val="accent2"/>
-            </a:fillRef>
-            <a:effectRef idx="0">
-              <a:schemeClr val="accent2"/>
-            </a:effectRef>
-            <a:fontRef idx="minor">
-              <a:schemeClr val="lt1"/>
-            </a:fontRef>
-          </p:style>
-          <p:txBody>
-            <a:bodyPr rtlCol="0" anchor="ctr"/>
-            <a:lstStyle/>
-            <a:p>
-              <a:pPr algn="ctr"/>
-              <a:r>
-                <a:rPr lang="en-US" dirty="0"/>
-                <a:t>Divide into Cases</a:t>
-              </a:r>
-            </a:p>
-          </p:txBody>
-        </p:sp>
-        <p:sp>
-          <p:nvSpPr>
-            <p:cNvPr id="38" name="Rounded Rectangle 37"/>
-            <p:cNvSpPr/>
-            <p:nvPr/>
-          </p:nvSpPr>
-          <p:spPr>
-            <a:xfrm>
-              <a:off x="3657598" y="4168211"/>
-              <a:ext cx="1828800" cy="533400"/>
-            </a:xfrm>
-            <a:prstGeom prst="roundRect">
-              <a:avLst/>
-            </a:prstGeom>
-          </p:spPr>
-          <p:style>
-            <a:lnRef idx="2">
-              <a:schemeClr val="accent2">
-                <a:shade val="50000"/>
-              </a:schemeClr>
-            </a:lnRef>
-            <a:fillRef idx="1">
-              <a:schemeClr val="accent2"/>
-            </a:fillRef>
-            <a:effectRef idx="0">
-              <a:schemeClr val="accent2"/>
-            </a:effectRef>
-            <a:fontRef idx="minor">
-              <a:schemeClr val="lt1"/>
-            </a:fontRef>
-          </p:style>
-          <p:txBody>
-            <a:bodyPr rtlCol="0" anchor="ctr"/>
-            <a:lstStyle/>
-            <a:p>
-              <a:pPr algn="ctr"/>
-              <a:r>
-                <a:rPr lang="en-US" dirty="0"/>
-                <a:t>Call a more general function</a:t>
-              </a:r>
-            </a:p>
-          </p:txBody>
-        </p:sp>
-        <p:sp>
-          <p:nvSpPr>
-            <p:cNvPr id="48" name="Rounded Rectangle 47"/>
-            <p:cNvSpPr/>
-            <p:nvPr/>
-          </p:nvSpPr>
-          <p:spPr>
-            <a:xfrm>
-              <a:off x="3657599" y="5781575"/>
-              <a:ext cx="1828800" cy="533400"/>
-            </a:xfrm>
-            <a:prstGeom prst="roundRect">
-              <a:avLst/>
-            </a:prstGeom>
-          </p:spPr>
-          <p:style>
-            <a:lnRef idx="2">
-              <a:schemeClr val="accent2">
-                <a:shade val="50000"/>
-              </a:schemeClr>
-            </a:lnRef>
-            <a:fillRef idx="1">
-              <a:schemeClr val="accent2"/>
-            </a:fillRef>
-            <a:effectRef idx="0">
-              <a:schemeClr val="accent2"/>
-            </a:effectRef>
-            <a:fontRef idx="minor">
-              <a:schemeClr val="lt1"/>
-            </a:fontRef>
-          </p:style>
-          <p:txBody>
-            <a:bodyPr rtlCol="0" anchor="ctr"/>
-            <a:lstStyle/>
-            <a:p>
-              <a:pPr algn="ctr"/>
-              <a:r>
-                <a:rPr lang="en-US" dirty="0"/>
-                <a:t>Communicate via State</a:t>
-              </a:r>
-            </a:p>
-          </p:txBody>
-        </p:sp>
-        <p:cxnSp>
-          <p:nvCxnSpPr>
-            <p:cNvPr id="70" name="Straight Arrow Connector 69"/>
-            <p:cNvCxnSpPr>
-              <a:stCxn id="13" idx="2"/>
-              <a:endCxn id="23" idx="0"/>
-            </p:cNvCxnSpPr>
-            <p:nvPr/>
-          </p:nvCxnSpPr>
-          <p:spPr>
-            <a:xfrm>
-              <a:off x="4571999" y="2281562"/>
-              <a:ext cx="2405" cy="273283"/>
-            </a:xfrm>
-            <a:prstGeom prst="straightConnector1">
-              <a:avLst/>
-            </a:prstGeom>
-            <a:ln>
-              <a:tailEnd type="triangle"/>
-            </a:ln>
-          </p:spPr>
-          <p:style>
-            <a:lnRef idx="1">
-              <a:schemeClr val="accent1"/>
-            </a:lnRef>
-            <a:fillRef idx="0">
-              <a:schemeClr val="accent1"/>
-            </a:fillRef>
-            <a:effectRef idx="0">
-              <a:schemeClr val="accent1"/>
-            </a:effectRef>
-            <a:fontRef idx="minor">
-              <a:schemeClr val="tx1"/>
-            </a:fontRef>
-          </p:style>
-        </p:cxnSp>
-        <p:cxnSp>
-          <p:nvCxnSpPr>
-            <p:cNvPr id="72" name="Straight Arrow Connector 71"/>
-            <p:cNvCxnSpPr>
-              <a:stCxn id="23" idx="2"/>
-              <a:endCxn id="28" idx="0"/>
-            </p:cNvCxnSpPr>
-            <p:nvPr/>
-          </p:nvCxnSpPr>
-          <p:spPr>
-            <a:xfrm>
-              <a:off x="4574404" y="3088245"/>
-              <a:ext cx="1605" cy="273283"/>
-            </a:xfrm>
-            <a:prstGeom prst="straightConnector1">
-              <a:avLst/>
-            </a:prstGeom>
-            <a:ln>
-              <a:tailEnd type="triangle"/>
-            </a:ln>
-          </p:spPr>
-          <p:style>
-            <a:lnRef idx="1">
-              <a:schemeClr val="accent1"/>
-            </a:lnRef>
-            <a:fillRef idx="0">
-              <a:schemeClr val="accent1"/>
-            </a:fillRef>
-            <a:effectRef idx="0">
-              <a:schemeClr val="accent1"/>
-            </a:effectRef>
-            <a:fontRef idx="minor">
-              <a:schemeClr val="tx1"/>
-            </a:fontRef>
-          </p:style>
-        </p:cxnSp>
-        <p:cxnSp>
-          <p:nvCxnSpPr>
-            <p:cNvPr id="74" name="Straight Arrow Connector 73"/>
-            <p:cNvCxnSpPr>
-              <a:stCxn id="28" idx="2"/>
-              <a:endCxn id="38" idx="0"/>
-            </p:cNvCxnSpPr>
-            <p:nvPr/>
-          </p:nvCxnSpPr>
-          <p:spPr>
-            <a:xfrm flipH="1">
-              <a:off x="4571998" y="3894928"/>
-              <a:ext cx="4011" cy="273283"/>
-            </a:xfrm>
-            <a:prstGeom prst="straightConnector1">
-              <a:avLst/>
-            </a:prstGeom>
-            <a:ln>
-              <a:tailEnd type="triangle"/>
-            </a:ln>
-          </p:spPr>
-          <p:style>
-            <a:lnRef idx="1">
-              <a:schemeClr val="accent1"/>
-            </a:lnRef>
-            <a:fillRef idx="0">
-              <a:schemeClr val="accent1"/>
-            </a:fillRef>
-            <a:effectRef idx="0">
-              <a:schemeClr val="accent1"/>
-            </a:effectRef>
-            <a:fontRef idx="minor">
-              <a:schemeClr val="tx1"/>
-            </a:fontRef>
-          </p:style>
-        </p:cxnSp>
-        <p:cxnSp>
-          <p:nvCxnSpPr>
-            <p:cNvPr id="77" name="Straight Arrow Connector 76"/>
-            <p:cNvCxnSpPr>
-              <a:stCxn id="38" idx="2"/>
-              <a:endCxn id="43" idx="0"/>
-            </p:cNvCxnSpPr>
-            <p:nvPr/>
-          </p:nvCxnSpPr>
-          <p:spPr>
-            <a:xfrm>
-              <a:off x="4571998" y="4701611"/>
-              <a:ext cx="0" cy="273283"/>
-            </a:xfrm>
-            <a:prstGeom prst="straightConnector1">
-              <a:avLst/>
-            </a:prstGeom>
-            <a:ln>
-              <a:tailEnd type="triangle"/>
-            </a:ln>
-          </p:spPr>
-          <p:style>
-            <a:lnRef idx="1">
-              <a:schemeClr val="accent1"/>
-            </a:lnRef>
-            <a:fillRef idx="0">
-              <a:schemeClr val="accent1"/>
-            </a:fillRef>
-            <a:effectRef idx="0">
-              <a:schemeClr val="accent1"/>
-            </a:effectRef>
-            <a:fontRef idx="minor">
-              <a:schemeClr val="tx1"/>
-            </a:fontRef>
-          </p:style>
-        </p:cxnSp>
-        <p:sp>
-          <p:nvSpPr>
-            <p:cNvPr id="43" name="Rounded Rectangle 42"/>
-            <p:cNvSpPr/>
-            <p:nvPr/>
-          </p:nvSpPr>
-          <p:spPr>
-            <a:xfrm>
-              <a:off x="3657598" y="4974894"/>
-              <a:ext cx="1828800" cy="533400"/>
-            </a:xfrm>
-            <a:prstGeom prst="roundRect">
-              <a:avLst/>
-            </a:prstGeom>
-          </p:spPr>
-          <p:style>
-            <a:lnRef idx="2">
-              <a:schemeClr val="accent2">
-                <a:shade val="50000"/>
-              </a:schemeClr>
-            </a:lnRef>
-            <a:fillRef idx="1">
-              <a:schemeClr val="accent2"/>
-            </a:fillRef>
-            <a:effectRef idx="0">
-              <a:schemeClr val="accent2"/>
-            </a:effectRef>
-            <a:fontRef idx="minor">
-              <a:schemeClr val="lt1"/>
-            </a:fontRef>
-          </p:style>
-          <p:txBody>
-            <a:bodyPr rtlCol="0" anchor="ctr"/>
-            <a:lstStyle/>
-            <a:p>
-              <a:pPr algn="ctr"/>
-              <a:r>
-                <a:rPr lang="en-US" dirty="0"/>
-                <a:t>Recur on </a:t>
-              </a:r>
-              <a:r>
-                <a:rPr lang="en-US" dirty="0" err="1"/>
-                <a:t>subproblem</a:t>
-              </a:r>
-              <a:endParaRPr lang="en-US" dirty="0"/>
-            </a:p>
-          </p:txBody>
-        </p:sp>
-      </p:grpSp>
-      <p:cxnSp>
-        <p:nvCxnSpPr>
-          <p:cNvPr id="51" name="Straight Arrow Connector 50"/>
-          <p:cNvCxnSpPr>
-            <a:stCxn id="43" idx="2"/>
-            <a:endCxn id="48" idx="0"/>
-          </p:cNvCxnSpPr>
-          <p:nvPr/>
-        </p:nvCxnSpPr>
-        <p:spPr>
-          <a:xfrm>
-            <a:off x="4571998" y="5508294"/>
-            <a:ext cx="1" cy="273281"/>
-          </a:xfrm>
-          <a:prstGeom prst="straightConnector1">
-            <a:avLst/>
-          </a:prstGeom>
-          <a:ln>
-            <a:tailEnd type="triangle"/>
-          </a:ln>
-        </p:spPr>
-        <p:style>
-          <a:lnRef idx="1">
-            <a:schemeClr val="accent1"/>
-          </a:lnRef>
-          <a:fillRef idx="0">
-            <a:schemeClr val="accent1"/>
-          </a:fillRef>
-          <a:effectRef idx="0">
-            <a:schemeClr val="accent1"/>
-          </a:effectRef>
-          <a:fontRef idx="minor">
-            <a:schemeClr val="tx1"/>
-          </a:fontRef>
-        </p:style>
-      </p:cxnSp>
-    </p:spTree>
-    <p:extLst>
-      <p:ext uri="{BB962C8B-B14F-4D97-AF65-F5344CB8AC3E}">
-        <p14:creationId xmlns:p14="http://schemas.microsoft.com/office/powerpoint/2010/main" val="850044956"/>
-      </p:ext>
-    </p:extLst>
-  </p:cSld>
-  <p:clrMapOvr>
-    <a:masterClrMapping/>
-  </p:clrMapOvr>
-</p:sld>
-</file>
-
-<file path=ppt/slides/slide20.xml><?xml version="1.0" encoding="utf-8"?>
-<p:sld xmlns:a="http://schemas.openxmlformats.org/drawingml/2006/main" xmlns:r="http://schemas.openxmlformats.org/officeDocument/2006/relationships" xmlns:p="http://schemas.openxmlformats.org/presentationml/2006/main">
-  <p:cSld>
-    <p:spTree>
-      <p:nvGrpSpPr>
-        <p:cNvPr id="1" name=""/>
-        <p:cNvGrpSpPr/>
-        <p:nvPr/>
-      </p:nvGrpSpPr>
-      <p:grpSpPr>
-        <a:xfrm>
-          <a:off x="0" y="0"/>
-          <a:ext cx="0" cy="0"/>
-          <a:chOff x="0" y="0"/>
-          <a:chExt cx="0" cy="0"/>
-        </a:xfrm>
-      </p:grpSpPr>
-      <p:sp>
-        <p:nvSpPr>
-          <p:cNvPr id="5" name="Title 4"/>
-          <p:cNvSpPr>
-            <a:spLocks noGrp="1"/>
-          </p:cNvSpPr>
-          <p:nvPr>
-            <p:ph type="title"/>
-          </p:nvPr>
-        </p:nvSpPr>
-        <p:spPr/>
-        <p:txBody>
-          <a:bodyPr>
-            <a:normAutofit fontScale="90000"/>
-          </a:bodyPr>
-          <a:lstStyle/>
-          <a:p>
-            <a:r>
-              <a:rPr lang="en-US" dirty="0"/>
-              <a:t>The Structure of the Program Follows the Structure of the Data</a:t>
-            </a:r>
-          </a:p>
-        </p:txBody>
-      </p:sp>
-      <p:sp>
-        <p:nvSpPr>
-          <p:cNvPr id="4" name="Slide Number Placeholder 3"/>
-          <p:cNvSpPr>
-            <a:spLocks noGrp="1"/>
-          </p:cNvSpPr>
-          <p:nvPr>
-            <p:ph type="sldNum" sz="quarter" idx="12"/>
-          </p:nvPr>
-        </p:nvSpPr>
-        <p:spPr/>
-        <p:txBody>
-          <a:bodyPr/>
-          <a:lstStyle/>
-          <a:p>
-            <a:fld id="{2AF3B5EA-18B6-4040-9F78-6052AF49C681}" type="slidenum">
-              <a:rPr lang="en-US" smtClean="0"/>
-              <a:t>20</a:t>
-            </a:fld>
-            <a:endParaRPr lang="en-US"/>
-          </a:p>
-        </p:txBody>
-      </p:sp>
-      <p:sp>
-        <p:nvSpPr>
-          <p:cNvPr id="6" name="Rectangle 5"/>
-          <p:cNvSpPr/>
-          <p:nvPr/>
-        </p:nvSpPr>
-        <p:spPr>
-          <a:xfrm>
-            <a:off x="1028700" y="1729952"/>
-            <a:ext cx="1600200" cy="533400"/>
-          </a:xfrm>
-          <a:prstGeom prst="rect">
-            <a:avLst/>
-          </a:prstGeom>
-          <a:noFill/>
-          <a:ln w="12700">
-            <a:solidFill>
-              <a:schemeClr val="tx1"/>
-            </a:solidFill>
-          </a:ln>
-        </p:spPr>
-        <p:style>
-          <a:lnRef idx="2">
-            <a:schemeClr val="accent1"/>
-          </a:lnRef>
-          <a:fillRef idx="1">
-            <a:schemeClr val="lt1"/>
-          </a:fillRef>
-          <a:effectRef idx="0">
-            <a:schemeClr val="accent1"/>
-          </a:effectRef>
-          <a:fontRef idx="minor">
-            <a:schemeClr val="dk1"/>
-          </a:fontRef>
-        </p:style>
-        <p:txBody>
-          <a:bodyPr rot="0" spcFirstLastPara="0" vertOverflow="overflow" horzOverflow="overflow" vert="horz" wrap="square" lIns="91440" tIns="45720" rIns="91440" bIns="45720" numCol="1" spcCol="0" rtlCol="0" fromWordArt="0" anchor="ctr" anchorCtr="0" forceAA="0" compatLnSpc="1">
-            <a:prstTxWarp prst="textNoShape">
-              <a:avLst/>
-            </a:prstTxWarp>
-            <a:noAutofit/>
-          </a:bodyPr>
-          <a:lstStyle/>
-          <a:p>
-            <a:pPr algn="ctr"/>
-            <a:r>
-              <a:rPr lang="en-US" dirty="0">
-                <a:solidFill>
-                  <a:schemeClr val="tx1"/>
-                </a:solidFill>
-              </a:rPr>
-              <a:t>World</a:t>
-            </a:r>
-          </a:p>
-        </p:txBody>
-      </p:sp>
-      <p:sp>
-        <p:nvSpPr>
-          <p:cNvPr id="7" name="Rectangle 6"/>
-          <p:cNvSpPr/>
-          <p:nvPr/>
-        </p:nvSpPr>
-        <p:spPr>
-          <a:xfrm>
-            <a:off x="114300" y="2530488"/>
-            <a:ext cx="1600200" cy="533400"/>
-          </a:xfrm>
-          <a:prstGeom prst="rect">
-            <a:avLst/>
-          </a:prstGeom>
-          <a:noFill/>
-          <a:ln w="12700">
-            <a:solidFill>
-              <a:schemeClr val="tx1"/>
-            </a:solidFill>
-          </a:ln>
-        </p:spPr>
-        <p:style>
-          <a:lnRef idx="2">
-            <a:schemeClr val="accent1"/>
-          </a:lnRef>
-          <a:fillRef idx="1">
-            <a:schemeClr val="lt1"/>
-          </a:fillRef>
-          <a:effectRef idx="0">
-            <a:schemeClr val="accent1"/>
-          </a:effectRef>
-          <a:fontRef idx="minor">
-            <a:schemeClr val="dk1"/>
-          </a:fontRef>
-        </p:style>
-        <p:txBody>
-          <a:bodyPr rot="0" spcFirstLastPara="0" vertOverflow="overflow" horzOverflow="overflow" vert="horz" wrap="square" lIns="91440" tIns="45720" rIns="91440" bIns="45720" numCol="1" spcCol="0" rtlCol="0" fromWordArt="0" anchor="ctr" anchorCtr="0" forceAA="0" compatLnSpc="1">
-            <a:prstTxWarp prst="textNoShape">
-              <a:avLst/>
-            </a:prstTxWarp>
-            <a:noAutofit/>
-          </a:bodyPr>
-          <a:lstStyle/>
-          <a:p>
-            <a:pPr algn="ctr"/>
-            <a:r>
-              <a:rPr lang="en-US" dirty="0">
-                <a:solidFill>
-                  <a:schemeClr val="tx1"/>
-                </a:solidFill>
-              </a:rPr>
-              <a:t>Rectangle</a:t>
-            </a:r>
-          </a:p>
-        </p:txBody>
-      </p:sp>
-      <p:sp>
-        <p:nvSpPr>
-          <p:cNvPr id="8" name="Rectangle 7"/>
-          <p:cNvSpPr/>
-          <p:nvPr/>
-        </p:nvSpPr>
-        <p:spPr>
-          <a:xfrm>
-            <a:off x="2057400" y="2530488"/>
-            <a:ext cx="1600200" cy="533400"/>
-          </a:xfrm>
-          <a:prstGeom prst="rect">
-            <a:avLst/>
-          </a:prstGeom>
-          <a:noFill/>
-          <a:ln w="12700">
-            <a:solidFill>
-              <a:schemeClr val="tx1"/>
-            </a:solidFill>
-          </a:ln>
-        </p:spPr>
-        <p:style>
-          <a:lnRef idx="2">
-            <a:schemeClr val="accent1"/>
-          </a:lnRef>
-          <a:fillRef idx="1">
-            <a:schemeClr val="lt1"/>
-          </a:fillRef>
-          <a:effectRef idx="0">
-            <a:schemeClr val="accent1"/>
-          </a:effectRef>
-          <a:fontRef idx="minor">
-            <a:schemeClr val="dk1"/>
-          </a:fontRef>
-        </p:style>
-        <p:txBody>
-          <a:bodyPr rot="0" spcFirstLastPara="0" vertOverflow="overflow" horzOverflow="overflow" vert="horz" wrap="square" lIns="91440" tIns="45720" rIns="91440" bIns="45720" numCol="1" spcCol="0" rtlCol="0" fromWordArt="0" anchor="ctr" anchorCtr="0" forceAA="0" compatLnSpc="1">
-            <a:prstTxWarp prst="textNoShape">
-              <a:avLst/>
-            </a:prstTxWarp>
-            <a:noAutofit/>
-          </a:bodyPr>
-          <a:lstStyle/>
-          <a:p>
-            <a:pPr algn="ctr"/>
-            <a:r>
-              <a:rPr lang="en-US" dirty="0" err="1">
-                <a:solidFill>
-                  <a:schemeClr val="tx1"/>
-                </a:solidFill>
-              </a:rPr>
-              <a:t>Throbber</a:t>
-            </a:r>
-            <a:endParaRPr lang="en-US" dirty="0">
-              <a:solidFill>
-                <a:schemeClr val="tx1"/>
-              </a:solidFill>
-            </a:endParaRPr>
-          </a:p>
-        </p:txBody>
-      </p:sp>
-      <p:sp>
-        <p:nvSpPr>
-          <p:cNvPr id="9" name="Rectangle 8"/>
-          <p:cNvSpPr/>
-          <p:nvPr/>
-        </p:nvSpPr>
-        <p:spPr>
-          <a:xfrm>
-            <a:off x="114300" y="3620691"/>
-            <a:ext cx="914400" cy="532606"/>
-          </a:xfrm>
-          <a:prstGeom prst="rect">
-            <a:avLst/>
-          </a:prstGeom>
-          <a:noFill/>
-          <a:ln w="12700">
-            <a:solidFill>
-              <a:schemeClr val="tx1"/>
-            </a:solidFill>
-          </a:ln>
-        </p:spPr>
-        <p:style>
-          <a:lnRef idx="2">
-            <a:schemeClr val="accent1"/>
-          </a:lnRef>
-          <a:fillRef idx="1">
-            <a:schemeClr val="lt1"/>
-          </a:fillRef>
-          <a:effectRef idx="0">
-            <a:schemeClr val="accent1"/>
-          </a:effectRef>
-          <a:fontRef idx="minor">
-            <a:schemeClr val="dk1"/>
-          </a:fontRef>
-        </p:style>
-        <p:txBody>
-          <a:bodyPr rot="0" spcFirstLastPara="0" vertOverflow="overflow" horzOverflow="overflow" vert="horz" wrap="square" lIns="91440" tIns="45720" rIns="91440" bIns="45720" numCol="1" spcCol="0" rtlCol="0" fromWordArt="0" anchor="ctr" anchorCtr="0" forceAA="0" compatLnSpc="1">
-            <a:prstTxWarp prst="textNoShape">
-              <a:avLst/>
-            </a:prstTxWarp>
-            <a:noAutofit/>
-          </a:bodyPr>
-          <a:lstStyle/>
-          <a:p>
-            <a:pPr algn="ctr"/>
-            <a:r>
-              <a:rPr lang="en-US" dirty="0">
-                <a:solidFill>
-                  <a:schemeClr val="tx1"/>
-                </a:solidFill>
-              </a:rPr>
-              <a:t>x-</a:t>
-            </a:r>
-            <a:r>
-              <a:rPr lang="en-US" dirty="0" err="1">
-                <a:solidFill>
-                  <a:schemeClr val="tx1"/>
-                </a:solidFill>
-              </a:rPr>
-              <a:t>pos</a:t>
-            </a:r>
-            <a:endParaRPr lang="en-US" dirty="0">
-              <a:solidFill>
-                <a:schemeClr val="tx1"/>
-              </a:solidFill>
-            </a:endParaRPr>
-          </a:p>
-        </p:txBody>
-      </p:sp>
-      <p:sp>
-        <p:nvSpPr>
-          <p:cNvPr id="10" name="Rectangle 9"/>
-          <p:cNvSpPr/>
-          <p:nvPr/>
-        </p:nvSpPr>
-        <p:spPr>
-          <a:xfrm>
-            <a:off x="1210827" y="3620691"/>
-            <a:ext cx="914400" cy="532606"/>
-          </a:xfrm>
-          <a:prstGeom prst="rect">
-            <a:avLst/>
-          </a:prstGeom>
-          <a:noFill/>
-          <a:ln w="12700">
-            <a:solidFill>
-              <a:schemeClr val="tx1"/>
-            </a:solidFill>
-          </a:ln>
-        </p:spPr>
-        <p:style>
-          <a:lnRef idx="2">
-            <a:schemeClr val="accent1"/>
-          </a:lnRef>
-          <a:fillRef idx="1">
-            <a:schemeClr val="lt1"/>
-          </a:fillRef>
-          <a:effectRef idx="0">
-            <a:schemeClr val="accent1"/>
-          </a:effectRef>
-          <a:fontRef idx="minor">
-            <a:schemeClr val="dk1"/>
-          </a:fontRef>
-        </p:style>
-        <p:txBody>
-          <a:bodyPr rot="0" spcFirstLastPara="0" vertOverflow="overflow" horzOverflow="overflow" vert="horz" wrap="square" lIns="91440" tIns="45720" rIns="91440" bIns="45720" numCol="1" spcCol="0" rtlCol="0" fromWordArt="0" anchor="ctr" anchorCtr="0" forceAA="0" compatLnSpc="1">
-            <a:prstTxWarp prst="textNoShape">
-              <a:avLst/>
-            </a:prstTxWarp>
-            <a:noAutofit/>
-          </a:bodyPr>
-          <a:lstStyle/>
-          <a:p>
-            <a:pPr algn="ctr"/>
-            <a:r>
-              <a:rPr lang="en-US" dirty="0">
-                <a:solidFill>
-                  <a:schemeClr val="tx1"/>
-                </a:solidFill>
-              </a:rPr>
-              <a:t>y-</a:t>
-            </a:r>
-            <a:r>
-              <a:rPr lang="en-US" dirty="0" err="1">
-                <a:solidFill>
-                  <a:schemeClr val="tx1"/>
-                </a:solidFill>
-              </a:rPr>
-              <a:t>pos</a:t>
-            </a:r>
-            <a:endParaRPr lang="en-US" dirty="0">
-              <a:solidFill>
-                <a:schemeClr val="tx1"/>
-              </a:solidFill>
-            </a:endParaRPr>
-          </a:p>
-        </p:txBody>
-      </p:sp>
-      <p:sp>
-        <p:nvSpPr>
-          <p:cNvPr id="11" name="Rectangle 10"/>
-          <p:cNvSpPr/>
-          <p:nvPr/>
-        </p:nvSpPr>
-        <p:spPr>
-          <a:xfrm>
-            <a:off x="123092" y="4470420"/>
-            <a:ext cx="914400" cy="532606"/>
-          </a:xfrm>
-          <a:prstGeom prst="rect">
-            <a:avLst/>
-          </a:prstGeom>
-          <a:noFill/>
-          <a:ln w="12700">
-            <a:solidFill>
-              <a:schemeClr val="tx1"/>
-            </a:solidFill>
-          </a:ln>
-        </p:spPr>
-        <p:style>
-          <a:lnRef idx="2">
-            <a:schemeClr val="accent1"/>
-          </a:lnRef>
-          <a:fillRef idx="1">
-            <a:schemeClr val="lt1"/>
-          </a:fillRef>
-          <a:effectRef idx="0">
-            <a:schemeClr val="accent1"/>
-          </a:effectRef>
-          <a:fontRef idx="minor">
-            <a:schemeClr val="dk1"/>
-          </a:fontRef>
-        </p:style>
-        <p:txBody>
-          <a:bodyPr rot="0" spcFirstLastPara="0" vertOverflow="overflow" horzOverflow="overflow" vert="horz" wrap="square" lIns="91440" tIns="45720" rIns="91440" bIns="45720" numCol="1" spcCol="0" rtlCol="0" fromWordArt="0" anchor="ctr" anchorCtr="0" forceAA="0" compatLnSpc="1">
-            <a:prstTxWarp prst="textNoShape">
-              <a:avLst/>
-            </a:prstTxWarp>
-            <a:noAutofit/>
-          </a:bodyPr>
-          <a:lstStyle/>
-          <a:p>
-            <a:pPr algn="ctr"/>
-            <a:r>
-              <a:rPr lang="en-US" dirty="0">
-                <a:solidFill>
-                  <a:schemeClr val="tx1"/>
-                </a:solidFill>
-              </a:rPr>
-              <a:t>x-</a:t>
-            </a:r>
-            <a:r>
-              <a:rPr lang="en-US" dirty="0" err="1">
-                <a:solidFill>
-                  <a:schemeClr val="tx1"/>
-                </a:solidFill>
-              </a:rPr>
-              <a:t>vel</a:t>
-            </a:r>
-            <a:endParaRPr lang="en-US" dirty="0">
-              <a:solidFill>
-                <a:schemeClr val="tx1"/>
-              </a:solidFill>
-            </a:endParaRPr>
-          </a:p>
-        </p:txBody>
-      </p:sp>
-      <p:sp>
-        <p:nvSpPr>
-          <p:cNvPr id="13" name="Rectangle 12"/>
-          <p:cNvSpPr/>
-          <p:nvPr/>
-        </p:nvSpPr>
-        <p:spPr>
-          <a:xfrm>
-            <a:off x="1203291" y="4443797"/>
-            <a:ext cx="914400" cy="532606"/>
-          </a:xfrm>
-          <a:prstGeom prst="rect">
-            <a:avLst/>
-          </a:prstGeom>
-          <a:noFill/>
-          <a:ln w="12700">
-            <a:solidFill>
-              <a:schemeClr val="tx1"/>
-            </a:solidFill>
-          </a:ln>
-        </p:spPr>
-        <p:style>
-          <a:lnRef idx="2">
-            <a:schemeClr val="accent1"/>
-          </a:lnRef>
-          <a:fillRef idx="1">
-            <a:schemeClr val="lt1"/>
-          </a:fillRef>
-          <a:effectRef idx="0">
-            <a:schemeClr val="accent1"/>
-          </a:effectRef>
-          <a:fontRef idx="minor">
-            <a:schemeClr val="dk1"/>
-          </a:fontRef>
-        </p:style>
-        <p:txBody>
-          <a:bodyPr rot="0" spcFirstLastPara="0" vertOverflow="overflow" horzOverflow="overflow" vert="horz" wrap="square" lIns="91440" tIns="45720" rIns="91440" bIns="45720" numCol="1" spcCol="0" rtlCol="0" fromWordArt="0" anchor="ctr" anchorCtr="0" forceAA="0" compatLnSpc="1">
-            <a:prstTxWarp prst="textNoShape">
-              <a:avLst/>
-            </a:prstTxWarp>
-            <a:noAutofit/>
-          </a:bodyPr>
-          <a:lstStyle/>
-          <a:p>
-            <a:pPr algn="ctr"/>
-            <a:r>
-              <a:rPr lang="en-US" dirty="0">
-                <a:solidFill>
-                  <a:schemeClr val="tx1"/>
-                </a:solidFill>
-              </a:rPr>
-              <a:t>y-</a:t>
-            </a:r>
-            <a:r>
-              <a:rPr lang="en-US" dirty="0" err="1">
-                <a:solidFill>
-                  <a:schemeClr val="tx1"/>
-                </a:solidFill>
-              </a:rPr>
-              <a:t>vel</a:t>
-            </a:r>
-            <a:endParaRPr lang="en-US" dirty="0">
-              <a:solidFill>
-                <a:schemeClr val="tx1"/>
-              </a:solidFill>
-            </a:endParaRPr>
-          </a:p>
-        </p:txBody>
-      </p:sp>
-      <p:cxnSp>
-        <p:nvCxnSpPr>
-          <p:cNvPr id="15" name="Straight Arrow Connector 14"/>
-          <p:cNvCxnSpPr>
-            <a:stCxn id="7" idx="0"/>
-            <a:endCxn id="6" idx="2"/>
-          </p:cNvCxnSpPr>
-          <p:nvPr/>
-        </p:nvCxnSpPr>
-        <p:spPr>
-          <a:xfrm flipV="1">
-            <a:off x="914400" y="2263352"/>
-            <a:ext cx="914400" cy="267136"/>
-          </a:xfrm>
-          <a:prstGeom prst="straightConnector1">
-            <a:avLst/>
-          </a:prstGeom>
-          <a:ln>
-            <a:tailEnd type="triangle"/>
-          </a:ln>
-        </p:spPr>
-        <p:style>
-          <a:lnRef idx="1">
-            <a:schemeClr val="accent1"/>
-          </a:lnRef>
-          <a:fillRef idx="0">
-            <a:schemeClr val="accent1"/>
-          </a:fillRef>
-          <a:effectRef idx="0">
-            <a:schemeClr val="accent1"/>
-          </a:effectRef>
-          <a:fontRef idx="minor">
-            <a:schemeClr val="tx1"/>
-          </a:fontRef>
-        </p:style>
-      </p:cxnSp>
-      <p:cxnSp>
-        <p:nvCxnSpPr>
-          <p:cNvPr id="17" name="Straight Arrow Connector 16"/>
-          <p:cNvCxnSpPr>
-            <a:stCxn id="8" idx="0"/>
-            <a:endCxn id="6" idx="2"/>
-          </p:cNvCxnSpPr>
-          <p:nvPr/>
-        </p:nvCxnSpPr>
-        <p:spPr>
-          <a:xfrm flipH="1" flipV="1">
-            <a:off x="1828800" y="2263352"/>
-            <a:ext cx="1028700" cy="267136"/>
-          </a:xfrm>
-          <a:prstGeom prst="straightConnector1">
-            <a:avLst/>
-          </a:prstGeom>
-          <a:ln>
-            <a:tailEnd type="triangle"/>
-          </a:ln>
-        </p:spPr>
-        <p:style>
-          <a:lnRef idx="1">
-            <a:schemeClr val="accent1"/>
-          </a:lnRef>
-          <a:fillRef idx="0">
-            <a:schemeClr val="accent1"/>
-          </a:fillRef>
-          <a:effectRef idx="0">
-            <a:schemeClr val="accent1"/>
-          </a:effectRef>
-          <a:fontRef idx="minor">
-            <a:schemeClr val="tx1"/>
-          </a:fontRef>
-        </p:style>
-      </p:cxnSp>
-      <p:cxnSp>
-        <p:nvCxnSpPr>
-          <p:cNvPr id="19" name="Straight Arrow Connector 18"/>
-          <p:cNvCxnSpPr>
-            <a:stCxn id="9" idx="0"/>
-            <a:endCxn id="7" idx="2"/>
-          </p:cNvCxnSpPr>
-          <p:nvPr/>
-        </p:nvCxnSpPr>
-        <p:spPr>
-          <a:xfrm flipV="1">
-            <a:off x="571500" y="3063888"/>
-            <a:ext cx="342900" cy="556803"/>
-          </a:xfrm>
-          <a:prstGeom prst="straightConnector1">
-            <a:avLst/>
-          </a:prstGeom>
-          <a:ln>
-            <a:tailEnd type="triangle"/>
-          </a:ln>
-        </p:spPr>
-        <p:style>
-          <a:lnRef idx="1">
-            <a:schemeClr val="accent1"/>
-          </a:lnRef>
-          <a:fillRef idx="0">
-            <a:schemeClr val="accent1"/>
-          </a:fillRef>
-          <a:effectRef idx="0">
-            <a:schemeClr val="accent1"/>
-          </a:effectRef>
-          <a:fontRef idx="minor">
-            <a:schemeClr val="tx1"/>
-          </a:fontRef>
-        </p:style>
-      </p:cxnSp>
-      <p:cxnSp>
-        <p:nvCxnSpPr>
-          <p:cNvPr id="21" name="Straight Arrow Connector 20"/>
-          <p:cNvCxnSpPr>
-            <a:stCxn id="10" idx="0"/>
-            <a:endCxn id="7" idx="2"/>
-          </p:cNvCxnSpPr>
-          <p:nvPr/>
-        </p:nvCxnSpPr>
-        <p:spPr>
-          <a:xfrm flipH="1" flipV="1">
-            <a:off x="914400" y="3063888"/>
-            <a:ext cx="753627" cy="556803"/>
-          </a:xfrm>
-          <a:prstGeom prst="straightConnector1">
-            <a:avLst/>
-          </a:prstGeom>
-          <a:ln>
-            <a:tailEnd type="triangle"/>
-          </a:ln>
-        </p:spPr>
-        <p:style>
-          <a:lnRef idx="1">
-            <a:schemeClr val="accent1"/>
-          </a:lnRef>
-          <a:fillRef idx="0">
-            <a:schemeClr val="accent1"/>
-          </a:fillRef>
-          <a:effectRef idx="0">
-            <a:schemeClr val="accent1"/>
-          </a:effectRef>
-          <a:fontRef idx="minor">
-            <a:schemeClr val="tx1"/>
-          </a:fontRef>
-        </p:style>
-      </p:cxnSp>
-      <p:cxnSp>
-        <p:nvCxnSpPr>
-          <p:cNvPr id="23" name="Straight Arrow Connector 22"/>
-          <p:cNvCxnSpPr>
-            <a:stCxn id="11" idx="0"/>
-            <a:endCxn id="7" idx="2"/>
-          </p:cNvCxnSpPr>
-          <p:nvPr/>
-        </p:nvCxnSpPr>
-        <p:spPr>
-          <a:xfrm flipV="1">
-            <a:off x="580292" y="3063888"/>
-            <a:ext cx="334108" cy="1406532"/>
-          </a:xfrm>
-          <a:prstGeom prst="straightConnector1">
-            <a:avLst/>
-          </a:prstGeom>
-          <a:ln>
-            <a:tailEnd type="triangle"/>
-          </a:ln>
-        </p:spPr>
-        <p:style>
-          <a:lnRef idx="1">
-            <a:schemeClr val="accent1"/>
-          </a:lnRef>
-          <a:fillRef idx="0">
-            <a:schemeClr val="accent1"/>
-          </a:fillRef>
-          <a:effectRef idx="0">
-            <a:schemeClr val="accent1"/>
-          </a:effectRef>
-          <a:fontRef idx="minor">
-            <a:schemeClr val="tx1"/>
-          </a:fontRef>
-        </p:style>
-      </p:cxnSp>
-      <p:cxnSp>
-        <p:nvCxnSpPr>
-          <p:cNvPr id="25" name="Straight Arrow Connector 24"/>
-          <p:cNvCxnSpPr>
-            <a:stCxn id="13" idx="0"/>
-            <a:endCxn id="7" idx="2"/>
-          </p:cNvCxnSpPr>
-          <p:nvPr/>
-        </p:nvCxnSpPr>
-        <p:spPr>
-          <a:xfrm flipH="1" flipV="1">
-            <a:off x="914400" y="3063888"/>
-            <a:ext cx="746091" cy="1379909"/>
-          </a:xfrm>
-          <a:prstGeom prst="straightConnector1">
-            <a:avLst/>
-          </a:prstGeom>
-          <a:ln>
-            <a:tailEnd type="triangle"/>
-          </a:ln>
-        </p:spPr>
-        <p:style>
-          <a:lnRef idx="1">
-            <a:schemeClr val="accent1"/>
-          </a:lnRef>
-          <a:fillRef idx="0">
-            <a:schemeClr val="accent1"/>
-          </a:fillRef>
-          <a:effectRef idx="0">
-            <a:schemeClr val="accent1"/>
-          </a:effectRef>
-          <a:fontRef idx="minor">
-            <a:schemeClr val="tx1"/>
-          </a:fontRef>
-        </p:style>
-      </p:cxnSp>
-      <p:cxnSp>
-        <p:nvCxnSpPr>
-          <p:cNvPr id="32" name="Straight Arrow Connector 31"/>
-          <p:cNvCxnSpPr>
-            <a:endCxn id="8" idx="2"/>
-          </p:cNvCxnSpPr>
-          <p:nvPr/>
-        </p:nvCxnSpPr>
-        <p:spPr>
-          <a:xfrm flipV="1">
-            <a:off x="2628900" y="3063888"/>
-            <a:ext cx="228600" cy="441312"/>
-          </a:xfrm>
-          <a:prstGeom prst="straightConnector1">
-            <a:avLst/>
-          </a:prstGeom>
-          <a:ln>
-            <a:tailEnd type="triangle"/>
-          </a:ln>
-        </p:spPr>
-        <p:style>
-          <a:lnRef idx="1">
-            <a:schemeClr val="accent1"/>
-          </a:lnRef>
-          <a:fillRef idx="0">
-            <a:schemeClr val="accent1"/>
-          </a:fillRef>
-          <a:effectRef idx="0">
-            <a:schemeClr val="accent1"/>
-          </a:effectRef>
-          <a:fontRef idx="minor">
-            <a:schemeClr val="tx1"/>
-          </a:fontRef>
-        </p:style>
-      </p:cxnSp>
-      <p:cxnSp>
-        <p:nvCxnSpPr>
-          <p:cNvPr id="34" name="Straight Arrow Connector 33"/>
-          <p:cNvCxnSpPr/>
-          <p:nvPr/>
-        </p:nvCxnSpPr>
-        <p:spPr>
-          <a:xfrm flipH="1" flipV="1">
-            <a:off x="2857500" y="3097801"/>
-            <a:ext cx="182127" cy="407399"/>
-          </a:xfrm>
-          <a:prstGeom prst="straightConnector1">
-            <a:avLst/>
-          </a:prstGeom>
-          <a:ln>
-            <a:tailEnd type="triangle"/>
-          </a:ln>
-        </p:spPr>
-        <p:style>
-          <a:lnRef idx="1">
-            <a:schemeClr val="accent1"/>
-          </a:lnRef>
-          <a:fillRef idx="0">
-            <a:schemeClr val="accent1"/>
-          </a:fillRef>
-          <a:effectRef idx="0">
-            <a:schemeClr val="accent1"/>
-          </a:effectRef>
-          <a:fontRef idx="minor">
-            <a:schemeClr val="tx1"/>
-          </a:fontRef>
-        </p:style>
-      </p:cxnSp>
-      <p:cxnSp>
-        <p:nvCxnSpPr>
-          <p:cNvPr id="36" name="Straight Arrow Connector 35"/>
-          <p:cNvCxnSpPr>
-            <a:endCxn id="8" idx="2"/>
-          </p:cNvCxnSpPr>
-          <p:nvPr/>
-        </p:nvCxnSpPr>
-        <p:spPr>
-          <a:xfrm flipH="1" flipV="1">
-            <a:off x="2857500" y="3063888"/>
-            <a:ext cx="571500" cy="441312"/>
-          </a:xfrm>
-          <a:prstGeom prst="straightConnector1">
-            <a:avLst/>
-          </a:prstGeom>
-          <a:ln>
-            <a:tailEnd type="triangle"/>
-          </a:ln>
-        </p:spPr>
-        <p:style>
-          <a:lnRef idx="1">
-            <a:schemeClr val="accent1"/>
-          </a:lnRef>
-          <a:fillRef idx="0">
-            <a:schemeClr val="accent1"/>
-          </a:fillRef>
-          <a:effectRef idx="0">
-            <a:schemeClr val="accent1"/>
-          </a:effectRef>
-          <a:fontRef idx="minor">
-            <a:schemeClr val="tx1"/>
-          </a:fontRef>
-        </p:style>
-      </p:cxnSp>
-      <p:sp>
-        <p:nvSpPr>
-          <p:cNvPr id="38" name="TextBox 37"/>
-          <p:cNvSpPr txBox="1"/>
-          <p:nvPr/>
-        </p:nvSpPr>
-        <p:spPr>
-          <a:xfrm>
-            <a:off x="5181600" y="1996652"/>
-            <a:ext cx="1647054" cy="369332"/>
-          </a:xfrm>
-          <a:prstGeom prst="rect">
-            <a:avLst/>
-          </a:prstGeom>
-          <a:noFill/>
-        </p:spPr>
-        <p:txBody>
-          <a:bodyPr wrap="none" rtlCol="0">
-            <a:spAutoFit/>
-          </a:bodyPr>
-          <a:lstStyle/>
-          <a:p>
-            <a:r>
-              <a:rPr lang="en-US" dirty="0"/>
-              <a:t>world-after-tick</a:t>
-            </a:r>
-          </a:p>
-        </p:txBody>
-      </p:sp>
-      <p:sp>
-        <p:nvSpPr>
-          <p:cNvPr id="39" name="TextBox 38"/>
-          <p:cNvSpPr txBox="1"/>
-          <p:nvPr/>
-        </p:nvSpPr>
-        <p:spPr>
-          <a:xfrm>
-            <a:off x="4876800" y="2797188"/>
-            <a:ext cx="1474634" cy="369332"/>
-          </a:xfrm>
-          <a:prstGeom prst="rect">
-            <a:avLst/>
-          </a:prstGeom>
-          <a:noFill/>
-        </p:spPr>
-        <p:txBody>
-          <a:bodyPr wrap="none" rtlCol="0">
-            <a:spAutoFit/>
-          </a:bodyPr>
-          <a:lstStyle/>
-          <a:p>
-            <a:r>
-              <a:rPr lang="en-US" dirty="0" err="1"/>
-              <a:t>rect</a:t>
-            </a:r>
-            <a:r>
-              <a:rPr lang="en-US" dirty="0"/>
-              <a:t>-after-tick</a:t>
-            </a:r>
-          </a:p>
-        </p:txBody>
-      </p:sp>
-      <p:sp>
-        <p:nvSpPr>
-          <p:cNvPr id="40" name="TextBox 39"/>
-          <p:cNvSpPr txBox="1"/>
-          <p:nvPr/>
-        </p:nvSpPr>
-        <p:spPr>
-          <a:xfrm>
-            <a:off x="7176107" y="2797188"/>
-            <a:ext cx="1943609" cy="369332"/>
-          </a:xfrm>
-          <a:prstGeom prst="rect">
-            <a:avLst/>
-          </a:prstGeom>
-          <a:noFill/>
-        </p:spPr>
-        <p:txBody>
-          <a:bodyPr wrap="none" rtlCol="0">
-            <a:spAutoFit/>
-          </a:bodyPr>
-          <a:lstStyle/>
-          <a:p>
-            <a:r>
-              <a:rPr lang="en-US" dirty="0" err="1"/>
-              <a:t>throbber</a:t>
-            </a:r>
-            <a:r>
-              <a:rPr lang="en-US" dirty="0"/>
-              <a:t>-after-tick</a:t>
-            </a:r>
-          </a:p>
-        </p:txBody>
-      </p:sp>
-      <p:sp>
-        <p:nvSpPr>
-          <p:cNvPr id="41" name="TextBox 40"/>
-          <p:cNvSpPr txBox="1"/>
-          <p:nvPr/>
-        </p:nvSpPr>
-        <p:spPr>
-          <a:xfrm>
-            <a:off x="3981406" y="3560868"/>
-            <a:ext cx="2571794" cy="369332"/>
-          </a:xfrm>
-          <a:prstGeom prst="rect">
-            <a:avLst/>
-          </a:prstGeom>
-          <a:noFill/>
-        </p:spPr>
-        <p:txBody>
-          <a:bodyPr wrap="none" rtlCol="0">
-            <a:spAutoFit/>
-          </a:bodyPr>
-          <a:lstStyle/>
-          <a:p>
-            <a:r>
-              <a:rPr lang="en-US" dirty="0"/>
-              <a:t>unselected-</a:t>
-            </a:r>
-            <a:r>
-              <a:rPr lang="en-US" dirty="0" err="1"/>
-              <a:t>rect</a:t>
-            </a:r>
-            <a:r>
-              <a:rPr lang="en-US" dirty="0"/>
-              <a:t>-after-tick</a:t>
-            </a:r>
-          </a:p>
-        </p:txBody>
-      </p:sp>
-      <p:sp>
-        <p:nvSpPr>
-          <p:cNvPr id="42" name="TextBox 41"/>
-          <p:cNvSpPr txBox="1"/>
-          <p:nvPr/>
-        </p:nvSpPr>
-        <p:spPr>
-          <a:xfrm>
-            <a:off x="6553200" y="3560868"/>
-            <a:ext cx="2328138" cy="369332"/>
-          </a:xfrm>
-          <a:prstGeom prst="rect">
-            <a:avLst/>
-          </a:prstGeom>
-          <a:noFill/>
-        </p:spPr>
-        <p:txBody>
-          <a:bodyPr wrap="none" rtlCol="0">
-            <a:spAutoFit/>
-          </a:bodyPr>
-          <a:lstStyle/>
-          <a:p>
-            <a:r>
-              <a:rPr lang="en-US" dirty="0"/>
-              <a:t>selected-</a:t>
-            </a:r>
-            <a:r>
-              <a:rPr lang="en-US" dirty="0" err="1"/>
-              <a:t>rect</a:t>
-            </a:r>
-            <a:r>
-              <a:rPr lang="en-US" dirty="0"/>
-              <a:t>-after-tick</a:t>
-            </a:r>
-          </a:p>
-        </p:txBody>
-      </p:sp>
-      <p:sp>
-        <p:nvSpPr>
-          <p:cNvPr id="43" name="TextBox 42"/>
-          <p:cNvSpPr txBox="1"/>
-          <p:nvPr/>
-        </p:nvSpPr>
-        <p:spPr>
-          <a:xfrm>
-            <a:off x="3732642" y="4082017"/>
-            <a:ext cx="2048510" cy="369332"/>
-          </a:xfrm>
-          <a:prstGeom prst="rect">
-            <a:avLst/>
-          </a:prstGeom>
-          <a:noFill/>
-        </p:spPr>
-        <p:txBody>
-          <a:bodyPr wrap="none" rtlCol="0">
-            <a:spAutoFit/>
-          </a:bodyPr>
-          <a:lstStyle/>
-          <a:p>
-            <a:r>
-              <a:rPr lang="en-US" dirty="0" err="1"/>
-              <a:t>rect</a:t>
-            </a:r>
-            <a:r>
-              <a:rPr lang="en-US" dirty="0"/>
-              <a:t>-x-</a:t>
-            </a:r>
-            <a:r>
-              <a:rPr lang="en-US" dirty="0" err="1"/>
-              <a:t>pos</a:t>
-            </a:r>
-            <a:r>
-              <a:rPr lang="en-US" dirty="0"/>
-              <a:t>-after-tick</a:t>
-            </a:r>
-          </a:p>
-        </p:txBody>
-      </p:sp>
-      <p:sp>
-        <p:nvSpPr>
-          <p:cNvPr id="45" name="TextBox 44"/>
-          <p:cNvSpPr txBox="1"/>
-          <p:nvPr/>
-        </p:nvSpPr>
-        <p:spPr>
-          <a:xfrm>
-            <a:off x="4160530" y="4529953"/>
-            <a:ext cx="2053319" cy="369332"/>
-          </a:xfrm>
-          <a:prstGeom prst="rect">
-            <a:avLst/>
-          </a:prstGeom>
-          <a:noFill/>
-        </p:spPr>
-        <p:txBody>
-          <a:bodyPr wrap="none" rtlCol="0">
-            <a:spAutoFit/>
-          </a:bodyPr>
-          <a:lstStyle/>
-          <a:p>
-            <a:r>
-              <a:rPr lang="en-US" dirty="0" err="1"/>
-              <a:t>rect</a:t>
-            </a:r>
-            <a:r>
-              <a:rPr lang="en-US" dirty="0"/>
-              <a:t>-y-</a:t>
-            </a:r>
-            <a:r>
-              <a:rPr lang="en-US" dirty="0" err="1"/>
-              <a:t>pos</a:t>
-            </a:r>
-            <a:r>
-              <a:rPr lang="en-US" dirty="0"/>
-              <a:t>-after-tick</a:t>
-            </a:r>
-          </a:p>
-        </p:txBody>
-      </p:sp>
-      <p:sp>
-        <p:nvSpPr>
-          <p:cNvPr id="46" name="TextBox 45"/>
-          <p:cNvSpPr txBox="1"/>
-          <p:nvPr/>
-        </p:nvSpPr>
-        <p:spPr>
-          <a:xfrm>
-            <a:off x="4593227" y="4977889"/>
-            <a:ext cx="1985352" cy="369332"/>
-          </a:xfrm>
-          <a:prstGeom prst="rect">
-            <a:avLst/>
-          </a:prstGeom>
-          <a:noFill/>
-        </p:spPr>
-        <p:txBody>
-          <a:bodyPr wrap="none" rtlCol="0">
-            <a:spAutoFit/>
-          </a:bodyPr>
-          <a:lstStyle/>
-          <a:p>
-            <a:r>
-              <a:rPr lang="en-US" dirty="0" err="1"/>
-              <a:t>rect</a:t>
-            </a:r>
-            <a:r>
-              <a:rPr lang="en-US" dirty="0"/>
-              <a:t>-x-</a:t>
-            </a:r>
-            <a:r>
-              <a:rPr lang="en-US" dirty="0" err="1"/>
-              <a:t>vel</a:t>
-            </a:r>
-            <a:r>
-              <a:rPr lang="en-US" dirty="0"/>
-              <a:t>-after-tick</a:t>
-            </a:r>
-          </a:p>
-        </p:txBody>
-      </p:sp>
-      <p:sp>
-        <p:nvSpPr>
-          <p:cNvPr id="47" name="TextBox 46"/>
-          <p:cNvSpPr txBox="1"/>
-          <p:nvPr/>
-        </p:nvSpPr>
-        <p:spPr>
-          <a:xfrm>
-            <a:off x="4957958" y="5425825"/>
-            <a:ext cx="1990160" cy="369332"/>
-          </a:xfrm>
-          <a:prstGeom prst="rect">
-            <a:avLst/>
-          </a:prstGeom>
-          <a:noFill/>
-        </p:spPr>
-        <p:txBody>
-          <a:bodyPr wrap="none" rtlCol="0">
-            <a:spAutoFit/>
-          </a:bodyPr>
-          <a:lstStyle/>
-          <a:p>
-            <a:r>
-              <a:rPr lang="en-US" dirty="0" err="1"/>
-              <a:t>rect</a:t>
-            </a:r>
-            <a:r>
-              <a:rPr lang="en-US" dirty="0"/>
-              <a:t>-y-</a:t>
-            </a:r>
-            <a:r>
-              <a:rPr lang="en-US" dirty="0" err="1"/>
-              <a:t>vel</a:t>
-            </a:r>
-            <a:r>
-              <a:rPr lang="en-US" dirty="0"/>
-              <a:t>-after-tick</a:t>
-            </a:r>
-          </a:p>
-        </p:txBody>
-      </p:sp>
-      <p:cxnSp>
-        <p:nvCxnSpPr>
-          <p:cNvPr id="49" name="Straight Connector 48"/>
-          <p:cNvCxnSpPr>
-            <a:stCxn id="38" idx="2"/>
-            <a:endCxn id="39" idx="0"/>
-          </p:cNvCxnSpPr>
-          <p:nvPr/>
-        </p:nvCxnSpPr>
-        <p:spPr>
-          <a:xfrm flipH="1">
-            <a:off x="5614117" y="2365984"/>
-            <a:ext cx="391010" cy="431204"/>
-          </a:xfrm>
-          <a:prstGeom prst="line">
-            <a:avLst/>
-          </a:prstGeom>
-        </p:spPr>
-        <p:style>
-          <a:lnRef idx="1">
-            <a:schemeClr val="accent1"/>
-          </a:lnRef>
-          <a:fillRef idx="0">
-            <a:schemeClr val="accent1"/>
-          </a:fillRef>
-          <a:effectRef idx="0">
-            <a:schemeClr val="accent1"/>
-          </a:effectRef>
-          <a:fontRef idx="minor">
-            <a:schemeClr val="tx1"/>
-          </a:fontRef>
-        </p:style>
-      </p:cxnSp>
-      <p:cxnSp>
-        <p:nvCxnSpPr>
-          <p:cNvPr id="51" name="Straight Connector 50"/>
-          <p:cNvCxnSpPr>
-            <a:stCxn id="38" idx="2"/>
-            <a:endCxn id="40" idx="0"/>
-          </p:cNvCxnSpPr>
-          <p:nvPr/>
-        </p:nvCxnSpPr>
-        <p:spPr>
-          <a:xfrm>
-            <a:off x="6005127" y="2365984"/>
-            <a:ext cx="2142785" cy="431204"/>
-          </a:xfrm>
-          <a:prstGeom prst="line">
-            <a:avLst/>
-          </a:prstGeom>
-        </p:spPr>
-        <p:style>
-          <a:lnRef idx="1">
-            <a:schemeClr val="accent1"/>
-          </a:lnRef>
-          <a:fillRef idx="0">
-            <a:schemeClr val="accent1"/>
-          </a:fillRef>
-          <a:effectRef idx="0">
-            <a:schemeClr val="accent1"/>
-          </a:effectRef>
-          <a:fontRef idx="minor">
-            <a:schemeClr val="tx1"/>
-          </a:fontRef>
-        </p:style>
-      </p:cxnSp>
-      <p:cxnSp>
-        <p:nvCxnSpPr>
-          <p:cNvPr id="53" name="Straight Connector 52"/>
-          <p:cNvCxnSpPr>
-            <a:stCxn id="39" idx="2"/>
-            <a:endCxn id="41" idx="0"/>
-          </p:cNvCxnSpPr>
-          <p:nvPr/>
-        </p:nvCxnSpPr>
-        <p:spPr>
-          <a:xfrm flipH="1">
-            <a:off x="5267303" y="3166520"/>
-            <a:ext cx="346814" cy="394348"/>
-          </a:xfrm>
-          <a:prstGeom prst="line">
-            <a:avLst/>
-          </a:prstGeom>
-        </p:spPr>
-        <p:style>
-          <a:lnRef idx="1">
-            <a:schemeClr val="accent1"/>
-          </a:lnRef>
-          <a:fillRef idx="0">
-            <a:schemeClr val="accent1"/>
-          </a:fillRef>
-          <a:effectRef idx="0">
-            <a:schemeClr val="accent1"/>
-          </a:effectRef>
-          <a:fontRef idx="minor">
-            <a:schemeClr val="tx1"/>
-          </a:fontRef>
-        </p:style>
-      </p:cxnSp>
-      <p:cxnSp>
-        <p:nvCxnSpPr>
-          <p:cNvPr id="55" name="Straight Connector 54"/>
-          <p:cNvCxnSpPr>
-            <a:stCxn id="39" idx="2"/>
-            <a:endCxn id="42" idx="0"/>
-          </p:cNvCxnSpPr>
-          <p:nvPr/>
-        </p:nvCxnSpPr>
-        <p:spPr>
-          <a:xfrm>
-            <a:off x="5614117" y="3166520"/>
-            <a:ext cx="2103152" cy="394348"/>
-          </a:xfrm>
-          <a:prstGeom prst="line">
-            <a:avLst/>
-          </a:prstGeom>
-        </p:spPr>
-        <p:style>
-          <a:lnRef idx="1">
-            <a:schemeClr val="accent1"/>
-          </a:lnRef>
-          <a:fillRef idx="0">
-            <a:schemeClr val="accent1"/>
-          </a:fillRef>
-          <a:effectRef idx="0">
-            <a:schemeClr val="accent1"/>
-          </a:effectRef>
-          <a:fontRef idx="minor">
-            <a:schemeClr val="tx1"/>
-          </a:fontRef>
-        </p:style>
-      </p:cxnSp>
-      <p:cxnSp>
-        <p:nvCxnSpPr>
-          <p:cNvPr id="57" name="Straight Connector 56"/>
-          <p:cNvCxnSpPr>
-            <a:stCxn id="43" idx="0"/>
-            <a:endCxn id="41" idx="2"/>
-          </p:cNvCxnSpPr>
-          <p:nvPr/>
-        </p:nvCxnSpPr>
-        <p:spPr>
-          <a:xfrm flipV="1">
-            <a:off x="4756897" y="3930200"/>
-            <a:ext cx="510406" cy="151817"/>
-          </a:xfrm>
-          <a:prstGeom prst="line">
-            <a:avLst/>
-          </a:prstGeom>
-        </p:spPr>
-        <p:style>
-          <a:lnRef idx="1">
-            <a:schemeClr val="accent1"/>
-          </a:lnRef>
-          <a:fillRef idx="0">
-            <a:schemeClr val="accent1"/>
-          </a:fillRef>
-          <a:effectRef idx="0">
-            <a:schemeClr val="accent1"/>
-          </a:effectRef>
-          <a:fontRef idx="minor">
-            <a:schemeClr val="tx1"/>
-          </a:fontRef>
-        </p:style>
-      </p:cxnSp>
-      <p:cxnSp>
-        <p:nvCxnSpPr>
-          <p:cNvPr id="59" name="Straight Connector 58"/>
-          <p:cNvCxnSpPr>
-            <a:endCxn id="41" idx="2"/>
-          </p:cNvCxnSpPr>
-          <p:nvPr/>
-        </p:nvCxnSpPr>
-        <p:spPr>
-          <a:xfrm flipV="1">
-            <a:off x="5181600" y="3930200"/>
-            <a:ext cx="85703" cy="599753"/>
-          </a:xfrm>
-          <a:prstGeom prst="line">
-            <a:avLst/>
-          </a:prstGeom>
-        </p:spPr>
-        <p:style>
-          <a:lnRef idx="1">
-            <a:schemeClr val="accent1"/>
-          </a:lnRef>
-          <a:fillRef idx="0">
-            <a:schemeClr val="accent1"/>
-          </a:fillRef>
-          <a:effectRef idx="0">
-            <a:schemeClr val="accent1"/>
-          </a:effectRef>
-          <a:fontRef idx="minor">
-            <a:schemeClr val="tx1"/>
-          </a:fontRef>
-        </p:style>
-      </p:cxnSp>
-      <p:cxnSp>
-        <p:nvCxnSpPr>
-          <p:cNvPr id="61" name="Straight Connector 60"/>
-          <p:cNvCxnSpPr>
-            <a:stCxn id="46" idx="0"/>
-            <a:endCxn id="41" idx="2"/>
-          </p:cNvCxnSpPr>
-          <p:nvPr/>
-        </p:nvCxnSpPr>
-        <p:spPr>
-          <a:xfrm flipH="1" flipV="1">
-            <a:off x="5267303" y="3930200"/>
-            <a:ext cx="318600" cy="1047689"/>
-          </a:xfrm>
-          <a:prstGeom prst="line">
-            <a:avLst/>
-          </a:prstGeom>
-        </p:spPr>
-        <p:style>
-          <a:lnRef idx="1">
-            <a:schemeClr val="accent1"/>
-          </a:lnRef>
-          <a:fillRef idx="0">
-            <a:schemeClr val="accent1"/>
-          </a:fillRef>
-          <a:effectRef idx="0">
-            <a:schemeClr val="accent1"/>
-          </a:effectRef>
-          <a:fontRef idx="minor">
-            <a:schemeClr val="tx1"/>
-          </a:fontRef>
-        </p:style>
-      </p:cxnSp>
-      <p:cxnSp>
-        <p:nvCxnSpPr>
-          <p:cNvPr id="63" name="Straight Connector 62"/>
-          <p:cNvCxnSpPr>
-            <a:stCxn id="47" idx="0"/>
-            <a:endCxn id="41" idx="2"/>
-          </p:cNvCxnSpPr>
-          <p:nvPr/>
-        </p:nvCxnSpPr>
-        <p:spPr>
-          <a:xfrm flipH="1" flipV="1">
-            <a:off x="5267303" y="3930200"/>
-            <a:ext cx="685735" cy="1495625"/>
-          </a:xfrm>
-          <a:prstGeom prst="line">
-            <a:avLst/>
-          </a:prstGeom>
-        </p:spPr>
-        <p:style>
-          <a:lnRef idx="1">
-            <a:schemeClr val="accent1"/>
-          </a:lnRef>
-          <a:fillRef idx="0">
-            <a:schemeClr val="accent1"/>
-          </a:fillRef>
-          <a:effectRef idx="0">
-            <a:schemeClr val="accent1"/>
-          </a:effectRef>
-          <a:fontRef idx="minor">
-            <a:schemeClr val="tx1"/>
-          </a:fontRef>
-        </p:style>
-      </p:cxnSp>
-      <p:sp>
-        <p:nvSpPr>
-          <p:cNvPr id="64" name="TextBox 63"/>
-          <p:cNvSpPr txBox="1"/>
-          <p:nvPr/>
-        </p:nvSpPr>
-        <p:spPr>
-          <a:xfrm>
-            <a:off x="233970" y="5534000"/>
-            <a:ext cx="3423630" cy="461665"/>
-          </a:xfrm>
-          <a:prstGeom prst="rect">
-            <a:avLst/>
-          </a:prstGeom>
-          <a:noFill/>
-        </p:spPr>
-        <p:txBody>
-          <a:bodyPr wrap="none" rtlCol="0">
-            <a:spAutoFit/>
-          </a:bodyPr>
-          <a:lstStyle/>
-          <a:p>
-            <a:r>
-              <a:rPr lang="en-US" sz="2400" dirty="0"/>
-              <a:t>A Portion of the Data Tree</a:t>
-            </a:r>
-          </a:p>
-        </p:txBody>
-      </p:sp>
-      <p:sp>
-        <p:nvSpPr>
-          <p:cNvPr id="65" name="TextBox 64"/>
-          <p:cNvSpPr txBox="1"/>
-          <p:nvPr/>
-        </p:nvSpPr>
-        <p:spPr>
-          <a:xfrm>
-            <a:off x="4572000" y="5973973"/>
-            <a:ext cx="3904787" cy="830997"/>
-          </a:xfrm>
-          <a:prstGeom prst="rect">
-            <a:avLst/>
-          </a:prstGeom>
-          <a:noFill/>
-        </p:spPr>
-        <p:txBody>
-          <a:bodyPr wrap="none" rtlCol="0">
-            <a:spAutoFit/>
-          </a:bodyPr>
-          <a:lstStyle/>
-          <a:p>
-            <a:r>
-              <a:rPr lang="en-US" sz="2400" dirty="0"/>
-              <a:t>A Portion of the Program Tree</a:t>
-            </a:r>
-          </a:p>
-          <a:p>
-            <a:pPr algn="ctr"/>
-            <a:r>
-              <a:rPr lang="en-US" sz="2400" dirty="0"/>
-              <a:t>(your </a:t>
-            </a:r>
-            <a:r>
-              <a:rPr lang="en-US" sz="2400" dirty="0" err="1"/>
-              <a:t>wishtree</a:t>
-            </a:r>
-            <a:r>
-              <a:rPr lang="en-US" sz="2400" dirty="0"/>
-              <a:t>)</a:t>
-            </a:r>
-          </a:p>
-        </p:txBody>
-      </p:sp>
-      <p:sp>
-        <p:nvSpPr>
-          <p:cNvPr id="66" name="Arc 65"/>
-          <p:cNvSpPr/>
-          <p:nvPr/>
-        </p:nvSpPr>
-        <p:spPr>
-          <a:xfrm rot="10201330">
-            <a:off x="5324416" y="2901065"/>
-            <a:ext cx="670373" cy="553108"/>
-          </a:xfrm>
-          <a:prstGeom prst="arc">
-            <a:avLst>
-              <a:gd name="adj1" fmla="val 12006096"/>
-              <a:gd name="adj2" fmla="val 19806041"/>
-            </a:avLst>
-          </a:prstGeom>
-        </p:spPr>
-        <p:style>
-          <a:lnRef idx="1">
-            <a:schemeClr val="accent1"/>
-          </a:lnRef>
-          <a:fillRef idx="0">
-            <a:schemeClr val="accent1"/>
-          </a:fillRef>
-          <a:effectRef idx="0">
-            <a:schemeClr val="accent1"/>
-          </a:effectRef>
-          <a:fontRef idx="minor">
-            <a:schemeClr val="tx1"/>
-          </a:fontRef>
-        </p:style>
-        <p:txBody>
-          <a:bodyPr rtlCol="0" anchor="ctr"/>
-          <a:lstStyle/>
-          <a:p>
-            <a:pPr algn="ctr"/>
-            <a:endParaRPr lang="en-US"/>
-          </a:p>
-        </p:txBody>
-      </p:sp>
-      <p:sp>
-        <p:nvSpPr>
-          <p:cNvPr id="67" name="TextBox 66"/>
-          <p:cNvSpPr txBox="1"/>
-          <p:nvPr/>
-        </p:nvSpPr>
-        <p:spPr>
-          <a:xfrm>
-            <a:off x="5535770" y="3153739"/>
-            <a:ext cx="308098" cy="261610"/>
-          </a:xfrm>
-          <a:prstGeom prst="rect">
-            <a:avLst/>
-          </a:prstGeom>
-          <a:noFill/>
-        </p:spPr>
-        <p:txBody>
-          <a:bodyPr wrap="none" rtlCol="0">
-            <a:spAutoFit/>
-          </a:bodyPr>
-          <a:lstStyle/>
-          <a:p>
-            <a:r>
-              <a:rPr lang="en-US" sz="1100" dirty="0"/>
-              <a:t>or</a:t>
-            </a:r>
-          </a:p>
-        </p:txBody>
-      </p:sp>
-      <p:sp>
-        <p:nvSpPr>
-          <p:cNvPr id="68" name="Rectangle 67"/>
-          <p:cNvSpPr/>
-          <p:nvPr/>
-        </p:nvSpPr>
-        <p:spPr>
-          <a:xfrm>
-            <a:off x="914400" y="6095999"/>
-            <a:ext cx="2971800" cy="625475"/>
-          </a:xfrm>
-          <a:prstGeom prst="rect">
-            <a:avLst/>
-          </a:prstGeom>
-          <a:solidFill>
-            <a:schemeClr val="accent1">
-              <a:lumMod val="20000"/>
-              <a:lumOff val="80000"/>
-            </a:schemeClr>
-          </a:solidFill>
-          <a:ln>
-            <a:noFill/>
-          </a:ln>
-        </p:spPr>
-        <p:style>
-          <a:lnRef idx="2">
-            <a:schemeClr val="accent1"/>
-          </a:lnRef>
-          <a:fillRef idx="1">
-            <a:schemeClr val="lt1"/>
-          </a:fillRef>
-          <a:effectRef idx="0">
-            <a:schemeClr val="accent1"/>
-          </a:effectRef>
-          <a:fontRef idx="minor">
-            <a:schemeClr val="dk1"/>
-          </a:fontRef>
-        </p:style>
-        <p:txBody>
-          <a:bodyPr rot="0" spcFirstLastPara="0" vertOverflow="overflow" horzOverflow="overflow" vert="horz" wrap="square" lIns="91440" tIns="45720" rIns="91440" bIns="45720" numCol="1" spcCol="0" rtlCol="0" fromWordArt="0" anchor="ctr" anchorCtr="0" forceAA="0" compatLnSpc="1">
-            <a:prstTxWarp prst="textNoShape">
-              <a:avLst/>
-            </a:prstTxWarp>
-            <a:noAutofit/>
-          </a:bodyPr>
-          <a:lstStyle/>
-          <a:p>
-            <a:pPr algn="ctr"/>
-            <a:r>
-              <a:rPr lang="en-US" sz="1400" dirty="0">
-                <a:solidFill>
-                  <a:schemeClr val="tx1"/>
-                </a:solidFill>
-              </a:rPr>
-              <a:t>Maybe this won’t work out in every detail, but it gives you a plan!</a:t>
-            </a:r>
-          </a:p>
-        </p:txBody>
-      </p:sp>
-    </p:spTree>
-    <p:extLst>
-      <p:ext uri="{BB962C8B-B14F-4D97-AF65-F5344CB8AC3E}">
-        <p14:creationId xmlns:p14="http://schemas.microsoft.com/office/powerpoint/2010/main" val="3151733651"/>
-      </p:ext>
-    </p:extLst>
-  </p:cSld>
-  <p:clrMapOvr>
-    <a:masterClrMapping/>
-  </p:clrMapOvr>
-</p:sld>
-</file>
-
-<file path=ppt/slides/slide21.xml><?xml version="1.0" encoding="utf-8"?>
-<p:sld xmlns:a="http://schemas.openxmlformats.org/drawingml/2006/main" xmlns:r="http://schemas.openxmlformats.org/officeDocument/2006/relationships" xmlns:p="http://schemas.openxmlformats.org/presentationml/2006/main">
-  <p:cSld>
-    <p:spTree>
-      <p:nvGrpSpPr>
-        <p:cNvPr id="1" name=""/>
-        <p:cNvGrpSpPr/>
-        <p:nvPr/>
-      </p:nvGrpSpPr>
-      <p:grpSpPr>
-        <a:xfrm>
-          <a:off x="0" y="0"/>
-          <a:ext cx="0" cy="0"/>
-          <a:chOff x="0" y="0"/>
-          <a:chExt cx="0" cy="0"/>
-        </a:xfrm>
-      </p:grpSpPr>
-      <p:sp>
-        <p:nvSpPr>
-          <p:cNvPr id="2" name="Title 1"/>
-          <p:cNvSpPr>
-            <a:spLocks noGrp="1"/>
-          </p:cNvSpPr>
-          <p:nvPr>
-            <p:ph type="title"/>
-          </p:nvPr>
-        </p:nvSpPr>
-        <p:spPr/>
-        <p:style>
-          <a:lnRef idx="2">
-            <a:schemeClr val="accent1"/>
-          </a:lnRef>
-          <a:fillRef idx="1">
-            <a:schemeClr val="lt1"/>
-          </a:fillRef>
-          <a:effectRef idx="0">
-            <a:schemeClr val="accent1"/>
-          </a:effectRef>
-          <a:fontRef idx="minor">
-            <a:schemeClr val="dk1"/>
-          </a:fontRef>
-        </p:style>
-        <p:txBody>
-          <a:bodyPr>
-            <a:normAutofit fontScale="90000"/>
-          </a:bodyPr>
-          <a:lstStyle/>
-          <a:p>
-            <a:r>
-              <a:rPr lang="en-US" dirty="0"/>
-              <a:t>6. Use state only to share information between distant parts of the program.</a:t>
-            </a:r>
-          </a:p>
-        </p:txBody>
-      </p:sp>
-      <p:sp>
-        <p:nvSpPr>
-          <p:cNvPr id="3" name="Content Placeholder 2"/>
-          <p:cNvSpPr>
-            <a:spLocks noGrp="1"/>
-          </p:cNvSpPr>
-          <p:nvPr>
-            <p:ph idx="1"/>
-          </p:nvPr>
-        </p:nvSpPr>
-        <p:spPr/>
-        <p:txBody>
-          <a:bodyPr>
-            <a:normAutofit fontScale="92500" lnSpcReduction="10000"/>
-          </a:bodyPr>
-          <a:lstStyle/>
-          <a:p>
-            <a:r>
-              <a:rPr lang="en-US" dirty="0"/>
-              <a:t>You need to use state in exactly two situations:</a:t>
-            </a:r>
-          </a:p>
-          <a:p>
-            <a:pPr lvl="1"/>
-            <a:r>
-              <a:rPr lang="en-US" dirty="0"/>
-              <a:t>you need an object with stable identity to send messages to (like the wall in our first example)</a:t>
-            </a:r>
-          </a:p>
-          <a:p>
-            <a:pPr lvl="1"/>
-            <a:r>
-              <a:rPr lang="en-US" dirty="0"/>
-              <a:t>you need to construct cyclic structures (like the factory and the world)</a:t>
-            </a:r>
-          </a:p>
-          <a:p>
-            <a:r>
-              <a:rPr lang="en-US" dirty="0"/>
-              <a:t>Sometimes you need state, but less often than you might think</a:t>
-            </a:r>
-          </a:p>
-          <a:p>
-            <a:pPr lvl="1"/>
-            <a:r>
-              <a:rPr lang="en-US" dirty="0"/>
-              <a:t>Java, C++, etc. lead you to use state more often than you should.</a:t>
-            </a:r>
-          </a:p>
-          <a:p>
-            <a:pPr lvl="1"/>
-            <a:r>
-              <a:rPr lang="en-US" dirty="0"/>
-              <a:t>State complicates everything!</a:t>
-            </a:r>
-          </a:p>
-        </p:txBody>
-      </p:sp>
-      <p:sp>
-        <p:nvSpPr>
-          <p:cNvPr id="4" name="Slide Number Placeholder 3"/>
-          <p:cNvSpPr>
-            <a:spLocks noGrp="1"/>
-          </p:cNvSpPr>
-          <p:nvPr>
-            <p:ph type="sldNum" sz="quarter" idx="12"/>
-          </p:nvPr>
-        </p:nvSpPr>
-        <p:spPr/>
-        <p:txBody>
-          <a:bodyPr/>
-          <a:lstStyle/>
-          <a:p>
-            <a:fld id="{B6F15528-21DE-4FAA-801E-634DDDAF4B2B}" type="slidenum">
-              <a:rPr lang="en-US" smtClean="0"/>
-              <a:pPr/>
-              <a:t>21</a:t>
-            </a:fld>
-            <a:endParaRPr lang="en-US"/>
-          </a:p>
-        </p:txBody>
-      </p:sp>
-    </p:spTree>
-  </p:cSld>
-  <p:clrMapOvr>
-    <a:masterClrMapping/>
-  </p:clrMapOvr>
-</p:sld>
-</file>
-
-<file path=ppt/slides/slide22.xml><?xml version="1.0" encoding="utf-8"?>
-<p:sld xmlns:a="http://schemas.openxmlformats.org/drawingml/2006/main" xmlns:r="http://schemas.openxmlformats.org/officeDocument/2006/relationships" xmlns:p="http://schemas.openxmlformats.org/presentationml/2006/main">
-  <p:cSld>
-    <p:spTree>
-      <p:nvGrpSpPr>
-        <p:cNvPr id="1" name=""/>
-        <p:cNvGrpSpPr/>
-        <p:nvPr/>
-      </p:nvGrpSpPr>
-      <p:grpSpPr>
-        <a:xfrm>
-          <a:off x="0" y="0"/>
-          <a:ext cx="0" cy="0"/>
-          <a:chOff x="0" y="0"/>
-          <a:chExt cx="0" cy="0"/>
-        </a:xfrm>
-      </p:grpSpPr>
-      <p:sp>
-        <p:nvSpPr>
-          <p:cNvPr id="2" name="Title 1"/>
-          <p:cNvSpPr>
-            <a:spLocks noGrp="1"/>
-          </p:cNvSpPr>
-          <p:nvPr>
-            <p:ph type="title"/>
-          </p:nvPr>
-        </p:nvSpPr>
-        <p:spPr/>
-        <p:txBody>
-          <a:bodyPr>
-            <a:noAutofit/>
-          </a:bodyPr>
-          <a:lstStyle/>
-          <a:p>
-            <a:r>
-              <a:rPr lang="en-US" sz="3600" dirty="0"/>
-              <a:t>7. Use interfaces to limit dependencies between different parts of your program.</a:t>
-            </a:r>
-          </a:p>
-        </p:txBody>
-      </p:sp>
-      <p:sp>
-        <p:nvSpPr>
-          <p:cNvPr id="3" name="Content Placeholder 2"/>
-          <p:cNvSpPr>
-            <a:spLocks noGrp="1"/>
-          </p:cNvSpPr>
-          <p:nvPr>
-            <p:ph idx="1"/>
-          </p:nvPr>
-        </p:nvSpPr>
-        <p:spPr>
-          <a:xfrm>
-            <a:off x="457200" y="1604865"/>
-            <a:ext cx="8229600" cy="4521298"/>
+            <a:off x="457200" y="274638"/>
+            <a:ext cx="8229600" cy="1143000"/>
           </a:xfrm>
         </p:spPr>
-        <p:txBody>
-          <a:bodyPr>
-            <a:normAutofit fontScale="92500" lnSpcReduction="10000"/>
-          </a:bodyPr>
-          <a:lstStyle/>
-          <a:p>
-            <a:r>
-              <a:rPr lang="en-US" dirty="0"/>
-              <a:t>Always manipulate your data through a set of functions.</a:t>
-            </a:r>
-          </a:p>
-          <a:p>
-            <a:r>
-              <a:rPr lang="en-US" dirty="0"/>
-              <a:t>That way, if you change the representation of your data, you won’t have to change other parts of your program</a:t>
-            </a:r>
-          </a:p>
-          <a:p>
-            <a:r>
-              <a:rPr lang="en-US" dirty="0"/>
-              <a:t>We didn’t emphasize this much in the course, but it did come up:</a:t>
-            </a:r>
-          </a:p>
-          <a:p>
-            <a:pPr lvl="1"/>
-            <a:r>
-              <a:rPr lang="en-US" dirty="0"/>
-              <a:t>The Guided Practice about the crazy pizza-maker</a:t>
-            </a:r>
-          </a:p>
-          <a:p>
-            <a:pPr lvl="1"/>
-            <a:r>
-              <a:rPr lang="en-US" dirty="0"/>
-              <a:t>Graphs over abstract data</a:t>
-            </a:r>
-          </a:p>
-          <a:p>
-            <a:pPr lvl="1"/>
-            <a:r>
-              <a:rPr lang="en-US" dirty="0"/>
-              <a:t>Interfaces in OO</a:t>
-            </a:r>
-          </a:p>
-          <a:p>
-            <a:pPr lvl="1"/>
-            <a:endParaRPr lang="en-US" dirty="0"/>
-          </a:p>
-        </p:txBody>
-      </p:sp>
-      <p:sp>
-        <p:nvSpPr>
-          <p:cNvPr id="4" name="Slide Number Placeholder 3"/>
-          <p:cNvSpPr>
-            <a:spLocks noGrp="1"/>
-          </p:cNvSpPr>
-          <p:nvPr>
-            <p:ph type="sldNum" sz="quarter" idx="12"/>
-          </p:nvPr>
-        </p:nvSpPr>
-        <p:spPr/>
-        <p:txBody>
-          <a:bodyPr/>
-          <a:lstStyle/>
-          <a:p>
-            <a:fld id="{2AF3B5EA-18B6-4040-9F78-6052AF49C681}" type="slidenum">
-              <a:rPr lang="en-US" smtClean="0"/>
-              <a:t>22</a:t>
-            </a:fld>
-            <a:endParaRPr lang="en-US"/>
-          </a:p>
-        </p:txBody>
-      </p:sp>
-    </p:spTree>
-    <p:extLst>
-      <p:ext uri="{BB962C8B-B14F-4D97-AF65-F5344CB8AC3E}">
-        <p14:creationId xmlns:p14="http://schemas.microsoft.com/office/powerpoint/2010/main" val="1160001049"/>
-      </p:ext>
-    </p:extLst>
-  </p:cSld>
-  <p:clrMapOvr>
-    <a:masterClrMapping/>
-  </p:clrMapOvr>
-</p:sld>
-</file>
-
-<file path=ppt/slides/slide23.xml><?xml version="1.0" encoding="utf-8"?>
-<p:sld xmlns:a="http://schemas.openxmlformats.org/drawingml/2006/main" xmlns:r="http://schemas.openxmlformats.org/officeDocument/2006/relationships" xmlns:p="http://schemas.openxmlformats.org/presentationml/2006/main">
-  <p:cSld>
-    <p:spTree>
-      <p:nvGrpSpPr>
-        <p:cNvPr id="1" name=""/>
-        <p:cNvGrpSpPr/>
-        <p:nvPr/>
-      </p:nvGrpSpPr>
-      <p:grpSpPr>
-        <a:xfrm>
-          <a:off x="0" y="0"/>
-          <a:ext cx="0" cy="0"/>
-          <a:chOff x="0" y="0"/>
-          <a:chExt cx="0" cy="0"/>
-        </a:xfrm>
-      </p:grpSpPr>
-      <p:sp>
-        <p:nvSpPr>
-          <p:cNvPr id="2" name="Title 1"/>
-          <p:cNvSpPr>
-            <a:spLocks noGrp="1"/>
-          </p:cNvSpPr>
-          <p:nvPr>
-            <p:ph type="title"/>
-          </p:nvPr>
-        </p:nvSpPr>
-        <p:spPr/>
-        <p:txBody>
-          <a:bodyPr/>
-          <a:lstStyle/>
-          <a:p>
-            <a:r>
-              <a:rPr lang="en-US" dirty="0"/>
-              <a:t>Other important things...</a:t>
-            </a:r>
-          </a:p>
-        </p:txBody>
-      </p:sp>
-      <p:sp>
-        <p:nvSpPr>
-          <p:cNvPr id="3" name="Content Placeholder 2"/>
-          <p:cNvSpPr>
-            <a:spLocks noGrp="1"/>
-          </p:cNvSpPr>
-          <p:nvPr>
-            <p:ph idx="1"/>
-          </p:nvPr>
-        </p:nvSpPr>
-        <p:spPr/>
-        <p:txBody>
-          <a:bodyPr/>
-          <a:lstStyle/>
-          <a:p>
-            <a:endParaRPr lang="en-US"/>
-          </a:p>
-        </p:txBody>
-      </p:sp>
-      <p:sp>
-        <p:nvSpPr>
-          <p:cNvPr id="4" name="Slide Number Placeholder 3"/>
-          <p:cNvSpPr>
-            <a:spLocks noGrp="1"/>
-          </p:cNvSpPr>
-          <p:nvPr>
-            <p:ph type="sldNum" sz="quarter" idx="12"/>
-          </p:nvPr>
-        </p:nvSpPr>
-        <p:spPr/>
-        <p:txBody>
-          <a:bodyPr/>
-          <a:lstStyle/>
-          <a:p>
-            <a:fld id="{2AF3B5EA-18B6-4040-9F78-6052AF49C681}" type="slidenum">
-              <a:rPr lang="en-US" smtClean="0"/>
-              <a:t>23</a:t>
-            </a:fld>
-            <a:endParaRPr lang="en-US"/>
-          </a:p>
-        </p:txBody>
-      </p:sp>
-    </p:spTree>
-    <p:extLst>
-      <p:ext uri="{BB962C8B-B14F-4D97-AF65-F5344CB8AC3E}">
-        <p14:creationId xmlns:p14="http://schemas.microsoft.com/office/powerpoint/2010/main" val="3060145912"/>
-      </p:ext>
-    </p:extLst>
-  </p:cSld>
-  <p:clrMapOvr>
-    <a:masterClrMapping/>
-  </p:clrMapOvr>
-</p:sld>
-</file>
-
-<file path=ppt/slides/slide24.xml><?xml version="1.0" encoding="utf-8"?>
-<p:sld xmlns:a="http://schemas.openxmlformats.org/drawingml/2006/main" xmlns:r="http://schemas.openxmlformats.org/officeDocument/2006/relationships" xmlns:p="http://schemas.openxmlformats.org/presentationml/2006/main">
-  <p:cSld>
-    <p:spTree>
-      <p:nvGrpSpPr>
-        <p:cNvPr id="1" name=""/>
-        <p:cNvGrpSpPr/>
-        <p:nvPr/>
-      </p:nvGrpSpPr>
-      <p:grpSpPr>
-        <a:xfrm>
-          <a:off x="0" y="0"/>
-          <a:ext cx="0" cy="0"/>
-          <a:chOff x="0" y="0"/>
-          <a:chExt cx="0" cy="0"/>
-        </a:xfrm>
-      </p:grpSpPr>
-      <p:sp>
-        <p:nvSpPr>
-          <p:cNvPr id="2" name="Title 1"/>
-          <p:cNvSpPr>
-            <a:spLocks noGrp="1"/>
-          </p:cNvSpPr>
-          <p:nvPr>
-            <p:ph type="title"/>
-          </p:nvPr>
-        </p:nvSpPr>
-        <p:spPr/>
         <p:txBody>
           <a:bodyPr/>
           <a:lstStyle/>
@@ -12229,7 +8152,7 @@
           <a:p>
             <a:fld id="{2AF3B5EA-18B6-4040-9F78-6052AF49C681}" type="slidenum">
               <a:rPr lang="en-US" smtClean="0"/>
-              <a:t>24</a:t>
+              <a:t>17</a:t>
             </a:fld>
             <a:endParaRPr lang="en-US"/>
           </a:p>
@@ -12237,25 +8160,58 @@
       </p:sp>
       <p:sp>
         <p:nvSpPr>
-          <p:cNvPr id="6" name="TextBox 5"/>
-          <p:cNvSpPr txBox="1"/>
+          <p:cNvPr id="8" name="Cloud 7">
+            <a:extLst>
+              <a:ext uri="{FF2B5EF4-FFF2-40B4-BE49-F238E27FC236}">
+                <a16:creationId xmlns:a16="http://schemas.microsoft.com/office/drawing/2014/main" id="{CA382BA7-6265-41DC-B516-2F721C5CD945}"/>
+              </a:ext>
+            </a:extLst>
+          </p:cNvPr>
+          <p:cNvSpPr/>
           <p:nvPr/>
         </p:nvSpPr>
         <p:spPr>
           <a:xfrm>
-            <a:off x="4648200" y="4419600"/>
-            <a:ext cx="3505200" cy="1828800"/>
+            <a:off x="5105400" y="3646808"/>
+            <a:ext cx="3276600" cy="1934210"/>
           </a:xfrm>
-          <a:prstGeom prst="rect">
+          <a:prstGeom prst="cloud">
             <a:avLst/>
           </a:prstGeom>
           <a:solidFill>
-            <a:schemeClr val="accent1">
-              <a:lumMod val="20000"/>
-              <a:lumOff val="80000"/>
-            </a:schemeClr>
+            <a:srgbClr val="FFFF00"/>
           </a:solidFill>
-          <a:ln/>
+          <a:ln>
+            <a:gradFill>
+              <a:gsLst>
+                <a:gs pos="0">
+                  <a:schemeClr val="accent1">
+                    <a:lumMod val="5000"/>
+                    <a:lumOff val="95000"/>
+                  </a:schemeClr>
+                </a:gs>
+                <a:gs pos="74000">
+                  <a:schemeClr val="accent1">
+                    <a:lumMod val="45000"/>
+                    <a:lumOff val="55000"/>
+                  </a:schemeClr>
+                </a:gs>
+                <a:gs pos="83000">
+                  <a:schemeClr val="accent1">
+                    <a:lumMod val="45000"/>
+                    <a:lumOff val="55000"/>
+                  </a:schemeClr>
+                </a:gs>
+                <a:gs pos="100000">
+                  <a:schemeClr val="accent1">
+                    <a:lumMod val="30000"/>
+                    <a:lumOff val="70000"/>
+                  </a:schemeClr>
+                </a:gs>
+              </a:gsLst>
+              <a:lin ang="5400000" scaled="1"/>
+            </a:gradFill>
+          </a:ln>
         </p:spPr>
         <p:style>
           <a:lnRef idx="2">
@@ -12272,7 +8228,7 @@
           </a:fontRef>
         </p:style>
         <p:txBody>
-          <a:bodyPr rot="0" spcFirstLastPara="0" vertOverflow="overflow" horzOverflow="overflow" vert="horz" wrap="square" lIns="91440" tIns="45720" rIns="91440" bIns="45720" numCol="1" spcCol="0" rtlCol="0" fromWordArt="0" anchor="t" anchorCtr="0" forceAA="0" compatLnSpc="1">
+          <a:bodyPr rot="0" spcFirstLastPara="0" vertOverflow="overflow" horzOverflow="overflow" vert="horz" wrap="square" lIns="91440" tIns="45720" rIns="91440" bIns="45720" numCol="1" spcCol="0" rtlCol="0" fromWordArt="0" anchor="ctr" anchorCtr="0" forceAA="0" compatLnSpc="1">
             <a:prstTxWarp prst="textNoShape">
               <a:avLst/>
             </a:prstTxWarp>
@@ -12280,9 +8236,22 @@
           </a:bodyPr>
           <a:lstStyle/>
           <a:p>
+            <a:pPr algn="ctr"/>
             <a:r>
               <a:rPr lang="en-US" dirty="0"/>
-              <a:t>Here is the Function Design Recipe, which has been the heart of this course.  We hope that you will follow it whenever you have a programming task.  It can apply to non-programming tasks, too.</a:t>
+              <a:t>Remember, this is a </a:t>
+            </a:r>
+            <a:r>
+              <a:rPr lang="en-US" i="1" dirty="0">
+                <a:solidFill>
+                  <a:srgbClr val="FF0000"/>
+                </a:solidFill>
+              </a:rPr>
+              <a:t>process</a:t>
+            </a:r>
+            <a:r>
+              <a:rPr lang="en-US" dirty="0"/>
+              <a:t>, not a set of deliverables. </a:t>
             </a:r>
           </a:p>
         </p:txBody>
@@ -12300,7 +8269,7 @@
 </p:sld>
 </file>
 
-<file path=ppt/slides/slide25.xml><?xml version="1.0" encoding="utf-8"?>
+<file path=ppt/slides/slide18.xml><?xml version="1.0" encoding="utf-8"?>
 <p:sld xmlns:a="http://schemas.openxmlformats.org/drawingml/2006/main" xmlns:r="http://schemas.openxmlformats.org/officeDocument/2006/relationships" xmlns:p="http://schemas.openxmlformats.org/presentationml/2006/main">
   <p:cSld>
     <p:spTree>
@@ -12327,77 +8296,29 @@
             <p:ph type="title"/>
           </p:nvPr>
         </p:nvSpPr>
-        <p:spPr/>
-        <p:txBody>
-          <a:bodyPr>
-            <a:normAutofit/>
+        <p:spPr>
+          <a:ln w="25400">
+            <a:solidFill>
+              <a:schemeClr val="accent1"/>
+            </a:solidFill>
+          </a:ln>
+        </p:spPr>
+        <p:txBody>
+          <a:bodyPr vert="horz" lIns="91440" tIns="45720" rIns="91440" bIns="45720" rtlCol="0" anchor="ctr">
+            <a:normAutofit fontScale="90000"/>
           </a:bodyPr>
           <a:lstStyle/>
           <a:p>
             <a:r>
               <a:rPr lang="en-US" dirty="0"/>
-              <a:t>Don't Repeat Yourself</a:t>
-            </a:r>
-          </a:p>
-        </p:txBody>
-      </p:sp>
-      <p:sp>
-        <p:nvSpPr>
-          <p:cNvPr id="3" name="Content Placeholder 2"/>
-          <p:cNvSpPr>
-            <a:spLocks noGrp="1"/>
-          </p:cNvSpPr>
-          <p:nvPr>
-            <p:ph idx="1"/>
-          </p:nvPr>
-        </p:nvSpPr>
-        <p:spPr/>
-        <p:txBody>
-          <a:bodyPr>
-            <a:normAutofit fontScale="92500" lnSpcReduction="20000"/>
-          </a:bodyPr>
-          <a:lstStyle/>
-          <a:p>
-            <a:r>
-              <a:rPr lang="en-US" dirty="0"/>
-              <a:t>Introduce a generalization whenever you start to duplicate code.</a:t>
-            </a:r>
-          </a:p>
-          <a:p>
-            <a:pPr lvl="1"/>
-            <a:r>
-              <a:rPr lang="en-US" dirty="0"/>
-              <a:t>Any time you copy &amp; paste, look for a pattern.</a:t>
-            </a:r>
-          </a:p>
-          <a:p>
-            <a:pPr lvl="1"/>
-            <a:r>
-              <a:rPr lang="en-US" dirty="0"/>
-              <a:t>One is an exception; two is a coincidence; three is a pattern.</a:t>
-            </a:r>
-          </a:p>
-          <a:p>
-            <a:r>
-              <a:rPr lang="en-US" dirty="0"/>
-              <a:t>But don't generalize until you know what the pattern is.</a:t>
-            </a:r>
-          </a:p>
-          <a:p>
-            <a:pPr lvl="1"/>
-            <a:r>
-              <a:rPr lang="en-US" dirty="0"/>
-              <a:t>It's OK to copy &amp; paste for a while until you see the pattern.   But be sure to replace them all with good generalizations.  Your testers and maintainers will thank you.</a:t>
-            </a:r>
-          </a:p>
-          <a:p>
-            <a:endParaRPr lang="en-US" dirty="0"/>
-          </a:p>
-        </p:txBody>
-      </p:sp>
-      <p:sp>
-        <p:nvSpPr>
-          <p:cNvPr id="5" name="Slide Number Placeholder 4"/>
+              <a:t>The Shape of the Program Follows the Shape of the Data</a:t>
+            </a:r>
+          </a:p>
+        </p:txBody>
+      </p:sp>
+      <p:sp>
+        <p:nvSpPr>
+          <p:cNvPr id="4" name="Slide Number Placeholder 3"/>
           <p:cNvSpPr>
             <a:spLocks noGrp="1"/>
           </p:cNvSpPr>
@@ -12410,19 +8331,722 @@
           <a:bodyPr/>
           <a:lstStyle/>
           <a:p>
-            <a:fld id="{B6F15528-21DE-4FAA-801E-634DDDAF4B2B}" type="slidenum">
+            <a:fld id="{8D704B19-8EED-495A-99FA-12E5518CCC54}" type="slidenum">
               <a:rPr lang="en-US" smtClean="0"/>
               <a:pPr/>
-              <a:t>25</a:t>
+              <a:t>18</a:t>
             </a:fld>
             <a:endParaRPr lang="en-US"/>
           </a:p>
         </p:txBody>
       </p:sp>
+      <p:sp>
+        <p:nvSpPr>
+          <p:cNvPr id="27" name="TextBox 26"/>
+          <p:cNvSpPr txBox="1"/>
+          <p:nvPr/>
+        </p:nvSpPr>
+        <p:spPr>
+          <a:xfrm>
+            <a:off x="1295400" y="4648200"/>
+            <a:ext cx="2209800" cy="1477328"/>
+          </a:xfrm>
+          <a:prstGeom prst="rect">
+            <a:avLst/>
+          </a:prstGeom>
+          <a:solidFill>
+            <a:schemeClr val="accent1">
+              <a:lumMod val="20000"/>
+              <a:lumOff val="80000"/>
+            </a:schemeClr>
+          </a:solidFill>
+        </p:spPr>
+        <p:txBody>
+          <a:bodyPr wrap="square" rtlCol="0">
+            <a:spAutoFit/>
+          </a:bodyPr>
+          <a:lstStyle/>
+          <a:p>
+            <a:r>
+              <a:rPr lang="en-US" dirty="0"/>
+              <a:t>Data Hierarchy (a </a:t>
+            </a:r>
+            <a:r>
+              <a:rPr lang="en-US" b="1" dirty="0" err="1"/>
+              <a:t>BinTree</a:t>
+            </a:r>
+            <a:r>
+              <a:rPr lang="en-US" dirty="0"/>
+              <a:t> is either leaf data or has two components which are </a:t>
+            </a:r>
+            <a:r>
+              <a:rPr lang="en-US" b="1" dirty="0" err="1"/>
+              <a:t>BinTrees</a:t>
+            </a:r>
+            <a:endParaRPr lang="en-US" b="1" dirty="0"/>
+          </a:p>
+        </p:txBody>
+      </p:sp>
+      <p:sp>
+        <p:nvSpPr>
+          <p:cNvPr id="28" name="TextBox 27"/>
+          <p:cNvSpPr txBox="1"/>
+          <p:nvPr/>
+        </p:nvSpPr>
+        <p:spPr>
+          <a:xfrm flipH="1">
+            <a:off x="5225315" y="4966078"/>
+            <a:ext cx="2057400" cy="1477328"/>
+          </a:xfrm>
+          <a:prstGeom prst="rect">
+            <a:avLst/>
+          </a:prstGeom>
+          <a:solidFill>
+            <a:schemeClr val="accent1">
+              <a:lumMod val="20000"/>
+              <a:lumOff val="80000"/>
+            </a:schemeClr>
+          </a:solidFill>
+        </p:spPr>
+        <p:txBody>
+          <a:bodyPr wrap="square" rtlCol="0">
+            <a:spAutoFit/>
+          </a:bodyPr>
+          <a:lstStyle/>
+          <a:p>
+            <a:r>
+              <a:rPr lang="en-US" dirty="0"/>
+              <a:t>Call Tree (</a:t>
+            </a:r>
+            <a:r>
+              <a:rPr lang="en-US" b="1" dirty="0"/>
+              <a:t>tree-</a:t>
+            </a:r>
+            <a:r>
+              <a:rPr lang="en-US" b="1" dirty="0" err="1"/>
+              <a:t>fn</a:t>
+            </a:r>
+            <a:r>
+              <a:rPr lang="en-US" b="1" dirty="0"/>
+              <a:t> </a:t>
+            </a:r>
+            <a:r>
+              <a:rPr lang="en-US" dirty="0"/>
+              <a:t>either calls a function on the leaf data, or it</a:t>
+            </a:r>
+            <a:r>
+              <a:rPr lang="en-US" b="1" dirty="0"/>
+              <a:t> </a:t>
+            </a:r>
+            <a:r>
+              <a:rPr lang="en-US" dirty="0"/>
+              <a:t>calls itself twice.) </a:t>
+            </a:r>
+          </a:p>
+        </p:txBody>
+      </p:sp>
+      <p:grpSp>
+        <p:nvGrpSpPr>
+          <p:cNvPr id="10" name="Group 9"/>
+          <p:cNvGrpSpPr/>
+          <p:nvPr/>
+        </p:nvGrpSpPr>
+        <p:grpSpPr>
+          <a:xfrm>
+            <a:off x="633964" y="1880025"/>
+            <a:ext cx="3776069" cy="2628696"/>
+            <a:chOff x="633964" y="1880025"/>
+            <a:chExt cx="3776069" cy="2628696"/>
+          </a:xfrm>
+        </p:grpSpPr>
+        <p:sp>
+          <p:nvSpPr>
+            <p:cNvPr id="9" name="Arc 8"/>
+            <p:cNvSpPr/>
+            <p:nvPr/>
+          </p:nvSpPr>
+          <p:spPr>
+            <a:xfrm rot="8189719">
+              <a:off x="2154808" y="1880025"/>
+              <a:ext cx="1954498" cy="1878750"/>
+            </a:xfrm>
+            <a:prstGeom prst="arc">
+              <a:avLst>
+                <a:gd name="adj1" fmla="val 4110541"/>
+                <a:gd name="adj2" fmla="val 1237007"/>
+              </a:avLst>
+            </a:prstGeom>
+            <a:ln w="25400">
+              <a:solidFill>
+                <a:schemeClr val="tx1"/>
+              </a:solidFill>
+              <a:tailEnd type="triangle" w="lg" len="lg"/>
+            </a:ln>
+          </p:spPr>
+          <p:style>
+            <a:lnRef idx="1">
+              <a:schemeClr val="accent1"/>
+            </a:lnRef>
+            <a:fillRef idx="0">
+              <a:schemeClr val="accent1"/>
+            </a:fillRef>
+            <a:effectRef idx="0">
+              <a:schemeClr val="accent1"/>
+            </a:effectRef>
+            <a:fontRef idx="minor">
+              <a:schemeClr val="tx1"/>
+            </a:fontRef>
+          </p:style>
+          <p:txBody>
+            <a:bodyPr rtlCol="0" anchor="ctr"/>
+            <a:lstStyle/>
+            <a:p>
+              <a:pPr algn="ctr"/>
+              <a:endParaRPr lang="en-US" dirty="0"/>
+            </a:p>
+          </p:txBody>
+        </p:sp>
+        <p:sp>
+          <p:nvSpPr>
+            <p:cNvPr id="3" name="TextBox 2"/>
+            <p:cNvSpPr txBox="1"/>
+            <p:nvPr/>
+          </p:nvSpPr>
+          <p:spPr>
+            <a:xfrm>
+              <a:off x="2562183" y="2628660"/>
+              <a:ext cx="1847850" cy="369332"/>
+            </a:xfrm>
+            <a:prstGeom prst="rect">
+              <a:avLst/>
+            </a:prstGeom>
+            <a:noFill/>
+          </p:spPr>
+          <p:txBody>
+            <a:bodyPr wrap="square" rtlCol="0">
+              <a:spAutoFit/>
+            </a:bodyPr>
+            <a:lstStyle/>
+            <a:p>
+              <a:r>
+                <a:rPr lang="en-US" dirty="0"/>
+                <a:t>is-component-of</a:t>
+              </a:r>
+            </a:p>
+          </p:txBody>
+        </p:sp>
+        <p:sp>
+          <p:nvSpPr>
+            <p:cNvPr id="25" name="Rectangle 24"/>
+            <p:cNvSpPr/>
+            <p:nvPr/>
+          </p:nvSpPr>
+          <p:spPr>
+            <a:xfrm>
+              <a:off x="1357865" y="2421200"/>
+              <a:ext cx="1143000" cy="762000"/>
+            </a:xfrm>
+            <a:prstGeom prst="rect">
+              <a:avLst/>
+            </a:prstGeom>
+          </p:spPr>
+          <p:style>
+            <a:lnRef idx="2">
+              <a:schemeClr val="dk1"/>
+            </a:lnRef>
+            <a:fillRef idx="1">
+              <a:schemeClr val="lt1"/>
+            </a:fillRef>
+            <a:effectRef idx="0">
+              <a:schemeClr val="dk1"/>
+            </a:effectRef>
+            <a:fontRef idx="minor">
+              <a:schemeClr val="dk1"/>
+            </a:fontRef>
+          </p:style>
+          <p:txBody>
+            <a:bodyPr rtlCol="0" anchor="ctr"/>
+            <a:lstStyle/>
+            <a:p>
+              <a:pPr algn="ctr"/>
+              <a:r>
+                <a:rPr lang="en-US" dirty="0" err="1"/>
+                <a:t>BinTree</a:t>
+              </a:r>
+              <a:endParaRPr lang="en-US" dirty="0"/>
+            </a:p>
+          </p:txBody>
+        </p:sp>
+        <p:sp>
+          <p:nvSpPr>
+            <p:cNvPr id="26" name="Rectangle 25"/>
+            <p:cNvSpPr/>
+            <p:nvPr/>
+          </p:nvSpPr>
+          <p:spPr>
+            <a:xfrm>
+              <a:off x="633964" y="3746721"/>
+              <a:ext cx="1231267" cy="762000"/>
+            </a:xfrm>
+            <a:prstGeom prst="rect">
+              <a:avLst/>
+            </a:prstGeom>
+          </p:spPr>
+          <p:style>
+            <a:lnRef idx="2">
+              <a:schemeClr val="dk1"/>
+            </a:lnRef>
+            <a:fillRef idx="1">
+              <a:schemeClr val="lt1"/>
+            </a:fillRef>
+            <a:effectRef idx="0">
+              <a:schemeClr val="dk1"/>
+            </a:effectRef>
+            <a:fontRef idx="minor">
+              <a:schemeClr val="dk1"/>
+            </a:fontRef>
+          </p:style>
+          <p:txBody>
+            <a:bodyPr rtlCol="0" anchor="ctr"/>
+            <a:lstStyle/>
+            <a:p>
+              <a:pPr algn="ctr"/>
+              <a:r>
+                <a:rPr lang="en-US" dirty="0"/>
+                <a:t>leaf data</a:t>
+              </a:r>
+            </a:p>
+          </p:txBody>
+        </p:sp>
+        <p:cxnSp>
+          <p:nvCxnSpPr>
+            <p:cNvPr id="12" name="Straight Arrow Connector 11"/>
+            <p:cNvCxnSpPr>
+              <a:stCxn id="26" idx="0"/>
+            </p:cNvCxnSpPr>
+            <p:nvPr/>
+          </p:nvCxnSpPr>
+          <p:spPr>
+            <a:xfrm flipV="1">
+              <a:off x="1249598" y="3199126"/>
+              <a:ext cx="444184" cy="547595"/>
+            </a:xfrm>
+            <a:prstGeom prst="straightConnector1">
+              <a:avLst/>
+            </a:prstGeom>
+            <a:ln w="25400">
+              <a:solidFill>
+                <a:schemeClr val="tx1"/>
+              </a:solidFill>
+              <a:tailEnd type="triangle" w="lg" len="lg"/>
+            </a:ln>
+          </p:spPr>
+          <p:style>
+            <a:lnRef idx="1">
+              <a:schemeClr val="accent1"/>
+            </a:lnRef>
+            <a:fillRef idx="0">
+              <a:schemeClr val="accent1"/>
+            </a:fillRef>
+            <a:effectRef idx="0">
+              <a:schemeClr val="accent1"/>
+            </a:effectRef>
+            <a:fontRef idx="minor">
+              <a:schemeClr val="tx1"/>
+            </a:fontRef>
+          </p:style>
+        </p:cxnSp>
+        <p:sp>
+          <p:nvSpPr>
+            <p:cNvPr id="5" name="Arc 4"/>
+            <p:cNvSpPr/>
+            <p:nvPr/>
+          </p:nvSpPr>
+          <p:spPr>
+            <a:xfrm rot="7864736">
+              <a:off x="1467090" y="2588357"/>
+              <a:ext cx="914400" cy="914400"/>
+            </a:xfrm>
+            <a:prstGeom prst="arc">
+              <a:avLst/>
+            </a:prstGeom>
+          </p:spPr>
+          <p:style>
+            <a:lnRef idx="1">
+              <a:schemeClr val="accent1"/>
+            </a:lnRef>
+            <a:fillRef idx="0">
+              <a:schemeClr val="accent1"/>
+            </a:fillRef>
+            <a:effectRef idx="0">
+              <a:schemeClr val="accent1"/>
+            </a:effectRef>
+            <a:fontRef idx="minor">
+              <a:schemeClr val="tx1"/>
+            </a:fontRef>
+          </p:style>
+          <p:txBody>
+            <a:bodyPr rtlCol="0" anchor="ctr"/>
+            <a:lstStyle/>
+            <a:p>
+              <a:pPr algn="ctr"/>
+              <a:endParaRPr lang="en-US"/>
+            </a:p>
+          </p:txBody>
+        </p:sp>
+        <p:sp>
+          <p:nvSpPr>
+            <p:cNvPr id="33" name="Arc 32"/>
+            <p:cNvSpPr/>
+            <p:nvPr/>
+          </p:nvSpPr>
+          <p:spPr>
+            <a:xfrm rot="8092935">
+              <a:off x="2327214" y="2041014"/>
+              <a:ext cx="1625114" cy="1562132"/>
+            </a:xfrm>
+            <a:prstGeom prst="arc">
+              <a:avLst>
+                <a:gd name="adj1" fmla="val 4507461"/>
+                <a:gd name="adj2" fmla="val 1128072"/>
+              </a:avLst>
+            </a:prstGeom>
+            <a:ln w="25400">
+              <a:solidFill>
+                <a:schemeClr val="tx1"/>
+              </a:solidFill>
+              <a:tailEnd type="triangle" w="lg" len="lg"/>
+            </a:ln>
+          </p:spPr>
+          <p:style>
+            <a:lnRef idx="1">
+              <a:schemeClr val="accent1"/>
+            </a:lnRef>
+            <a:fillRef idx="0">
+              <a:schemeClr val="accent1"/>
+            </a:fillRef>
+            <a:effectRef idx="0">
+              <a:schemeClr val="accent1"/>
+            </a:effectRef>
+            <a:fontRef idx="minor">
+              <a:schemeClr val="tx1"/>
+            </a:fontRef>
+          </p:style>
+          <p:txBody>
+            <a:bodyPr rtlCol="0" anchor="ctr"/>
+            <a:lstStyle/>
+            <a:p>
+              <a:pPr algn="ctr"/>
+              <a:endParaRPr lang="en-US" dirty="0"/>
+            </a:p>
+          </p:txBody>
+        </p:sp>
+      </p:grpSp>
+      <p:grpSp>
+        <p:nvGrpSpPr>
+          <p:cNvPr id="34" name="Group 33"/>
+          <p:cNvGrpSpPr/>
+          <p:nvPr/>
+        </p:nvGrpSpPr>
+        <p:grpSpPr>
+          <a:xfrm>
+            <a:off x="4764486" y="1880025"/>
+            <a:ext cx="3475342" cy="2628696"/>
+            <a:chOff x="633964" y="1880025"/>
+            <a:chExt cx="3475342" cy="2628696"/>
+          </a:xfrm>
+        </p:grpSpPr>
+        <p:sp>
+          <p:nvSpPr>
+            <p:cNvPr id="35" name="Arc 34"/>
+            <p:cNvSpPr/>
+            <p:nvPr/>
+          </p:nvSpPr>
+          <p:spPr>
+            <a:xfrm rot="8189719">
+              <a:off x="2154808" y="1880025"/>
+              <a:ext cx="1954498" cy="1878750"/>
+            </a:xfrm>
+            <a:prstGeom prst="arc">
+              <a:avLst>
+                <a:gd name="adj1" fmla="val 4110541"/>
+                <a:gd name="adj2" fmla="val 1237007"/>
+              </a:avLst>
+            </a:prstGeom>
+            <a:ln w="25400">
+              <a:solidFill>
+                <a:schemeClr val="tx1"/>
+              </a:solidFill>
+              <a:tailEnd type="triangle" w="lg" len="lg"/>
+            </a:ln>
+          </p:spPr>
+          <p:style>
+            <a:lnRef idx="1">
+              <a:schemeClr val="accent1"/>
+            </a:lnRef>
+            <a:fillRef idx="0">
+              <a:schemeClr val="accent1"/>
+            </a:fillRef>
+            <a:effectRef idx="0">
+              <a:schemeClr val="accent1"/>
+            </a:effectRef>
+            <a:fontRef idx="minor">
+              <a:schemeClr val="tx1"/>
+            </a:fontRef>
+          </p:style>
+          <p:txBody>
+            <a:bodyPr rtlCol="0" anchor="ctr"/>
+            <a:lstStyle/>
+            <a:p>
+              <a:pPr algn="ctr"/>
+              <a:endParaRPr lang="en-US" dirty="0"/>
+            </a:p>
+          </p:txBody>
+        </p:sp>
+        <p:sp>
+          <p:nvSpPr>
+            <p:cNvPr id="36" name="TextBox 35"/>
+            <p:cNvSpPr txBox="1"/>
+            <p:nvPr/>
+          </p:nvSpPr>
+          <p:spPr>
+            <a:xfrm>
+              <a:off x="2849455" y="2588376"/>
+              <a:ext cx="590010" cy="369332"/>
+            </a:xfrm>
+            <a:prstGeom prst="rect">
+              <a:avLst/>
+            </a:prstGeom>
+            <a:noFill/>
+          </p:spPr>
+          <p:txBody>
+            <a:bodyPr wrap="square" rtlCol="0">
+              <a:spAutoFit/>
+            </a:bodyPr>
+            <a:lstStyle/>
+            <a:p>
+              <a:r>
+                <a:rPr lang="en-US" dirty="0"/>
+                <a:t>calls</a:t>
+              </a:r>
+            </a:p>
+          </p:txBody>
+        </p:sp>
+        <p:sp>
+          <p:nvSpPr>
+            <p:cNvPr id="41" name="Rectangle 40"/>
+            <p:cNvSpPr/>
+            <p:nvPr/>
+          </p:nvSpPr>
+          <p:spPr>
+            <a:xfrm>
+              <a:off x="1357865" y="2421200"/>
+              <a:ext cx="1143000" cy="762000"/>
+            </a:xfrm>
+            <a:prstGeom prst="rect">
+              <a:avLst/>
+            </a:prstGeom>
+          </p:spPr>
+          <p:style>
+            <a:lnRef idx="2">
+              <a:schemeClr val="dk1"/>
+            </a:lnRef>
+            <a:fillRef idx="1">
+              <a:schemeClr val="lt1"/>
+            </a:fillRef>
+            <a:effectRef idx="0">
+              <a:schemeClr val="dk1"/>
+            </a:effectRef>
+            <a:fontRef idx="minor">
+              <a:schemeClr val="dk1"/>
+            </a:fontRef>
+          </p:style>
+          <p:txBody>
+            <a:bodyPr rtlCol="0" anchor="ctr"/>
+            <a:lstStyle/>
+            <a:p>
+              <a:pPr algn="ctr"/>
+              <a:r>
+                <a:rPr lang="en-US" dirty="0"/>
+                <a:t>tree-</a:t>
+              </a:r>
+              <a:r>
+                <a:rPr lang="en-US" dirty="0" err="1"/>
+                <a:t>fn</a:t>
+              </a:r>
+              <a:endParaRPr lang="en-US" dirty="0"/>
+            </a:p>
+          </p:txBody>
+        </p:sp>
+        <p:sp>
+          <p:nvSpPr>
+            <p:cNvPr id="42" name="Rectangle 41"/>
+            <p:cNvSpPr/>
+            <p:nvPr/>
+          </p:nvSpPr>
+          <p:spPr>
+            <a:xfrm>
+              <a:off x="633964" y="3746721"/>
+              <a:ext cx="1231267" cy="762000"/>
+            </a:xfrm>
+            <a:prstGeom prst="rect">
+              <a:avLst/>
+            </a:prstGeom>
+          </p:spPr>
+          <p:style>
+            <a:lnRef idx="2">
+              <a:schemeClr val="dk1"/>
+            </a:lnRef>
+            <a:fillRef idx="1">
+              <a:schemeClr val="lt1"/>
+            </a:fillRef>
+            <a:effectRef idx="0">
+              <a:schemeClr val="dk1"/>
+            </a:effectRef>
+            <a:fontRef idx="minor">
+              <a:schemeClr val="dk1"/>
+            </a:fontRef>
+          </p:style>
+          <p:txBody>
+            <a:bodyPr rtlCol="0" anchor="ctr"/>
+            <a:lstStyle/>
+            <a:p>
+              <a:pPr algn="ctr"/>
+              <a:r>
+                <a:rPr lang="en-US" dirty="0"/>
+                <a:t>leaf data function</a:t>
+              </a:r>
+            </a:p>
+          </p:txBody>
+        </p:sp>
+        <p:cxnSp>
+          <p:nvCxnSpPr>
+            <p:cNvPr id="43" name="Straight Arrow Connector 42"/>
+            <p:cNvCxnSpPr>
+              <a:stCxn id="42" idx="0"/>
+            </p:cNvCxnSpPr>
+            <p:nvPr/>
+          </p:nvCxnSpPr>
+          <p:spPr>
+            <a:xfrm flipV="1">
+              <a:off x="1249598" y="3199126"/>
+              <a:ext cx="444184" cy="547595"/>
+            </a:xfrm>
+            <a:prstGeom prst="straightConnector1">
+              <a:avLst/>
+            </a:prstGeom>
+            <a:ln w="25400">
+              <a:solidFill>
+                <a:schemeClr val="tx1"/>
+              </a:solidFill>
+              <a:tailEnd type="triangle" w="lg" len="lg"/>
+            </a:ln>
+          </p:spPr>
+          <p:style>
+            <a:lnRef idx="1">
+              <a:schemeClr val="accent1"/>
+            </a:lnRef>
+            <a:fillRef idx="0">
+              <a:schemeClr val="accent1"/>
+            </a:fillRef>
+            <a:effectRef idx="0">
+              <a:schemeClr val="accent1"/>
+            </a:effectRef>
+            <a:fontRef idx="minor">
+              <a:schemeClr val="tx1"/>
+            </a:fontRef>
+          </p:style>
+        </p:cxnSp>
+        <p:sp>
+          <p:nvSpPr>
+            <p:cNvPr id="44" name="Arc 43"/>
+            <p:cNvSpPr/>
+            <p:nvPr/>
+          </p:nvSpPr>
+          <p:spPr>
+            <a:xfrm rot="7864736">
+              <a:off x="1467090" y="2588357"/>
+              <a:ext cx="914400" cy="914400"/>
+            </a:xfrm>
+            <a:prstGeom prst="arc">
+              <a:avLst/>
+            </a:prstGeom>
+          </p:spPr>
+          <p:style>
+            <a:lnRef idx="1">
+              <a:schemeClr val="accent1"/>
+            </a:lnRef>
+            <a:fillRef idx="0">
+              <a:schemeClr val="accent1"/>
+            </a:fillRef>
+            <a:effectRef idx="0">
+              <a:schemeClr val="accent1"/>
+            </a:effectRef>
+            <a:fontRef idx="minor">
+              <a:schemeClr val="tx1"/>
+            </a:fontRef>
+          </p:style>
+          <p:txBody>
+            <a:bodyPr rtlCol="0" anchor="ctr"/>
+            <a:lstStyle/>
+            <a:p>
+              <a:pPr algn="ctr"/>
+              <a:endParaRPr lang="en-US"/>
+            </a:p>
+          </p:txBody>
+        </p:sp>
+        <p:sp>
+          <p:nvSpPr>
+            <p:cNvPr id="45" name="Arc 44"/>
+            <p:cNvSpPr/>
+            <p:nvPr/>
+          </p:nvSpPr>
+          <p:spPr>
+            <a:xfrm rot="8092935">
+              <a:off x="2327214" y="2041014"/>
+              <a:ext cx="1625114" cy="1562132"/>
+            </a:xfrm>
+            <a:prstGeom prst="arc">
+              <a:avLst>
+                <a:gd name="adj1" fmla="val 4507461"/>
+                <a:gd name="adj2" fmla="val 1128072"/>
+              </a:avLst>
+            </a:prstGeom>
+            <a:ln w="25400">
+              <a:solidFill>
+                <a:schemeClr val="tx1"/>
+              </a:solidFill>
+              <a:tailEnd type="triangle" w="lg" len="lg"/>
+            </a:ln>
+          </p:spPr>
+          <p:style>
+            <a:lnRef idx="1">
+              <a:schemeClr val="accent1"/>
+            </a:lnRef>
+            <a:fillRef idx="0">
+              <a:schemeClr val="accent1"/>
+            </a:fillRef>
+            <a:effectRef idx="0">
+              <a:schemeClr val="accent1"/>
+            </a:effectRef>
+            <a:fontRef idx="minor">
+              <a:schemeClr val="tx1"/>
+            </a:fontRef>
+          </p:style>
+          <p:txBody>
+            <a:bodyPr rtlCol="0" anchor="ctr"/>
+            <a:lstStyle/>
+            <a:p>
+              <a:pPr algn="ctr"/>
+              <a:endParaRPr lang="en-US" dirty="0"/>
+            </a:p>
+          </p:txBody>
+        </p:sp>
+      </p:grpSp>
     </p:spTree>
     <p:extLst>
       <p:ext uri="{BB962C8B-B14F-4D97-AF65-F5344CB8AC3E}">
-        <p14:creationId xmlns:p14="http://schemas.microsoft.com/office/powerpoint/2010/main" val="3301069967"/>
+        <p14:creationId xmlns:p14="http://schemas.microsoft.com/office/powerpoint/2010/main" val="2793727778"/>
       </p:ext>
     </p:extLst>
   </p:cSld>
@@ -12432,7 +9056,7 @@
 </p:sld>
 </file>
 
-<file path=ppt/slides/slide26.xml><?xml version="1.0" encoding="utf-8"?>
+<file path=ppt/slides/slide19.xml><?xml version="1.0" encoding="utf-8"?>
 <p:sld xmlns:a="http://schemas.openxmlformats.org/drawingml/2006/main" xmlns:r="http://schemas.openxmlformats.org/officeDocument/2006/relationships" xmlns:p="http://schemas.openxmlformats.org/presentationml/2006/main">
   <p:cSld>
     <p:spTree>
@@ -12461,12 +9085,14 @@
         </p:nvSpPr>
         <p:spPr/>
         <p:txBody>
-          <a:bodyPr/>
+          <a:bodyPr>
+            <a:normAutofit fontScale="90000"/>
+          </a:bodyPr>
           <a:lstStyle/>
           <a:p>
             <a:r>
               <a:rPr lang="en-US" dirty="0"/>
-              <a:t>Don't Reinvent the Wheel</a:t>
+              <a:t>Design one function/method per task</a:t>
             </a:r>
           </a:p>
         </p:txBody>
@@ -12490,14 +9116,32 @@
           <a:p>
             <a:r>
               <a:rPr lang="en-US" dirty="0"/>
-              <a:t>Use other people’s code, libraries, etc. whenever possible (and legal).</a:t>
+              <a:t>Small is good.  Period.</a:t>
             </a:r>
           </a:p>
           <a:p>
             <a:r>
               <a:rPr lang="en-US" dirty="0"/>
-              <a:t>You aren’t (or shouldn’t be) paid by the line!</a:t>
-            </a:r>
+              <a:t>Big is bad.  Period.</a:t>
+            </a:r>
+          </a:p>
+          <a:p>
+            <a:r>
+              <a:rPr lang="en-US" dirty="0"/>
+              <a:t>If you have complicated junk in your function, you must have put it there for a reason.  Turn it into a separate function so you can test it.</a:t>
+            </a:r>
+          </a:p>
+          <a:p>
+            <a:r>
+              <a:rPr lang="en-US" dirty="0">
+                <a:cs typeface="Consolas" panose="020B0609020204030204" pitchFamily="49" charset="0"/>
+              </a:rPr>
+              <a:t>If you can’t think of a good name for your help function, then you are probably doing it wrong.</a:t>
+            </a:r>
+          </a:p>
+          <a:p>
+            <a:pPr lvl="1"/>
+            <a:endParaRPr lang="en-US" dirty="0"/>
           </a:p>
         </p:txBody>
       </p:sp>
@@ -12519,7 +9163,7 @@
             <a:fld id="{B6F15528-21DE-4FAA-801E-634DDDAF4B2B}" type="slidenum">
               <a:rPr lang="en-US" smtClean="0"/>
               <a:pPr/>
-              <a:t>26</a:t>
+              <a:t>19</a:t>
             </a:fld>
             <a:endParaRPr lang="en-US"/>
           </a:p>
@@ -12533,7 +9177,7 @@
 </p:sld>
 </file>
 
-<file path=ppt/slides/slide27.xml><?xml version="1.0" encoding="utf-8"?>
+<file path=ppt/slides/slide2.xml><?xml version="1.0" encoding="utf-8"?>
 <p:sld xmlns:a="http://schemas.openxmlformats.org/drawingml/2006/main" xmlns:r="http://schemas.openxmlformats.org/officeDocument/2006/relationships" xmlns:p="http://schemas.openxmlformats.org/presentationml/2006/main">
   <p:cSld>
     <p:spTree>
@@ -12550,112 +9194,182 @@
           <a:chExt cx="0" cy="0"/>
         </a:xfrm>
       </p:grpSpPr>
-      <p:sp>
-        <p:nvSpPr>
-          <p:cNvPr id="2" name="Title 1"/>
-          <p:cNvSpPr>
-            <a:spLocks noGrp="1"/>
-          </p:cNvSpPr>
-          <p:nvPr>
-            <p:ph type="title"/>
-          </p:nvPr>
-        </p:nvSpPr>
-        <p:spPr/>
-        <p:style>
-          <a:lnRef idx="2">
-            <a:schemeClr val="accent1"/>
-          </a:lnRef>
-          <a:fillRef idx="1">
-            <a:schemeClr val="lt1"/>
-          </a:fillRef>
-          <a:effectRef idx="0">
-            <a:schemeClr val="accent1"/>
-          </a:effectRef>
-          <a:fontRef idx="minor">
-            <a:schemeClr val="dk1"/>
-          </a:fontRef>
-        </p:style>
-        <p:txBody>
-          <a:bodyPr/>
-          <a:lstStyle/>
-          <a:p>
-            <a:r>
-              <a:rPr lang="en-US" dirty="0"/>
-              <a:t>Design Systems Iteratively</a:t>
-            </a:r>
-          </a:p>
-        </p:txBody>
-      </p:sp>
-      <p:sp>
-        <p:nvSpPr>
-          <p:cNvPr id="3" name="Content Placeholder 2"/>
-          <p:cNvSpPr>
-            <a:spLocks noGrp="1"/>
-          </p:cNvSpPr>
+      <p:graphicFrame>
+        <p:nvGraphicFramePr>
+          <p:cNvPr id="4" name="Content Placeholder 3"/>
+          <p:cNvGraphicFramePr>
+            <a:graphicFrameLocks noGrp="1"/>
+          </p:cNvGraphicFramePr>
           <p:nvPr>
             <p:ph idx="1"/>
-          </p:nvPr>
-        </p:nvSpPr>
-        <p:spPr/>
-        <p:txBody>
-          <a:bodyPr>
-            <a:normAutofit fontScale="92500" lnSpcReduction="10000"/>
-          </a:bodyPr>
-          <a:lstStyle/>
-          <a:p>
-            <a:r>
-              <a:rPr lang="en-US" dirty="0"/>
-              <a:t>Most real problems are too complex to model at once.</a:t>
-            </a:r>
-          </a:p>
-          <a:p>
-            <a:pPr lvl="1"/>
-            <a:r>
-              <a:rPr lang="en-US" dirty="0"/>
-              <a:t>Pick important pieces of information, design data, write functions, &amp; repeat.</a:t>
-            </a:r>
-          </a:p>
-          <a:p>
-            <a:r>
-              <a:rPr lang="en-US" dirty="0"/>
-              <a:t>Most real problems require too much functionality</a:t>
-            </a:r>
-          </a:p>
-          <a:p>
-            <a:pPr lvl="1"/>
-            <a:r>
-              <a:rPr lang="en-US" dirty="0"/>
-              <a:t>Pick important functions, design, repeat.</a:t>
-            </a:r>
-          </a:p>
-          <a:p>
-            <a:pPr lvl="1"/>
-            <a:r>
-              <a:rPr lang="en-US" dirty="0"/>
-              <a:t>New functionality may require new data designs.</a:t>
-            </a:r>
-          </a:p>
-          <a:p>
-            <a:pPr lvl="2"/>
-            <a:r>
-              <a:rPr lang="en-US" dirty="0"/>
-              <a:t>But can reuse purpose statements, (some) tests, contracts.</a:t>
-            </a:r>
-          </a:p>
-          <a:p>
-            <a:pPr>
-              <a:buNone/>
-            </a:pPr>
-            <a:r>
-              <a:rPr lang="en-US" dirty="0"/>
-              <a:t>		</a:t>
-            </a:r>
-          </a:p>
-        </p:txBody>
-      </p:sp>
-      <p:sp>
-        <p:nvSpPr>
-          <p:cNvPr id="5" name="Slide Number Placeholder 4"/>
+            <p:extLst/>
+          </p:nvPr>
+        </p:nvGraphicFramePr>
+        <p:xfrm>
+          <a:off x="228600" y="914400"/>
+          <a:ext cx="8686800" cy="4023360"/>
+        </p:xfrm>
+        <a:graphic>
+          <a:graphicData uri="http://schemas.openxmlformats.org/drawingml/2006/table">
+            <a:tbl>
+              <a:tblPr firstRow="1" bandRow="1">
+                <a:tableStyleId>{5C22544A-7EE6-4342-B048-85BDC9FD1C3A}</a:tableStyleId>
+              </a:tblPr>
+              <a:tblGrid>
+                <a:gridCol w="8686800">
+                  <a:extLst>
+                    <a:ext uri="{9D8B030D-6E8A-4147-A177-3AD203B41FA5}">
+                      <a16:colId xmlns:a16="http://schemas.microsoft.com/office/drawing/2014/main" val="20000"/>
+                    </a:ext>
+                  </a:extLst>
+                </a:gridCol>
+              </a:tblGrid>
+              <a:tr h="1066800">
+                <a:tc>
+                  <a:txBody>
+                    <a:bodyPr/>
+                    <a:lstStyle/>
+                    <a:p>
+                      <a:pPr algn="ctr"/>
+                      <a:r>
+                        <a:rPr lang="en-US" sz="8000" dirty="0"/>
+                        <a:t>The Point</a:t>
+                      </a:r>
+                    </a:p>
+                  </a:txBody>
+                  <a:tcPr/>
+                </a:tc>
+                <a:extLst>
+                  <a:ext uri="{0D108BD9-81ED-4DB2-BD59-A6C34878D82A}">
+                    <a16:rowId xmlns:a16="http://schemas.microsoft.com/office/drawing/2014/main" val="10000"/>
+                  </a:ext>
+                </a:extLst>
+              </a:tr>
+              <a:tr h="370840">
+                <a:tc>
+                  <a:txBody>
+                    <a:bodyPr/>
+                    <a:lstStyle/>
+                    <a:p>
+                      <a:r>
+                        <a:rPr lang="en-US" sz="3200" dirty="0"/>
+                        <a:t>1. It’s not calculus.</a:t>
+                      </a:r>
+                      <a:r>
+                        <a:rPr lang="en-US" sz="3200" baseline="0" dirty="0"/>
+                        <a:t>  Getting the right answer is </a:t>
+                      </a:r>
+                      <a:r>
+                        <a:rPr lang="en-US" sz="3200" baseline="0" dirty="0">
+                          <a:solidFill>
+                            <a:srgbClr val="FF0000"/>
+                          </a:solidFill>
+                          <a:latin typeface="Algerian" panose="04020705040A02060702" pitchFamily="82" charset="0"/>
+                        </a:rPr>
+                        <a:t>not enough</a:t>
+                      </a:r>
+                      <a:r>
+                        <a:rPr lang="en-US" sz="3200" baseline="0" dirty="0"/>
+                        <a:t>.</a:t>
+                      </a:r>
+                      <a:endParaRPr lang="en-US" sz="3200" dirty="0"/>
+                    </a:p>
+                  </a:txBody>
+                  <a:tcPr/>
+                </a:tc>
+                <a:extLst>
+                  <a:ext uri="{0D108BD9-81ED-4DB2-BD59-A6C34878D82A}">
+                    <a16:rowId xmlns:a16="http://schemas.microsoft.com/office/drawing/2014/main" val="10001"/>
+                  </a:ext>
+                </a:extLst>
+              </a:tr>
+              <a:tr h="370840">
+                <a:tc>
+                  <a:txBody>
+                    <a:bodyPr/>
+                    <a:lstStyle/>
+                    <a:p>
+                      <a:r>
+                        <a:rPr lang="en-US" sz="3200" dirty="0"/>
+                        <a:t>2. The goal</a:t>
+                      </a:r>
+                      <a:r>
+                        <a:rPr lang="en-US" sz="3200" baseline="0" dirty="0"/>
+                        <a:t> is to write </a:t>
+                      </a:r>
+                      <a:r>
+                        <a:rPr lang="en-US" sz="3200" i="0" baseline="0" dirty="0">
+                          <a:solidFill>
+                            <a:srgbClr val="FF0000"/>
+                          </a:solidFill>
+                          <a:latin typeface="Algerian" panose="04020705040A02060702" pitchFamily="82" charset="0"/>
+                        </a:rPr>
+                        <a:t>beautiful programs</a:t>
+                      </a:r>
+                      <a:r>
+                        <a:rPr lang="en-US" sz="3200" baseline="0" dirty="0"/>
+                        <a:t>.</a:t>
+                      </a:r>
+                      <a:endParaRPr lang="en-US" sz="3200" dirty="0"/>
+                    </a:p>
+                  </a:txBody>
+                  <a:tcPr/>
+                </a:tc>
+                <a:extLst>
+                  <a:ext uri="{0D108BD9-81ED-4DB2-BD59-A6C34878D82A}">
+                    <a16:rowId xmlns:a16="http://schemas.microsoft.com/office/drawing/2014/main" val="10002"/>
+                  </a:ext>
+                </a:extLst>
+              </a:tr>
+              <a:tr h="370840">
+                <a:tc>
+                  <a:txBody>
+                    <a:bodyPr/>
+                    <a:lstStyle/>
+                    <a:p>
+                      <a:pPr marL="0" marR="0" indent="0" algn="l" defTabSz="914400" rtl="0" eaLnBrk="1" fontAlgn="auto" latinLnBrk="0" hangingPunct="1">
+                        <a:lnSpc>
+                          <a:spcPct val="100000"/>
+                        </a:lnSpc>
+                        <a:spcBef>
+                          <a:spcPts val="0"/>
+                        </a:spcBef>
+                        <a:spcAft>
+                          <a:spcPts val="0"/>
+                        </a:spcAft>
+                        <a:buClrTx/>
+                        <a:buSzTx/>
+                        <a:buFontTx/>
+                        <a:buNone/>
+                        <a:tabLst/>
+                        <a:defRPr/>
+                      </a:pPr>
+                      <a:r>
+                        <a:rPr lang="en-US" sz="3200" dirty="0"/>
+                        <a:t>3.</a:t>
+                      </a:r>
+                      <a:r>
+                        <a:rPr lang="en-US" sz="3200" baseline="0" dirty="0"/>
+                        <a:t> A beautiful program is one that is readable, understandable, and modifiable by people.</a:t>
+                      </a:r>
+                      <a:endParaRPr lang="en-US" sz="3200" dirty="0"/>
+                    </a:p>
+                  </a:txBody>
+                  <a:tcPr/>
+                </a:tc>
+                <a:extLst>
+                  <a:ext uri="{0D108BD9-81ED-4DB2-BD59-A6C34878D82A}">
+                    <a16:rowId xmlns:a16="http://schemas.microsoft.com/office/drawing/2014/main" val="10003"/>
+                  </a:ext>
+                </a:extLst>
+              </a:tr>
+            </a:tbl>
+          </a:graphicData>
+        </a:graphic>
+      </p:graphicFrame>
+      <p:sp>
+        <p:nvSpPr>
+          <p:cNvPr id="2" name="Slide Number Placeholder 1"/>
           <p:cNvSpPr>
             <a:spLocks noGrp="1"/>
           </p:cNvSpPr>
@@ -12668,10 +9382,9 @@
           <a:bodyPr/>
           <a:lstStyle/>
           <a:p>
-            <a:fld id="{B6F15528-21DE-4FAA-801E-634DDDAF4B2B}" type="slidenum">
+            <a:fld id="{2AF3B5EA-18B6-4040-9F78-6052AF49C681}" type="slidenum">
               <a:rPr lang="en-US" smtClean="0"/>
-              <a:pPr/>
-              <a:t>27</a:t>
+              <a:t>2</a:t>
             </a:fld>
             <a:endParaRPr lang="en-US"/>
           </a:p>
@@ -12680,7 +9393,7 @@
     </p:spTree>
     <p:extLst>
       <p:ext uri="{BB962C8B-B14F-4D97-AF65-F5344CB8AC3E}">
-        <p14:creationId xmlns:p14="http://schemas.microsoft.com/office/powerpoint/2010/main" val="1212646545"/>
+        <p14:creationId xmlns:p14="http://schemas.microsoft.com/office/powerpoint/2010/main" val="1633428579"/>
       </p:ext>
     </p:extLst>
   </p:cSld>
@@ -12690,7 +9403,7 @@
 </p:sld>
 </file>
 
-<file path=ppt/slides/slide28.xml><?xml version="1.0" encoding="utf-8"?>
+<file path=ppt/slides/slide20.xml><?xml version="1.0" encoding="utf-8"?>
 <p:sld xmlns:a="http://schemas.openxmlformats.org/drawingml/2006/main" xmlns:r="http://schemas.openxmlformats.org/officeDocument/2006/relationships" xmlns:p="http://schemas.openxmlformats.org/presentationml/2006/main">
   <p:cSld>
     <p:spTree>
@@ -12717,6 +9430,239 @@
             <p:ph type="title"/>
           </p:nvPr>
         </p:nvSpPr>
+        <p:spPr/>
+        <p:txBody>
+          <a:bodyPr>
+            <a:normAutofit/>
+          </a:bodyPr>
+          <a:lstStyle/>
+          <a:p>
+            <a:r>
+              <a:rPr lang="en-US" dirty="0"/>
+              <a:t>Don't Repeat Yourself</a:t>
+            </a:r>
+          </a:p>
+        </p:txBody>
+      </p:sp>
+      <p:sp>
+        <p:nvSpPr>
+          <p:cNvPr id="3" name="Content Placeholder 2"/>
+          <p:cNvSpPr>
+            <a:spLocks noGrp="1"/>
+          </p:cNvSpPr>
+          <p:nvPr>
+            <p:ph idx="1"/>
+          </p:nvPr>
+        </p:nvSpPr>
+        <p:spPr/>
+        <p:txBody>
+          <a:bodyPr>
+            <a:normAutofit fontScale="92500" lnSpcReduction="20000"/>
+          </a:bodyPr>
+          <a:lstStyle/>
+          <a:p>
+            <a:r>
+              <a:rPr lang="en-US" dirty="0"/>
+              <a:t>Introduce a generalization whenever you start to duplicate code.</a:t>
+            </a:r>
+          </a:p>
+          <a:p>
+            <a:pPr lvl="1"/>
+            <a:r>
+              <a:rPr lang="en-US" dirty="0"/>
+              <a:t>Any time you copy &amp; paste, look for a pattern.</a:t>
+            </a:r>
+          </a:p>
+          <a:p>
+            <a:pPr lvl="1"/>
+            <a:r>
+              <a:rPr lang="en-US" dirty="0"/>
+              <a:t>One is an exception; two is a coincidence; three is a pattern.</a:t>
+            </a:r>
+          </a:p>
+          <a:p>
+            <a:r>
+              <a:rPr lang="en-US" dirty="0"/>
+              <a:t>But don't generalize until you know what the pattern is.</a:t>
+            </a:r>
+          </a:p>
+          <a:p>
+            <a:pPr lvl="1"/>
+            <a:r>
+              <a:rPr lang="en-US" dirty="0"/>
+              <a:t>It's OK to copy &amp; paste for a while until you see the pattern.   But be sure to replace them all with good generalizations.  Your testers and maintainers will thank you.</a:t>
+            </a:r>
+          </a:p>
+          <a:p>
+            <a:endParaRPr lang="en-US" dirty="0"/>
+          </a:p>
+        </p:txBody>
+      </p:sp>
+      <p:sp>
+        <p:nvSpPr>
+          <p:cNvPr id="5" name="Slide Number Placeholder 4"/>
+          <p:cNvSpPr>
+            <a:spLocks noGrp="1"/>
+          </p:cNvSpPr>
+          <p:nvPr>
+            <p:ph type="sldNum" sz="quarter" idx="12"/>
+          </p:nvPr>
+        </p:nvSpPr>
+        <p:spPr/>
+        <p:txBody>
+          <a:bodyPr/>
+          <a:lstStyle/>
+          <a:p>
+            <a:fld id="{B6F15528-21DE-4FAA-801E-634DDDAF4B2B}" type="slidenum">
+              <a:rPr lang="en-US" smtClean="0"/>
+              <a:pPr/>
+              <a:t>20</a:t>
+            </a:fld>
+            <a:endParaRPr lang="en-US"/>
+          </a:p>
+        </p:txBody>
+      </p:sp>
+    </p:spTree>
+    <p:extLst>
+      <p:ext uri="{BB962C8B-B14F-4D97-AF65-F5344CB8AC3E}">
+        <p14:creationId xmlns:p14="http://schemas.microsoft.com/office/powerpoint/2010/main" val="3301069967"/>
+      </p:ext>
+    </p:extLst>
+  </p:cSld>
+  <p:clrMapOvr>
+    <a:masterClrMapping/>
+  </p:clrMapOvr>
+</p:sld>
+</file>
+
+<file path=ppt/slides/slide21.xml><?xml version="1.0" encoding="utf-8"?>
+<p:sld xmlns:a="http://schemas.openxmlformats.org/drawingml/2006/main" xmlns:r="http://schemas.openxmlformats.org/officeDocument/2006/relationships" xmlns:p="http://schemas.openxmlformats.org/presentationml/2006/main">
+  <p:cSld>
+    <p:spTree>
+      <p:nvGrpSpPr>
+        <p:cNvPr id="1" name=""/>
+        <p:cNvGrpSpPr/>
+        <p:nvPr/>
+      </p:nvGrpSpPr>
+      <p:grpSpPr>
+        <a:xfrm>
+          <a:off x="0" y="0"/>
+          <a:ext cx="0" cy="0"/>
+          <a:chOff x="0" y="0"/>
+          <a:chExt cx="0" cy="0"/>
+        </a:xfrm>
+      </p:grpSpPr>
+      <p:sp>
+        <p:nvSpPr>
+          <p:cNvPr id="2" name="Title 1"/>
+          <p:cNvSpPr>
+            <a:spLocks noGrp="1"/>
+          </p:cNvSpPr>
+          <p:nvPr>
+            <p:ph type="title"/>
+          </p:nvPr>
+        </p:nvSpPr>
+        <p:spPr/>
+        <p:txBody>
+          <a:bodyPr/>
+          <a:lstStyle/>
+          <a:p>
+            <a:r>
+              <a:rPr lang="en-US" dirty="0"/>
+              <a:t>Don't Reinvent the Wheel</a:t>
+            </a:r>
+          </a:p>
+        </p:txBody>
+      </p:sp>
+      <p:sp>
+        <p:nvSpPr>
+          <p:cNvPr id="3" name="Content Placeholder 2"/>
+          <p:cNvSpPr>
+            <a:spLocks noGrp="1"/>
+          </p:cNvSpPr>
+          <p:nvPr>
+            <p:ph idx="1"/>
+          </p:nvPr>
+        </p:nvSpPr>
+        <p:spPr/>
+        <p:txBody>
+          <a:bodyPr>
+            <a:normAutofit/>
+          </a:bodyPr>
+          <a:lstStyle/>
+          <a:p>
+            <a:r>
+              <a:rPr lang="en-US" dirty="0"/>
+              <a:t>Use other people’s code, libraries, etc. whenever possible (and legal).</a:t>
+            </a:r>
+          </a:p>
+          <a:p>
+            <a:r>
+              <a:rPr lang="en-US" dirty="0"/>
+              <a:t>You aren’t (or shouldn’t be) paid by the line!</a:t>
+            </a:r>
+          </a:p>
+        </p:txBody>
+      </p:sp>
+      <p:sp>
+        <p:nvSpPr>
+          <p:cNvPr id="4" name="Slide Number Placeholder 3"/>
+          <p:cNvSpPr>
+            <a:spLocks noGrp="1"/>
+          </p:cNvSpPr>
+          <p:nvPr>
+            <p:ph type="sldNum" sz="quarter" idx="12"/>
+          </p:nvPr>
+        </p:nvSpPr>
+        <p:spPr/>
+        <p:txBody>
+          <a:bodyPr/>
+          <a:lstStyle/>
+          <a:p>
+            <a:fld id="{B6F15528-21DE-4FAA-801E-634DDDAF4B2B}" type="slidenum">
+              <a:rPr lang="en-US" smtClean="0"/>
+              <a:pPr/>
+              <a:t>21</a:t>
+            </a:fld>
+            <a:endParaRPr lang="en-US"/>
+          </a:p>
+        </p:txBody>
+      </p:sp>
+    </p:spTree>
+  </p:cSld>
+  <p:clrMapOvr>
+    <a:masterClrMapping/>
+  </p:clrMapOvr>
+</p:sld>
+</file>
+
+<file path=ppt/slides/slide22.xml><?xml version="1.0" encoding="utf-8"?>
+<p:sld xmlns:a="http://schemas.openxmlformats.org/drawingml/2006/main" xmlns:r="http://schemas.openxmlformats.org/officeDocument/2006/relationships" xmlns:p="http://schemas.openxmlformats.org/presentationml/2006/main">
+  <p:cSld>
+    <p:spTree>
+      <p:nvGrpSpPr>
+        <p:cNvPr id="1" name=""/>
+        <p:cNvGrpSpPr/>
+        <p:nvPr/>
+      </p:nvGrpSpPr>
+      <p:grpSpPr>
+        <a:xfrm>
+          <a:off x="0" y="0"/>
+          <a:ext cx="0" cy="0"/>
+          <a:chOff x="0" y="0"/>
+          <a:chExt cx="0" cy="0"/>
+        </a:xfrm>
+      </p:grpSpPr>
+      <p:sp>
+        <p:nvSpPr>
+          <p:cNvPr id="2" name="Title 1"/>
+          <p:cNvSpPr>
+            <a:spLocks noGrp="1"/>
+          </p:cNvSpPr>
+          <p:nvPr>
+            <p:ph type="title"/>
+          </p:nvPr>
+        </p:nvSpPr>
         <p:spPr>
           <a:xfrm>
             <a:off x="457200" y="274638"/>
@@ -12761,7 +9707,7 @@
             <a:fld id="{B6F15528-21DE-4FAA-801E-634DDDAF4B2B}" type="slidenum">
               <a:rPr lang="en-US" smtClean="0"/>
               <a:pPr/>
-              <a:t>28</a:t>
+              <a:t>22</a:t>
             </a:fld>
             <a:endParaRPr lang="en-US"/>
           </a:p>
@@ -12916,7 +9862,7 @@
 </p:sld>
 </file>
 
-<file path=ppt/slides/slide29.xml><?xml version="1.0" encoding="utf-8"?>
+<file path=ppt/slides/slide23.xml><?xml version="1.0" encoding="utf-8"?>
 <p:sld xmlns:a="http://schemas.openxmlformats.org/drawingml/2006/main" xmlns:r="http://schemas.openxmlformats.org/officeDocument/2006/relationships" xmlns:p="http://schemas.openxmlformats.org/presentationml/2006/main">
   <p:cSld>
     <p:spTree>
@@ -13013,7 +9959,7 @@
             <a:fld id="{B6F15528-21DE-4FAA-801E-634DDDAF4B2B}" type="slidenum">
               <a:rPr lang="en-US" smtClean="0"/>
               <a:pPr/>
-              <a:t>29</a:t>
+              <a:t>23</a:t>
             </a:fld>
             <a:endParaRPr lang="en-US"/>
           </a:p>
@@ -13304,7 +10250,7 @@
 </p:sld>
 </file>
 
-<file path=ppt/slides/slide3.xml><?xml version="1.0" encoding="utf-8"?>
+<file path=ppt/slides/slide24.xml><?xml version="1.0" encoding="utf-8"?>
 <p:sld xmlns:a="http://schemas.openxmlformats.org/drawingml/2006/main" xmlns:r="http://schemas.openxmlformats.org/officeDocument/2006/relationships" xmlns:p="http://schemas.openxmlformats.org/presentationml/2006/main">
   <p:cSld>
     <p:spTree>
@@ -13321,232 +10267,6 @@
           <a:chExt cx="0" cy="0"/>
         </a:xfrm>
       </p:grpSpPr>
-      <p:graphicFrame>
-        <p:nvGraphicFramePr>
-          <p:cNvPr id="4" name="Content Placeholder 3"/>
-          <p:cNvGraphicFramePr>
-            <a:graphicFrameLocks noGrp="1"/>
-          </p:cNvGraphicFramePr>
-          <p:nvPr>
-            <p:ph idx="1"/>
-            <p:extLst/>
-          </p:nvPr>
-        </p:nvGraphicFramePr>
-        <p:xfrm>
-          <a:off x="228600" y="914400"/>
-          <a:ext cx="8686800" cy="4023360"/>
-        </p:xfrm>
-        <a:graphic>
-          <a:graphicData uri="http://schemas.openxmlformats.org/drawingml/2006/table">
-            <a:tbl>
-              <a:tblPr firstRow="1" bandRow="1">
-                <a:tableStyleId>{5C22544A-7EE6-4342-B048-85BDC9FD1C3A}</a:tableStyleId>
-              </a:tblPr>
-              <a:tblGrid>
-                <a:gridCol w="8686800">
-                  <a:extLst>
-                    <a:ext uri="{9D8B030D-6E8A-4147-A177-3AD203B41FA5}">
-                      <a16:colId xmlns:a16="http://schemas.microsoft.com/office/drawing/2014/main" val="20000"/>
-                    </a:ext>
-                  </a:extLst>
-                </a:gridCol>
-              </a:tblGrid>
-              <a:tr h="1066800">
-                <a:tc>
-                  <a:txBody>
-                    <a:bodyPr/>
-                    <a:lstStyle/>
-                    <a:p>
-                      <a:pPr algn="ctr"/>
-                      <a:r>
-                        <a:rPr lang="en-US" sz="8000" dirty="0"/>
-                        <a:t>The Point</a:t>
-                      </a:r>
-                    </a:p>
-                  </a:txBody>
-                  <a:tcPr/>
-                </a:tc>
-                <a:extLst>
-                  <a:ext uri="{0D108BD9-81ED-4DB2-BD59-A6C34878D82A}">
-                    <a16:rowId xmlns:a16="http://schemas.microsoft.com/office/drawing/2014/main" val="10000"/>
-                  </a:ext>
-                </a:extLst>
-              </a:tr>
-              <a:tr h="370840">
-                <a:tc>
-                  <a:txBody>
-                    <a:bodyPr/>
-                    <a:lstStyle/>
-                    <a:p>
-                      <a:r>
-                        <a:rPr lang="en-US" sz="3200" dirty="0"/>
-                        <a:t>1. It’s not calculus.</a:t>
-                      </a:r>
-                      <a:r>
-                        <a:rPr lang="en-US" sz="3200" baseline="0" dirty="0"/>
-                        <a:t>  Getting the right answer is </a:t>
-                      </a:r>
-                      <a:r>
-                        <a:rPr lang="en-US" sz="3200" baseline="0" dirty="0">
-                          <a:solidFill>
-                            <a:srgbClr val="FF0000"/>
-                          </a:solidFill>
-                          <a:latin typeface="Algerian" panose="04020705040A02060702" pitchFamily="82" charset="0"/>
-                        </a:rPr>
-                        <a:t>not enough</a:t>
-                      </a:r>
-                      <a:r>
-                        <a:rPr lang="en-US" sz="3200" baseline="0" dirty="0"/>
-                        <a:t>.</a:t>
-                      </a:r>
-                      <a:endParaRPr lang="en-US" sz="3200" dirty="0"/>
-                    </a:p>
-                  </a:txBody>
-                  <a:tcPr/>
-                </a:tc>
-                <a:extLst>
-                  <a:ext uri="{0D108BD9-81ED-4DB2-BD59-A6C34878D82A}">
-                    <a16:rowId xmlns:a16="http://schemas.microsoft.com/office/drawing/2014/main" val="10001"/>
-                  </a:ext>
-                </a:extLst>
-              </a:tr>
-              <a:tr h="370840">
-                <a:tc>
-                  <a:txBody>
-                    <a:bodyPr/>
-                    <a:lstStyle/>
-                    <a:p>
-                      <a:r>
-                        <a:rPr lang="en-US" sz="3200" dirty="0"/>
-                        <a:t>2. The goal</a:t>
-                      </a:r>
-                      <a:r>
-                        <a:rPr lang="en-US" sz="3200" baseline="0" dirty="0"/>
-                        <a:t> is to write </a:t>
-                      </a:r>
-                      <a:r>
-                        <a:rPr lang="en-US" sz="3200" i="0" baseline="0" dirty="0">
-                          <a:solidFill>
-                            <a:srgbClr val="FF0000"/>
-                          </a:solidFill>
-                          <a:latin typeface="Algerian" panose="04020705040A02060702" pitchFamily="82" charset="0"/>
-                        </a:rPr>
-                        <a:t>beautiful programs</a:t>
-                      </a:r>
-                      <a:r>
-                        <a:rPr lang="en-US" sz="3200" baseline="0" dirty="0"/>
-                        <a:t>.</a:t>
-                      </a:r>
-                      <a:endParaRPr lang="en-US" sz="3200" dirty="0"/>
-                    </a:p>
-                  </a:txBody>
-                  <a:tcPr/>
-                </a:tc>
-                <a:extLst>
-                  <a:ext uri="{0D108BD9-81ED-4DB2-BD59-A6C34878D82A}">
-                    <a16:rowId xmlns:a16="http://schemas.microsoft.com/office/drawing/2014/main" val="10002"/>
-                  </a:ext>
-                </a:extLst>
-              </a:tr>
-              <a:tr h="370840">
-                <a:tc>
-                  <a:txBody>
-                    <a:bodyPr/>
-                    <a:lstStyle/>
-                    <a:p>
-                      <a:pPr marL="0" marR="0" indent="0" algn="l" defTabSz="914400" rtl="0" eaLnBrk="1" fontAlgn="auto" latinLnBrk="0" hangingPunct="1">
-                        <a:lnSpc>
-                          <a:spcPct val="100000"/>
-                        </a:lnSpc>
-                        <a:spcBef>
-                          <a:spcPts val="0"/>
-                        </a:spcBef>
-                        <a:spcAft>
-                          <a:spcPts val="0"/>
-                        </a:spcAft>
-                        <a:buClrTx/>
-                        <a:buSzTx/>
-                        <a:buFontTx/>
-                        <a:buNone/>
-                        <a:tabLst/>
-                        <a:defRPr/>
-                      </a:pPr>
-                      <a:r>
-                        <a:rPr lang="en-US" sz="3200" dirty="0"/>
-                        <a:t>3.</a:t>
-                      </a:r>
-                      <a:r>
-                        <a:rPr lang="en-US" sz="3200" baseline="0" dirty="0"/>
-                        <a:t> A beautiful program is one that is readable, understandable, and modifiable by people.</a:t>
-                      </a:r>
-                      <a:endParaRPr lang="en-US" sz="3200" dirty="0"/>
-                    </a:p>
-                  </a:txBody>
-                  <a:tcPr/>
-                </a:tc>
-                <a:extLst>
-                  <a:ext uri="{0D108BD9-81ED-4DB2-BD59-A6C34878D82A}">
-                    <a16:rowId xmlns:a16="http://schemas.microsoft.com/office/drawing/2014/main" val="10003"/>
-                  </a:ext>
-                </a:extLst>
-              </a:tr>
-            </a:tbl>
-          </a:graphicData>
-        </a:graphic>
-      </p:graphicFrame>
-      <p:sp>
-        <p:nvSpPr>
-          <p:cNvPr id="2" name="Slide Number Placeholder 1"/>
-          <p:cNvSpPr>
-            <a:spLocks noGrp="1"/>
-          </p:cNvSpPr>
-          <p:nvPr>
-            <p:ph type="sldNum" sz="quarter" idx="12"/>
-          </p:nvPr>
-        </p:nvSpPr>
-        <p:spPr/>
-        <p:txBody>
-          <a:bodyPr/>
-          <a:lstStyle/>
-          <a:p>
-            <a:fld id="{2AF3B5EA-18B6-4040-9F78-6052AF49C681}" type="slidenum">
-              <a:rPr lang="en-US" smtClean="0"/>
-              <a:t>3</a:t>
-            </a:fld>
-            <a:endParaRPr lang="en-US"/>
-          </a:p>
-        </p:txBody>
-      </p:sp>
-    </p:spTree>
-    <p:extLst>
-      <p:ext uri="{BB962C8B-B14F-4D97-AF65-F5344CB8AC3E}">
-        <p14:creationId xmlns:p14="http://schemas.microsoft.com/office/powerpoint/2010/main" val="1633428579"/>
-      </p:ext>
-    </p:extLst>
-  </p:cSld>
-  <p:clrMapOvr>
-    <a:masterClrMapping/>
-  </p:clrMapOvr>
-</p:sld>
-</file>
-
-<file path=ppt/slides/slide30.xml><?xml version="1.0" encoding="utf-8"?>
-<p:sld xmlns:a="http://schemas.openxmlformats.org/drawingml/2006/main" xmlns:r="http://schemas.openxmlformats.org/officeDocument/2006/relationships" xmlns:p="http://schemas.openxmlformats.org/presentationml/2006/main">
-  <p:cSld>
-    <p:spTree>
-      <p:nvGrpSpPr>
-        <p:cNvPr id="1" name=""/>
-        <p:cNvGrpSpPr/>
-        <p:nvPr/>
-      </p:nvGrpSpPr>
-      <p:grpSpPr>
-        <a:xfrm>
-          <a:off x="0" y="0"/>
-          <a:ext cx="0" cy="0"/>
-          <a:chOff x="0" y="0"/>
-          <a:chExt cx="0" cy="0"/>
-        </a:xfrm>
-      </p:grpSpPr>
       <p:sp>
         <p:nvSpPr>
           <p:cNvPr id="2" name="Title 1"/>
@@ -13641,7 +10361,7 @@
             <a:fld id="{B6F15528-21DE-4FAA-801E-634DDDAF4B2B}" type="slidenum">
               <a:rPr lang="en-US" smtClean="0"/>
               <a:pPr/>
-              <a:t>30</a:t>
+              <a:t>24</a:t>
             </a:fld>
             <a:endParaRPr lang="en-US"/>
           </a:p>
@@ -13746,7 +10466,7 @@
 </p:sld>
 </file>
 
-<file path=ppt/slides/slide31.xml><?xml version="1.0" encoding="utf-8"?>
+<file path=ppt/slides/slide25.xml><?xml version="1.0" encoding="utf-8"?>
 <p:sld xmlns:a="http://schemas.openxmlformats.org/drawingml/2006/main" xmlns:r="http://schemas.openxmlformats.org/officeDocument/2006/relationships" xmlns:p="http://schemas.openxmlformats.org/presentationml/2006/main">
   <p:cSld>
     <p:spTree>
@@ -13860,13 +10580,164 @@
             <a:fld id="{B6F15528-21DE-4FAA-801E-634DDDAF4B2B}" type="slidenum">
               <a:rPr lang="en-US" smtClean="0"/>
               <a:pPr/>
-              <a:t>31</a:t>
+              <a:t>25</a:t>
             </a:fld>
             <a:endParaRPr lang="en-US"/>
           </a:p>
         </p:txBody>
       </p:sp>
     </p:spTree>
+  </p:cSld>
+  <p:clrMapOvr>
+    <a:masterClrMapping/>
+  </p:clrMapOvr>
+</p:sld>
+</file>
+
+<file path=ppt/slides/slide3.xml><?xml version="1.0" encoding="utf-8"?>
+<p:sld xmlns:a="http://schemas.openxmlformats.org/drawingml/2006/main" xmlns:r="http://schemas.openxmlformats.org/officeDocument/2006/relationships" xmlns:p="http://schemas.openxmlformats.org/presentationml/2006/main">
+  <p:cSld>
+    <p:spTree>
+      <p:nvGrpSpPr>
+        <p:cNvPr id="1" name=""/>
+        <p:cNvGrpSpPr/>
+        <p:nvPr/>
+      </p:nvGrpSpPr>
+      <p:grpSpPr>
+        <a:xfrm>
+          <a:off x="0" y="0"/>
+          <a:ext cx="0" cy="0"/>
+          <a:chOff x="0" y="0"/>
+          <a:chExt cx="0" cy="0"/>
+        </a:xfrm>
+      </p:grpSpPr>
+      <p:sp>
+        <p:nvSpPr>
+          <p:cNvPr id="2" name="Title 1"/>
+          <p:cNvSpPr>
+            <a:spLocks noGrp="1"/>
+          </p:cNvSpPr>
+          <p:nvPr>
+            <p:ph type="title"/>
+          </p:nvPr>
+        </p:nvSpPr>
+        <p:spPr/>
+        <p:txBody>
+          <a:bodyPr>
+            <a:normAutofit fontScale="90000"/>
+          </a:bodyPr>
+          <a:lstStyle/>
+          <a:p>
+            <a:r>
+              <a:rPr lang="en-US" dirty="0"/>
+              <a:t>Your programs should look like this:</a:t>
+            </a:r>
+          </a:p>
+        </p:txBody>
+      </p:sp>
+      <p:pic>
+        <p:nvPicPr>
+          <p:cNvPr id="5" name="Content Placeholder 4"/>
+          <p:cNvPicPr>
+            <a:picLocks noGrp="1" noChangeAspect="1"/>
+          </p:cNvPicPr>
+          <p:nvPr>
+            <p:ph idx="1"/>
+          </p:nvPr>
+        </p:nvPicPr>
+        <p:blipFill>
+          <a:blip r:embed="rId3">
+            <a:extLst>
+              <a:ext uri="{28A0092B-C50C-407E-A947-70E740481C1C}">
+                <a14:useLocalDpi xmlns:a14="http://schemas.microsoft.com/office/drawing/2010/main" val="0"/>
+              </a:ext>
+            </a:extLst>
+          </a:blip>
+          <a:stretch>
+            <a:fillRect/>
+          </a:stretch>
+        </p:blipFill>
+        <p:spPr>
+          <a:xfrm>
+            <a:off x="1066800" y="1996281"/>
+            <a:ext cx="7010400" cy="3733800"/>
+          </a:xfrm>
+        </p:spPr>
+      </p:pic>
+      <p:sp>
+        <p:nvSpPr>
+          <p:cNvPr id="4" name="Slide Number Placeholder 3"/>
+          <p:cNvSpPr>
+            <a:spLocks noGrp="1"/>
+          </p:cNvSpPr>
+          <p:nvPr>
+            <p:ph type="sldNum" sz="quarter" idx="12"/>
+          </p:nvPr>
+        </p:nvSpPr>
+        <p:spPr/>
+        <p:txBody>
+          <a:bodyPr/>
+          <a:lstStyle/>
+          <a:p>
+            <a:fld id="{B6F15528-21DE-4FAA-801E-634DDDAF4B2B}" type="slidenum">
+              <a:rPr lang="en-US" smtClean="0">
+                <a:solidFill>
+                  <a:prstClr val="black">
+                    <a:tint val="75000"/>
+                  </a:prstClr>
+                </a:solidFill>
+              </a:rPr>
+              <a:pPr/>
+              <a:t>3</a:t>
+            </a:fld>
+            <a:endParaRPr lang="en-US" dirty="0">
+              <a:solidFill>
+                <a:prstClr val="black">
+                  <a:tint val="75000"/>
+                </a:prstClr>
+              </a:solidFill>
+            </a:endParaRPr>
+          </a:p>
+        </p:txBody>
+      </p:sp>
+      <p:sp>
+        <p:nvSpPr>
+          <p:cNvPr id="6" name="TextBox 5"/>
+          <p:cNvSpPr txBox="1"/>
+          <p:nvPr/>
+        </p:nvSpPr>
+        <p:spPr>
+          <a:xfrm>
+            <a:off x="6876320" y="6031726"/>
+            <a:ext cx="600805" cy="276999"/>
+          </a:xfrm>
+          <a:prstGeom prst="rect">
+            <a:avLst/>
+          </a:prstGeom>
+          <a:noFill/>
+        </p:spPr>
+        <p:txBody>
+          <a:bodyPr wrap="none" rtlCol="0">
+            <a:spAutoFit/>
+          </a:bodyPr>
+          <a:lstStyle/>
+          <a:p>
+            <a:r>
+              <a:rPr lang="en-US" sz="1200" dirty="0">
+                <a:hlinkClick r:id="rId4"/>
+              </a:rPr>
+              <a:t>source</a:t>
+            </a:r>
+            <a:endParaRPr lang="en-US" sz="1200" dirty="0"/>
+          </a:p>
+        </p:txBody>
+      </p:sp>
+    </p:spTree>
+    <p:extLst>
+      <p:ext uri="{BB962C8B-B14F-4D97-AF65-F5344CB8AC3E}">
+        <p14:creationId xmlns:p14="http://schemas.microsoft.com/office/powerpoint/2010/main" val="969218596"/>
+      </p:ext>
+    </p:extLst>
   </p:cSld>
   <p:clrMapOvr>
     <a:masterClrMapping/>
@@ -13903,14 +10774,12 @@
         </p:nvSpPr>
         <p:spPr/>
         <p:txBody>
-          <a:bodyPr>
-            <a:normAutofit fontScale="90000"/>
-          </a:bodyPr>
+          <a:bodyPr/>
           <a:lstStyle/>
           <a:p>
             <a:r>
               <a:rPr lang="en-US" dirty="0"/>
-              <a:t>Your programs should look like this:</a:t>
+              <a:t>Not like this</a:t>
             </a:r>
           </a:p>
         </p:txBody>
@@ -13939,8 +10808,8 @@
         </p:blipFill>
         <p:spPr>
           <a:xfrm>
-            <a:off x="1066800" y="1996281"/>
-            <a:ext cx="7010400" cy="3733800"/>
+            <a:off x="1666875" y="1915319"/>
+            <a:ext cx="5810250" cy="3895725"/>
           </a:xfrm>
         </p:spPr>
       </p:pic>
@@ -14015,7 +10884,7 @@
     </p:spTree>
     <p:extLst>
       <p:ext uri="{BB962C8B-B14F-4D97-AF65-F5344CB8AC3E}">
-        <p14:creationId xmlns:p14="http://schemas.microsoft.com/office/powerpoint/2010/main" val="969218596"/>
+        <p14:creationId xmlns:p14="http://schemas.microsoft.com/office/powerpoint/2010/main" val="429683203"/>
       </p:ext>
     </p:extLst>
   </p:cSld>
@@ -14059,7 +10928,7 @@
           <a:p>
             <a:r>
               <a:rPr lang="en-US" dirty="0"/>
-              <a:t>Not like this</a:t>
+              <a:t>Your programs should look like this</a:t>
             </a:r>
           </a:p>
         </p:txBody>
@@ -14075,7 +10944,7 @@
           </p:nvPr>
         </p:nvPicPr>
         <p:blipFill>
-          <a:blip r:embed="rId3">
+          <a:blip r:embed="rId3" cstate="print">
             <a:extLst>
               <a:ext uri="{28A0092B-C50C-407E-A947-70E740481C1C}">
                 <a14:useLocalDpi xmlns:a14="http://schemas.microsoft.com/office/drawing/2010/main" val="0"/>
@@ -14088,8 +10957,8 @@
         </p:blipFill>
         <p:spPr>
           <a:xfrm>
-            <a:off x="1666875" y="1915319"/>
-            <a:ext cx="5810250" cy="3895725"/>
+            <a:off x="1798532" y="1783080"/>
+            <a:ext cx="5676688" cy="4257516"/>
           </a:xfrm>
         </p:spPr>
       </p:pic>
@@ -14137,7 +11006,7 @@
         </p:nvSpPr>
         <p:spPr>
           <a:xfrm>
-            <a:off x="6876320" y="6031726"/>
+            <a:off x="6874415" y="6274617"/>
             <a:ext cx="600805" cy="276999"/>
           </a:xfrm>
           <a:prstGeom prst="rect">
@@ -14164,7 +11033,7 @@
     </p:spTree>
     <p:extLst>
       <p:ext uri="{BB962C8B-B14F-4D97-AF65-F5344CB8AC3E}">
-        <p14:creationId xmlns:p14="http://schemas.microsoft.com/office/powerpoint/2010/main" val="429683203"/>
+        <p14:creationId xmlns:p14="http://schemas.microsoft.com/office/powerpoint/2010/main" val="3717125436"/>
       </p:ext>
     </p:extLst>
   </p:cSld>
@@ -14208,7 +11077,7 @@
           <a:p>
             <a:r>
               <a:rPr lang="en-US" dirty="0"/>
-              <a:t>Your programs should look like this</a:t>
+              <a:t>Not like this</a:t>
             </a:r>
           </a:p>
         </p:txBody>
@@ -14224,7 +11093,7 @@
           </p:nvPr>
         </p:nvPicPr>
         <p:blipFill>
-          <a:blip r:embed="rId3" cstate="print">
+          <a:blip r:embed="rId3">
             <a:extLst>
               <a:ext uri="{28A0092B-C50C-407E-A947-70E740481C1C}">
                 <a14:useLocalDpi xmlns:a14="http://schemas.microsoft.com/office/drawing/2010/main" val="0"/>
@@ -14237,8 +11106,8 @@
         </p:blipFill>
         <p:spPr>
           <a:xfrm>
-            <a:off x="1798532" y="1783080"/>
-            <a:ext cx="5676688" cy="4257516"/>
+            <a:off x="1188720" y="1669625"/>
+            <a:ext cx="6777990" cy="4394521"/>
           </a:xfrm>
         </p:spPr>
       </p:pic>
@@ -14286,7 +11155,7 @@
         </p:nvSpPr>
         <p:spPr>
           <a:xfrm>
-            <a:off x="6874415" y="6274617"/>
+            <a:off x="7365905" y="6217852"/>
             <a:ext cx="600805" cy="276999"/>
           </a:xfrm>
           <a:prstGeom prst="rect">
@@ -14313,7 +11182,7 @@
     </p:spTree>
     <p:extLst>
       <p:ext uri="{BB962C8B-B14F-4D97-AF65-F5344CB8AC3E}">
-        <p14:creationId xmlns:p14="http://schemas.microsoft.com/office/powerpoint/2010/main" val="3717125436"/>
+        <p14:creationId xmlns:p14="http://schemas.microsoft.com/office/powerpoint/2010/main" val="381442320"/>
       </p:ext>
     </p:extLst>
   </p:cSld>
@@ -14357,7 +11226,7 @@
           <a:p>
             <a:r>
               <a:rPr lang="en-US" dirty="0"/>
-              <a:t>Not like this</a:t>
+              <a:t>And never, ever like this</a:t>
             </a:r>
           </a:p>
         </p:txBody>
@@ -14386,8 +11255,8 @@
         </p:blipFill>
         <p:spPr>
           <a:xfrm>
-            <a:off x="1188720" y="1669625"/>
-            <a:ext cx="6777990" cy="4394521"/>
+            <a:off x="1583574" y="1874520"/>
+            <a:ext cx="6325986" cy="4209656"/>
           </a:xfrm>
         </p:spPr>
       </p:pic>
@@ -14429,7 +11298,7 @@
       </p:sp>
       <p:sp>
         <p:nvSpPr>
-          <p:cNvPr id="6" name="TextBox 5"/>
+          <p:cNvPr id="7" name="TextBox 6"/>
           <p:cNvSpPr txBox="1"/>
           <p:nvPr/>
         </p:nvSpPr>
@@ -14462,7 +11331,7 @@
     </p:spTree>
     <p:extLst>
       <p:ext uri="{BB962C8B-B14F-4D97-AF65-F5344CB8AC3E}">
-        <p14:creationId xmlns:p14="http://schemas.microsoft.com/office/powerpoint/2010/main" val="381442320"/>
+        <p14:creationId xmlns:p14="http://schemas.microsoft.com/office/powerpoint/2010/main" val="2728445608"/>
       </p:ext>
     </p:extLst>
   </p:cSld>
@@ -14491,155 +11360,6 @@
       </p:grpSpPr>
       <p:sp>
         <p:nvSpPr>
-          <p:cNvPr id="2" name="Title 1"/>
-          <p:cNvSpPr>
-            <a:spLocks noGrp="1"/>
-          </p:cNvSpPr>
-          <p:nvPr>
-            <p:ph type="title"/>
-          </p:nvPr>
-        </p:nvSpPr>
-        <p:spPr/>
-        <p:txBody>
-          <a:bodyPr/>
-          <a:lstStyle/>
-          <a:p>
-            <a:r>
-              <a:rPr lang="en-US" dirty="0"/>
-              <a:t>And never, ever like this</a:t>
-            </a:r>
-          </a:p>
-        </p:txBody>
-      </p:sp>
-      <p:pic>
-        <p:nvPicPr>
-          <p:cNvPr id="5" name="Content Placeholder 4"/>
-          <p:cNvPicPr>
-            <a:picLocks noGrp="1" noChangeAspect="1"/>
-          </p:cNvPicPr>
-          <p:nvPr>
-            <p:ph idx="1"/>
-          </p:nvPr>
-        </p:nvPicPr>
-        <p:blipFill>
-          <a:blip r:embed="rId3">
-            <a:extLst>
-              <a:ext uri="{28A0092B-C50C-407E-A947-70E740481C1C}">
-                <a14:useLocalDpi xmlns:a14="http://schemas.microsoft.com/office/drawing/2010/main" val="0"/>
-              </a:ext>
-            </a:extLst>
-          </a:blip>
-          <a:stretch>
-            <a:fillRect/>
-          </a:stretch>
-        </p:blipFill>
-        <p:spPr>
-          <a:xfrm>
-            <a:off x="1583574" y="1874520"/>
-            <a:ext cx="6325986" cy="4209656"/>
-          </a:xfrm>
-        </p:spPr>
-      </p:pic>
-      <p:sp>
-        <p:nvSpPr>
-          <p:cNvPr id="4" name="Slide Number Placeholder 3"/>
-          <p:cNvSpPr>
-            <a:spLocks noGrp="1"/>
-          </p:cNvSpPr>
-          <p:nvPr>
-            <p:ph type="sldNum" sz="quarter" idx="12"/>
-          </p:nvPr>
-        </p:nvSpPr>
-        <p:spPr/>
-        <p:txBody>
-          <a:bodyPr/>
-          <a:lstStyle/>
-          <a:p>
-            <a:fld id="{B6F15528-21DE-4FAA-801E-634DDDAF4B2B}" type="slidenum">
-              <a:rPr lang="en-US" smtClean="0">
-                <a:solidFill>
-                  <a:prstClr val="black">
-                    <a:tint val="75000"/>
-                  </a:prstClr>
-                </a:solidFill>
-              </a:rPr>
-              <a:pPr/>
-              <a:t>8</a:t>
-            </a:fld>
-            <a:endParaRPr lang="en-US" dirty="0">
-              <a:solidFill>
-                <a:prstClr val="black">
-                  <a:tint val="75000"/>
-                </a:prstClr>
-              </a:solidFill>
-            </a:endParaRPr>
-          </a:p>
-        </p:txBody>
-      </p:sp>
-      <p:sp>
-        <p:nvSpPr>
-          <p:cNvPr id="7" name="TextBox 6"/>
-          <p:cNvSpPr txBox="1"/>
-          <p:nvPr/>
-        </p:nvSpPr>
-        <p:spPr>
-          <a:xfrm>
-            <a:off x="7365905" y="6217852"/>
-            <a:ext cx="600805" cy="276999"/>
-          </a:xfrm>
-          <a:prstGeom prst="rect">
-            <a:avLst/>
-          </a:prstGeom>
-          <a:noFill/>
-        </p:spPr>
-        <p:txBody>
-          <a:bodyPr wrap="none" rtlCol="0">
-            <a:spAutoFit/>
-          </a:bodyPr>
-          <a:lstStyle/>
-          <a:p>
-            <a:r>
-              <a:rPr lang="en-US" sz="1200" dirty="0">
-                <a:hlinkClick r:id="rId4"/>
-              </a:rPr>
-              <a:t>source</a:t>
-            </a:r>
-            <a:endParaRPr lang="en-US" sz="1200" dirty="0"/>
-          </a:p>
-        </p:txBody>
-      </p:sp>
-    </p:spTree>
-    <p:extLst>
-      <p:ext uri="{BB962C8B-B14F-4D97-AF65-F5344CB8AC3E}">
-        <p14:creationId xmlns:p14="http://schemas.microsoft.com/office/powerpoint/2010/main" val="2728445608"/>
-      </p:ext>
-    </p:extLst>
-  </p:cSld>
-  <p:clrMapOvr>
-    <a:masterClrMapping/>
-  </p:clrMapOvr>
-</p:sld>
-</file>
-
-<file path=ppt/slides/slide9.xml><?xml version="1.0" encoding="utf-8"?>
-<p:sld xmlns:a="http://schemas.openxmlformats.org/drawingml/2006/main" xmlns:r="http://schemas.openxmlformats.org/officeDocument/2006/relationships" xmlns:p="http://schemas.openxmlformats.org/presentationml/2006/main">
-  <p:cSld>
-    <p:spTree>
-      <p:nvGrpSpPr>
-        <p:cNvPr id="1" name=""/>
-        <p:cNvGrpSpPr/>
-        <p:nvPr/>
-      </p:nvGrpSpPr>
-      <p:grpSpPr>
-        <a:xfrm>
-          <a:off x="0" y="0"/>
-          <a:ext cx="0" cy="0"/>
-          <a:chOff x="0" y="0"/>
-          <a:chExt cx="0" cy="0"/>
-        </a:xfrm>
-      </p:grpSpPr>
-      <p:sp>
-        <p:nvSpPr>
           <p:cNvPr id="4" name="Slide Number Placeholder 3"/>
           <p:cNvSpPr>
             <a:spLocks noGrp="1"/>
@@ -14655,7 +11375,7 @@
           <a:p>
             <a:fld id="{2AF3B5EA-18B6-4040-9F78-6052AF49C681}" type="slidenum">
               <a:rPr lang="en-US" smtClean="0"/>
-              <a:t>9</a:t>
+              <a:t>8</a:t>
             </a:fld>
             <a:endParaRPr lang="en-US"/>
           </a:p>
@@ -14671,14 +11391,14 @@
             <p:ph idx="4294967295"/>
             <p:extLst>
               <p:ext uri="{D42A27DB-BD31-4B8C-83A1-F6EECF244321}">
-                <p14:modId xmlns:p14="http://schemas.microsoft.com/office/powerpoint/2010/main" val="2573500650"/>
+                <p14:modId xmlns:p14="http://schemas.microsoft.com/office/powerpoint/2010/main" val="1074320325"/>
               </p:ext>
             </p:extLst>
           </p:nvPr>
         </p:nvGraphicFramePr>
         <p:xfrm>
-          <a:off x="990600" y="625793"/>
-          <a:ext cx="7086600" cy="5768340"/>
+          <a:off x="457200" y="304800"/>
+          <a:ext cx="8153400" cy="5951220"/>
         </p:xfrm>
         <a:graphic>
           <a:graphicData uri="http://schemas.openxmlformats.org/drawingml/2006/table">
@@ -14687,7 +11407,7 @@
                 <a:tableStyleId>{5C22544A-7EE6-4342-B048-85BDC9FD1C3A}</a:tableStyleId>
               </a:tblPr>
               <a:tblGrid>
-                <a:gridCol w="7086600">
+                <a:gridCol w="8153400">
                   <a:extLst>
                     <a:ext uri="{9D8B030D-6E8A-4147-A177-3AD203B41FA5}">
                       <a16:colId xmlns:a16="http://schemas.microsoft.com/office/drawing/2014/main" val="3817367504"/>
@@ -14723,7 +11443,7 @@
                     <a:lstStyle/>
                     <a:p>
                       <a:r>
-                        <a:rPr lang="en-US" sz="2000" dirty="0"/>
+                        <a:rPr lang="en-US" sz="2200" dirty="0"/>
                         <a:t>1.  Write programs that people can read, understand, and modify.</a:t>
                       </a:r>
                     </a:p>
@@ -14743,14 +11463,14 @@
                     <a:lstStyle/>
                     <a:p>
                       <a:r>
-                        <a:rPr lang="en-US" sz="2000" dirty="0"/>
+                        <a:rPr lang="en-US" sz="2200" dirty="0"/>
                         <a:t>2. </a:t>
                       </a:r>
                       <a:r>
-                        <a:rPr lang="en-US" sz="2000" baseline="0" dirty="0"/>
+                        <a:rPr lang="en-US" sz="2200" baseline="0" dirty="0"/>
                         <a:t> Represent information as data; interpret data as information.</a:t>
                       </a:r>
-                      <a:endParaRPr lang="en-US" sz="2000" dirty="0"/>
+                      <a:endParaRPr lang="en-US" sz="2200" dirty="0"/>
                     </a:p>
                   </a:txBody>
                   <a:tcPr/>
@@ -14768,14 +11488,14 @@
                     <a:lstStyle/>
                     <a:p>
                       <a:r>
-                        <a:rPr lang="en-US" sz="2000" dirty="0"/>
+                        <a:rPr lang="en-US" sz="2200" dirty="0"/>
                         <a:t>3. Use contracts and purpose statements to specify the intended</a:t>
                       </a:r>
                       <a:r>
-                        <a:rPr lang="en-US" sz="2000" baseline="0" dirty="0"/>
+                        <a:rPr lang="en-US" sz="2200" baseline="0" dirty="0"/>
                         <a:t> behavior of your functions and methods.</a:t>
                       </a:r>
-                      <a:endParaRPr lang="en-US" sz="2000" dirty="0"/>
+                      <a:endParaRPr lang="en-US" sz="2200" dirty="0"/>
                     </a:p>
                   </a:txBody>
                   <a:tcPr/>
@@ -14793,7 +11513,7 @@
                     <a:lstStyle/>
                     <a:p>
                       <a:r>
-                        <a:rPr lang="en-US" sz="2000" dirty="0"/>
+                        <a:rPr lang="en-US" sz="2200" dirty="0"/>
                         <a:t>4. Use invariants to limit your functions’ responsibility.</a:t>
                       </a:r>
                     </a:p>
@@ -14813,14 +11533,14 @@
                     <a:lstStyle/>
                     <a:p>
                       <a:r>
-                        <a:rPr lang="en-US" sz="2000" dirty="0"/>
+                        <a:rPr lang="en-US" sz="2200" dirty="0"/>
                         <a:t>5. Use functions</a:t>
                       </a:r>
                       <a:r>
-                        <a:rPr lang="en-US" sz="2000" baseline="0" dirty="0"/>
+                        <a:rPr lang="en-US" sz="2200" baseline="0" dirty="0"/>
                         <a:t> and methods that produce and consume values.</a:t>
                       </a:r>
-                      <a:endParaRPr lang="en-US" sz="2000" dirty="0"/>
+                      <a:endParaRPr lang="en-US" sz="2200" dirty="0"/>
                     </a:p>
                   </a:txBody>
                   <a:tcPr/>
@@ -14838,14 +11558,14 @@
                     <a:lstStyle/>
                     <a:p>
                       <a:r>
-                        <a:rPr lang="en-US" sz="2000" dirty="0"/>
+                        <a:rPr lang="en-US" sz="2200" dirty="0"/>
                         <a:t>6. Use state only to share information</a:t>
                       </a:r>
                       <a:r>
-                        <a:rPr lang="en-US" sz="2000" baseline="0" dirty="0"/>
+                        <a:rPr lang="en-US" sz="2200" baseline="0" dirty="0"/>
                         <a:t> between distant parts of the program.</a:t>
                       </a:r>
-                      <a:endParaRPr lang="en-US" sz="2000" dirty="0"/>
+                      <a:endParaRPr lang="en-US" sz="2200" dirty="0"/>
                     </a:p>
                   </a:txBody>
                   <a:tcPr/>
@@ -14863,14 +11583,14 @@
                     <a:lstStyle/>
                     <a:p>
                       <a:r>
-                        <a:rPr lang="en-US" sz="2000" dirty="0"/>
+                        <a:rPr lang="en-US" sz="2200" dirty="0"/>
                         <a:t>7. Use interfaces</a:t>
                       </a:r>
                       <a:r>
-                        <a:rPr lang="en-US" sz="2000" baseline="0" dirty="0"/>
+                        <a:rPr lang="en-US" sz="2200" baseline="0" dirty="0"/>
                         <a:t> to limit dependencies between different parts of your program.</a:t>
                       </a:r>
-                      <a:endParaRPr lang="en-US" sz="2000" dirty="0"/>
+                      <a:endParaRPr lang="en-US" sz="2200" dirty="0"/>
                     </a:p>
                   </a:txBody>
                   <a:tcPr/>
@@ -14891,6 +11611,153 @@
         <p14:creationId xmlns:p14="http://schemas.microsoft.com/office/powerpoint/2010/main" val="2048292532"/>
       </p:ext>
     </p:extLst>
+  </p:cSld>
+  <p:clrMapOvr>
+    <a:masterClrMapping/>
+  </p:clrMapOvr>
+</p:sld>
+</file>
+
+<file path=ppt/slides/slide9.xml><?xml version="1.0" encoding="utf-8"?>
+<p:sld xmlns:a="http://schemas.openxmlformats.org/drawingml/2006/main" xmlns:r="http://schemas.openxmlformats.org/officeDocument/2006/relationships" xmlns:p="http://schemas.openxmlformats.org/presentationml/2006/main">
+  <p:cSld>
+    <p:spTree>
+      <p:nvGrpSpPr>
+        <p:cNvPr id="1" name=""/>
+        <p:cNvGrpSpPr/>
+        <p:nvPr/>
+      </p:nvGrpSpPr>
+      <p:grpSpPr>
+        <a:xfrm>
+          <a:off x="0" y="0"/>
+          <a:ext cx="0" cy="0"/>
+          <a:chOff x="0" y="0"/>
+          <a:chExt cx="0" cy="0"/>
+        </a:xfrm>
+      </p:grpSpPr>
+      <p:sp>
+        <p:nvSpPr>
+          <p:cNvPr id="2" name="Title 1"/>
+          <p:cNvSpPr>
+            <a:spLocks noGrp="1"/>
+          </p:cNvSpPr>
+          <p:nvPr>
+            <p:ph type="title"/>
+          </p:nvPr>
+        </p:nvSpPr>
+        <p:spPr>
+          <a:ln/>
+        </p:spPr>
+        <p:style>
+          <a:lnRef idx="2">
+            <a:schemeClr val="accent1"/>
+          </a:lnRef>
+          <a:fillRef idx="1">
+            <a:schemeClr val="lt1"/>
+          </a:fillRef>
+          <a:effectRef idx="0">
+            <a:schemeClr val="accent1"/>
+          </a:effectRef>
+          <a:fontRef idx="minor">
+            <a:schemeClr val="dk1"/>
+          </a:fontRef>
+        </p:style>
+        <p:txBody>
+          <a:bodyPr>
+            <a:normAutofit fontScale="90000"/>
+          </a:bodyPr>
+          <a:lstStyle/>
+          <a:p>
+            <a:r>
+              <a:rPr lang="en-US" dirty="0"/>
+              <a:t>1. Write programs that people can read, understand, and modify</a:t>
+            </a:r>
+          </a:p>
+        </p:txBody>
+      </p:sp>
+      <p:sp>
+        <p:nvSpPr>
+          <p:cNvPr id="3" name="Content Placeholder 2"/>
+          <p:cNvSpPr>
+            <a:spLocks noGrp="1"/>
+          </p:cNvSpPr>
+          <p:nvPr>
+            <p:ph idx="1"/>
+          </p:nvPr>
+        </p:nvSpPr>
+        <p:spPr/>
+        <p:txBody>
+          <a:bodyPr>
+            <a:normAutofit lnSpcReduction="10000"/>
+          </a:bodyPr>
+          <a:lstStyle/>
+          <a:p>
+            <a:r>
+              <a:rPr lang="en-US" dirty="0"/>
+              <a:t>You write programs so others can read them</a:t>
+            </a:r>
+          </a:p>
+          <a:p>
+            <a:pPr lvl="1"/>
+            <a:r>
+              <a:rPr lang="en-US" dirty="0"/>
+              <a:t>Bosses, customers, maintainers, etc.</a:t>
+            </a:r>
+          </a:p>
+          <a:p>
+            <a:pPr lvl="1"/>
+            <a:r>
+              <a:rPr lang="en-US" dirty="0"/>
+              <a:t>This means an older version of you, too</a:t>
+            </a:r>
+          </a:p>
+          <a:p>
+            <a:r>
+              <a:rPr lang="en-US" dirty="0"/>
+              <a:t>You work with others as you develop programs</a:t>
+            </a:r>
+          </a:p>
+          <a:p>
+            <a:pPr lvl="1"/>
+            <a:r>
+              <a:rPr lang="en-US" dirty="0"/>
+              <a:t>The earlier you articulate your thinking, the earlier you can catch flaws</a:t>
+            </a:r>
+          </a:p>
+          <a:p>
+            <a:pPr lvl="1"/>
+            <a:r>
+              <a:rPr lang="en-US" dirty="0"/>
+              <a:t>The earlier you catch flaws, the easier/cheaper they are to fix</a:t>
+            </a:r>
+          </a:p>
+        </p:txBody>
+      </p:sp>
+      <p:sp>
+        <p:nvSpPr>
+          <p:cNvPr id="4" name="Slide Number Placeholder 3"/>
+          <p:cNvSpPr>
+            <a:spLocks noGrp="1"/>
+          </p:cNvSpPr>
+          <p:nvPr>
+            <p:ph type="sldNum" sz="quarter" idx="12"/>
+          </p:nvPr>
+        </p:nvSpPr>
+        <p:spPr/>
+        <p:txBody>
+          <a:bodyPr/>
+          <a:lstStyle/>
+          <a:p>
+            <a:fld id="{B6F15528-21DE-4FAA-801E-634DDDAF4B2B}" type="slidenum">
+              <a:rPr lang="en-US" smtClean="0"/>
+              <a:pPr/>
+              <a:t>9</a:t>
+            </a:fld>
+            <a:endParaRPr lang="en-US"/>
+          </a:p>
+        </p:txBody>
+      </p:sp>
+    </p:spTree>
   </p:cSld>
   <p:clrMapOvr>
     <a:masterClrMapping/>
@@ -15219,6 +12086,24 @@
         </a:fontRef>
       </a:style>
     </a:spDef>
+    <a:txDef>
+      <a:spPr>
+        <a:solidFill>
+          <a:schemeClr val="accent1">
+            <a:lumMod val="20000"/>
+            <a:lumOff val="80000"/>
+          </a:schemeClr>
+        </a:solidFill>
+      </a:spPr>
+      <a:bodyPr wrap="square" rtlCol="0">
+        <a:spAutoFit/>
+      </a:bodyPr>
+      <a:lstStyle>
+        <a:defPPr>
+          <a:defRPr dirty="0" smtClean="0"/>
+        </a:defPPr>
+      </a:lstStyle>
+    </a:txDef>
   </a:objectDefaults>
   <a:extraClrSchemeLst/>
 </a:theme>

--- a/Slides/Lesson 12.1 The Last Lecture.pptx
+++ b/Slides/Lesson 12.1 The Last Lecture.pptx
@@ -5,7 +5,7 @@
     <p:sldMasterId id="2147483660" r:id="rId1"/>
   </p:sldMasterIdLst>
   <p:notesMasterIdLst>
-    <p:notesMasterId r:id="rId27"/>
+    <p:notesMasterId r:id="rId28"/>
   </p:notesMasterIdLst>
   <p:sldIdLst>
     <p:sldId id="256" r:id="rId2"/>
@@ -32,7 +32,8 @@
     <p:sldId id="268" r:id="rId23"/>
     <p:sldId id="269" r:id="rId24"/>
     <p:sldId id="270" r:id="rId25"/>
-    <p:sldId id="271" r:id="rId26"/>
+    <p:sldId id="331" r:id="rId26"/>
+    <p:sldId id="271" r:id="rId27"/>
   </p:sldIdLst>
   <p:sldSz cx="9144000" cy="6858000" type="screen4x3"/>
   <p:notesSz cx="7315200" cy="9601200"/>
@@ -251,7 +252,7 @@
             <a:fld id="{3AEE8EC1-C4AE-4A57-9A8B-A8BF77FA5568}" type="datetimeFigureOut">
               <a:rPr lang="en-US" smtClean="0"/>
               <a:pPr/>
-              <a:t>12/2/2017</a:t>
+              <a:t>12/4/2017</a:t>
             </a:fld>
             <a:endParaRPr lang="en-US"/>
           </a:p>
@@ -1448,7 +1449,7 @@
             <a:fld id="{35B728A6-6F57-4E84-A2C2-C78EE294E18B}" type="slidenum">
               <a:rPr lang="en-US" smtClean="0"/>
               <a:pPr/>
-              <a:t>25</a:t>
+              <a:t>26</a:t>
             </a:fld>
             <a:endParaRPr lang="en-US"/>
           </a:p>
@@ -2323,7 +2324,7 @@
           <a:p>
             <a:fld id="{2F1F79F5-7BEC-496A-AFC7-876E38F64D71}" type="datetime1">
               <a:rPr lang="en-US" smtClean="0"/>
-              <a:t>12/2/2017</a:t>
+              <a:t>12/4/2017</a:t>
             </a:fld>
             <a:endParaRPr lang="en-US"/>
           </a:p>
@@ -2440,7 +2441,7 @@
           <a:p>
             <a:fld id="{2F7B77F5-1464-4F6B-92A8-64FC8A508293}" type="datetime1">
               <a:rPr lang="en-US" smtClean="0"/>
-              <a:t>12/2/2017</a:t>
+              <a:t>12/4/2017</a:t>
             </a:fld>
             <a:endParaRPr lang="en-US"/>
           </a:p>
@@ -2535,7 +2536,7 @@
           <a:p>
             <a:fld id="{0A05703A-7669-4FEA-9056-25299B4D29D4}" type="datetime1">
               <a:rPr lang="en-US" smtClean="0"/>
-              <a:t>12/2/2017</a:t>
+              <a:t>12/4/2017</a:t>
             </a:fld>
             <a:endParaRPr lang="en-US"/>
           </a:p>
@@ -2810,7 +2811,7 @@
           <a:p>
             <a:fld id="{6E5077B5-BB57-49DB-88CA-226A139E5C01}" type="datetime1">
               <a:rPr lang="en-US" smtClean="0"/>
-              <a:t>12/2/2017</a:t>
+              <a:t>12/4/2017</a:t>
             </a:fld>
             <a:endParaRPr lang="en-US"/>
           </a:p>
@@ -3062,7 +3063,7 @@
           <a:p>
             <a:fld id="{C48D9447-CBD6-49A1-89FD-8512A8CF8999}" type="datetime1">
               <a:rPr lang="en-US" smtClean="0"/>
-              <a:t>12/2/2017</a:t>
+              <a:t>12/4/2017</a:t>
             </a:fld>
             <a:endParaRPr lang="en-US"/>
           </a:p>
@@ -3230,7 +3231,7 @@
           <a:p>
             <a:fld id="{A3639A2A-823D-48B7-9ACE-7FAF42870BA9}" type="datetime1">
               <a:rPr lang="en-US" smtClean="0"/>
-              <a:t>12/2/2017</a:t>
+              <a:t>12/4/2017</a:t>
             </a:fld>
             <a:endParaRPr lang="en-US"/>
           </a:p>
@@ -3408,7 +3409,7 @@
           <a:p>
             <a:fld id="{ED1B6996-82E9-463C-972C-7B56056E426C}" type="datetime1">
               <a:rPr lang="en-US" smtClean="0"/>
-              <a:t>12/2/2017</a:t>
+              <a:t>12/4/2017</a:t>
             </a:fld>
             <a:endParaRPr lang="en-US"/>
           </a:p>
@@ -3582,7 +3583,7 @@
           <a:p>
             <a:fld id="{E22ED4DA-448D-4BB1-B935-CC112220207B}" type="datetime1">
               <a:rPr lang="en-US" smtClean="0"/>
-              <a:t>12/2/2017</a:t>
+              <a:t>12/4/2017</a:t>
             </a:fld>
             <a:endParaRPr lang="en-US"/>
           </a:p>
@@ -3755,7 +3756,7 @@
           <a:p>
             <a:fld id="{E22ED4DA-448D-4BB1-B935-CC112220207B}" type="datetime1">
               <a:rPr lang="en-US" smtClean="0"/>
-              <a:t>12/2/2017</a:t>
+              <a:t>12/4/2017</a:t>
             </a:fld>
             <a:endParaRPr lang="en-US"/>
           </a:p>
@@ -4018,7 +4019,7 @@
           <a:p>
             <a:fld id="{FF5D65A6-AB94-4435-B0B7-3743215FA46C}" type="datetime1">
               <a:rPr lang="en-US" smtClean="0"/>
-              <a:t>12/2/2017</a:t>
+              <a:t>12/4/2017</a:t>
             </a:fld>
             <a:endParaRPr lang="en-US"/>
           </a:p>
@@ -4194,7 +4195,7 @@
           <a:p>
             <a:fld id="{FF5D65A6-AB94-4435-B0B7-3743215FA46C}" type="datetime1">
               <a:rPr lang="en-US" smtClean="0"/>
-              <a:t>12/2/2017</a:t>
+              <a:t>12/4/2017</a:t>
             </a:fld>
             <a:endParaRPr lang="en-US"/>
           </a:p>
@@ -4488,7 +4489,7 @@
           <a:p>
             <a:fld id="{7C193DC4-6EF0-48C9-B29C-616106A645E1}" type="datetime1">
               <a:rPr lang="en-US" smtClean="0"/>
-              <a:t>12/2/2017</a:t>
+              <a:t>12/4/2017</a:t>
             </a:fld>
             <a:endParaRPr lang="en-US"/>
           </a:p>
@@ -4773,7 +4774,7 @@
           <a:p>
             <a:fld id="{5D1846AD-9252-4647-9435-4C2AC365653A}" type="datetime1">
               <a:rPr lang="en-US" smtClean="0"/>
-              <a:t>12/2/2017</a:t>
+              <a:t>12/4/2017</a:t>
             </a:fld>
             <a:endParaRPr lang="en-US"/>
           </a:p>
@@ -5072,7 +5073,7 @@
           <a:p>
             <a:fld id="{5D1846AD-9252-4647-9435-4C2AC365653A}" type="datetime1">
               <a:rPr lang="en-US" smtClean="0"/>
-              <a:t>12/2/2017</a:t>
+              <a:t>12/4/2017</a:t>
             </a:fld>
             <a:endParaRPr lang="en-US"/>
           </a:p>
@@ -5491,7 +5492,7 @@
           <a:p>
             <a:fld id="{CE56DC10-3561-4063-A6AF-C1CC7A41040A}" type="datetime1">
               <a:rPr lang="en-US" smtClean="0"/>
-              <a:t>12/2/2017</a:t>
+              <a:t>12/4/2017</a:t>
             </a:fld>
             <a:endParaRPr lang="en-US"/>
           </a:p>
@@ -5714,7 +5715,7 @@
           <a:p>
             <a:fld id="{02B3F677-983B-48DB-ADFD-63FE6CBC7FB2}" type="datetime1">
               <a:rPr lang="en-US" smtClean="0"/>
-              <a:t>12/2/2017</a:t>
+              <a:t>12/4/2017</a:t>
             </a:fld>
             <a:endParaRPr lang="en-US"/>
           </a:p>
@@ -10485,6 +10486,65 @@
       </p:grpSpPr>
       <p:sp>
         <p:nvSpPr>
+          <p:cNvPr id="2" name="Slide Number Placeholder 1">
+            <a:extLst>
+              <a:ext uri="{FF2B5EF4-FFF2-40B4-BE49-F238E27FC236}">
+                <a16:creationId xmlns:a16="http://schemas.microsoft.com/office/drawing/2014/main" id="{FA849BD1-DEC1-4C67-BAC8-2D5AF89248CB}"/>
+              </a:ext>
+            </a:extLst>
+          </p:cNvPr>
+          <p:cNvSpPr>
+            <a:spLocks noGrp="1"/>
+          </p:cNvSpPr>
+          <p:nvPr>
+            <p:ph type="sldNum" sz="quarter" idx="12"/>
+          </p:nvPr>
+        </p:nvSpPr>
+        <p:spPr/>
+        <p:txBody>
+          <a:bodyPr/>
+          <a:lstStyle/>
+          <a:p>
+            <a:fld id="{2AF3B5EA-18B6-4040-9F78-6052AF49C681}" type="slidenum">
+              <a:rPr lang="en-US" smtClean="0"/>
+              <a:t>25</a:t>
+            </a:fld>
+            <a:endParaRPr lang="en-US"/>
+          </a:p>
+        </p:txBody>
+      </p:sp>
+    </p:spTree>
+    <p:extLst>
+      <p:ext uri="{BB962C8B-B14F-4D97-AF65-F5344CB8AC3E}">
+        <p14:creationId xmlns:p14="http://schemas.microsoft.com/office/powerpoint/2010/main" val="4072466075"/>
+      </p:ext>
+    </p:extLst>
+  </p:cSld>
+  <p:clrMapOvr>
+    <a:masterClrMapping/>
+  </p:clrMapOvr>
+</p:sld>
+</file>
+
+<file path=ppt/slides/slide26.xml><?xml version="1.0" encoding="utf-8"?>
+<p:sld xmlns:a="http://schemas.openxmlformats.org/drawingml/2006/main" xmlns:r="http://schemas.openxmlformats.org/officeDocument/2006/relationships" xmlns:p="http://schemas.openxmlformats.org/presentationml/2006/main">
+  <p:cSld>
+    <p:spTree>
+      <p:nvGrpSpPr>
+        <p:cNvPr id="1" name=""/>
+        <p:cNvGrpSpPr/>
+        <p:nvPr/>
+      </p:nvGrpSpPr>
+      <p:grpSpPr>
+        <a:xfrm>
+          <a:off x="0" y="0"/>
+          <a:ext cx="0" cy="0"/>
+          <a:chOff x="0" y="0"/>
+          <a:chExt cx="0" cy="0"/>
+        </a:xfrm>
+      </p:grpSpPr>
+      <p:sp>
+        <p:nvSpPr>
           <p:cNvPr id="2" name="Title 1"/>
           <p:cNvSpPr>
             <a:spLocks noGrp="1"/>
@@ -10580,7 +10640,7 @@
             <a:fld id="{B6F15528-21DE-4FAA-801E-634DDDAF4B2B}" type="slidenum">
               <a:rPr lang="en-US" smtClean="0"/>
               <a:pPr/>
-              <a:t>25</a:t>
+              <a:t>26</a:t>
             </a:fld>
             <a:endParaRPr lang="en-US"/>
           </a:p>
